--- a/slides.pptx
+++ b/slides.pptx
@@ -6,12 +6,16 @@
   </p:sldMasterIdLst>
   <p:sldIdLst>
     <p:sldId id="256" r:id="rId2"/>
-    <p:sldId id="257" r:id="rId3"/>
-    <p:sldId id="258" r:id="rId4"/>
-    <p:sldId id="259" r:id="rId5"/>
-    <p:sldId id="261" r:id="rId6"/>
-    <p:sldId id="262" r:id="rId7"/>
-    <p:sldId id="260" r:id="rId8"/>
+    <p:sldId id="266" r:id="rId3"/>
+    <p:sldId id="257" r:id="rId4"/>
+    <p:sldId id="258" r:id="rId5"/>
+    <p:sldId id="260" r:id="rId6"/>
+    <p:sldId id="259" r:id="rId7"/>
+    <p:sldId id="261" r:id="rId8"/>
+    <p:sldId id="265" r:id="rId9"/>
+    <p:sldId id="262" r:id="rId10"/>
+    <p:sldId id="263" r:id="rId11"/>
+    <p:sldId id="264" r:id="rId12"/>
   </p:sldIdLst>
   <p:sldSz cx="12192000" cy="6858000"/>
   <p:notesSz cx="6858000" cy="9144000"/>
@@ -5549,6 +5553,1162 @@
 </p:sld>
 </file>
 
+<file path=ppt/slides/slide10.xml><?xml version="1.0" encoding="utf-8"?>
+<p:sld xmlns:a="http://schemas.openxmlformats.org/drawingml/2006/main" xmlns:r="http://schemas.openxmlformats.org/officeDocument/2006/relationships" xmlns:p="http://schemas.openxmlformats.org/presentationml/2006/main">
+  <p:cSld>
+    <p:bg>
+      <p:bgPr>
+        <a:solidFill>
+          <a:schemeClr val="bg1"/>
+        </a:solidFill>
+        <a:effectLst/>
+      </p:bgPr>
+    </p:bg>
+    <p:spTree>
+      <p:nvGrpSpPr>
+        <p:cNvPr id="1" name=""/>
+        <p:cNvGrpSpPr/>
+        <p:nvPr/>
+      </p:nvGrpSpPr>
+      <p:grpSpPr>
+        <a:xfrm>
+          <a:off x="0" y="0"/>
+          <a:ext cx="0" cy="0"/>
+          <a:chOff x="0" y="0"/>
+          <a:chExt cx="0" cy="0"/>
+        </a:xfrm>
+      </p:grpSpPr>
+      <p:sp>
+        <p:nvSpPr>
+          <p:cNvPr id="12" name="Rectangle 11">
+            <a:extLst>
+              <a:ext uri="{FF2B5EF4-FFF2-40B4-BE49-F238E27FC236}">
+                <a16:creationId xmlns:a16="http://schemas.microsoft.com/office/drawing/2014/main" id="{8D06CE56-3881-4ADA-8CEF-D18B02C242A3}"/>
+              </a:ext>
+              <a:ext uri="{C183D7F6-B498-43B3-948B-1728B52AA6E4}">
+                <adec:decorative xmlns:adec="http://schemas.microsoft.com/office/drawing/2017/decorative" val="1"/>
+              </a:ext>
+            </a:extLst>
+          </p:cNvPr>
+          <p:cNvSpPr>
+            <a:spLocks noGrp="1" noRot="1" noChangeAspect="1" noMove="1" noResize="1" noEditPoints="1" noAdjustHandles="1" noChangeArrowheads="1" noChangeShapeType="1" noTextEdit="1"/>
+          </p:cNvSpPr>
+          <p:nvPr>
+            <p:extLst>
+              <p:ext uri="{386F3935-93C4-4BCD-93E2-E3B085C9AB24}">
+                <p16:designElem xmlns:p16="http://schemas.microsoft.com/office/powerpoint/2015/main" val="1"/>
+              </p:ext>
+            </p:extLst>
+          </p:nvPr>
+        </p:nvSpPr>
+        <p:spPr>
+          <a:xfrm rot="5400000">
+            <a:off x="857544" y="346791"/>
+            <a:ext cx="146304" cy="704088"/>
+          </a:xfrm>
+          <a:prstGeom prst="rect">
+            <a:avLst/>
+          </a:prstGeom>
+          <a:solidFill>
+            <a:schemeClr val="accent1"/>
+          </a:solidFill>
+          <a:ln>
+            <a:noFill/>
+          </a:ln>
+        </p:spPr>
+        <p:style>
+          <a:lnRef idx="2">
+            <a:schemeClr val="accent1">
+              <a:shade val="50000"/>
+            </a:schemeClr>
+          </a:lnRef>
+          <a:fillRef idx="1">
+            <a:schemeClr val="accent1"/>
+          </a:fillRef>
+          <a:effectRef idx="0">
+            <a:schemeClr val="accent1"/>
+          </a:effectRef>
+          <a:fontRef idx="minor">
+            <a:schemeClr val="lt1"/>
+          </a:fontRef>
+        </p:style>
+        <p:txBody>
+          <a:bodyPr rtlCol="0" anchor="ctr"/>
+          <a:lstStyle/>
+          <a:p>
+            <a:pPr marL="0" marR="0" lvl="0" indent="0" algn="ctr" defTabSz="914400" rtl="0" eaLnBrk="1" fontAlgn="auto" latinLnBrk="0" hangingPunct="1">
+              <a:lnSpc>
+                <a:spcPct val="100000"/>
+              </a:lnSpc>
+              <a:spcBef>
+                <a:spcPts val="0"/>
+              </a:spcBef>
+              <a:spcAft>
+                <a:spcPts val="0"/>
+              </a:spcAft>
+              <a:buClrTx/>
+              <a:buSzTx/>
+              <a:buFontTx/>
+              <a:buNone/>
+              <a:tabLst/>
+              <a:defRPr/>
+            </a:pPr>
+            <a:endParaRPr kumimoji="0" lang="en-US" sz="1800" b="0" i="0" u="none" strike="noStrike" kern="1200" cap="none" spc="0" normalizeH="0" baseline="0" noProof="0">
+              <a:ln>
+                <a:noFill/>
+              </a:ln>
+              <a:solidFill>
+                <a:prstClr val="white"/>
+              </a:solidFill>
+              <a:effectLst/>
+              <a:uLnTx/>
+              <a:uFillTx/>
+              <a:latin typeface="Calibri" panose="020F0502020204030204"/>
+              <a:ea typeface="+mn-ea"/>
+              <a:cs typeface="+mn-cs"/>
+            </a:endParaRPr>
+          </a:p>
+        </p:txBody>
+      </p:sp>
+      <p:sp>
+        <p:nvSpPr>
+          <p:cNvPr id="14" name="Rectangle 13">
+            <a:extLst>
+              <a:ext uri="{FF2B5EF4-FFF2-40B4-BE49-F238E27FC236}">
+                <a16:creationId xmlns:a16="http://schemas.microsoft.com/office/drawing/2014/main" id="{79F3C543-62EC-4433-9C93-A2CD8764E9B4}"/>
+              </a:ext>
+              <a:ext uri="{C183D7F6-B498-43B3-948B-1728B52AA6E4}">
+                <adec:decorative xmlns:adec="http://schemas.microsoft.com/office/drawing/2017/decorative" val="1"/>
+              </a:ext>
+            </a:extLst>
+          </p:cNvPr>
+          <p:cNvSpPr>
+            <a:spLocks noGrp="1" noRot="1" noChangeAspect="1" noMove="1" noResize="1" noEditPoints="1" noAdjustHandles="1" noChangeArrowheads="1" noChangeShapeType="1" noTextEdit="1"/>
+          </p:cNvSpPr>
+          <p:nvPr>
+            <p:extLst>
+              <p:ext uri="{386F3935-93C4-4BCD-93E2-E3B085C9AB24}">
+                <p16:designElem xmlns:p16="http://schemas.microsoft.com/office/powerpoint/2015/main" val="1"/>
+              </p:ext>
+            </p:extLst>
+          </p:nvPr>
+        </p:nvSpPr>
+        <p:spPr>
+          <a:xfrm flipV="1">
+            <a:off x="578652" y="4501201"/>
+            <a:ext cx="11034696" cy="18288"/>
+          </a:xfrm>
+          <a:prstGeom prst="rect">
+            <a:avLst/>
+          </a:prstGeom>
+          <a:solidFill>
+            <a:schemeClr val="tx2">
+              <a:lumMod val="25000"/>
+              <a:lumOff val="75000"/>
+            </a:schemeClr>
+          </a:solidFill>
+          <a:ln w="3175">
+            <a:noFill/>
+          </a:ln>
+          <a:effectLst/>
+        </p:spPr>
+        <p:style>
+          <a:lnRef idx="2">
+            <a:schemeClr val="accent1">
+              <a:shade val="50000"/>
+            </a:schemeClr>
+          </a:lnRef>
+          <a:fillRef idx="1">
+            <a:schemeClr val="accent1"/>
+          </a:fillRef>
+          <a:effectRef idx="0">
+            <a:schemeClr val="accent1"/>
+          </a:effectRef>
+          <a:fontRef idx="minor">
+            <a:schemeClr val="lt1"/>
+          </a:fontRef>
+        </p:style>
+        <p:txBody>
+          <a:bodyPr rtlCol="0" anchor="ctr"/>
+          <a:lstStyle/>
+          <a:p>
+            <a:pPr marL="0" marR="0" lvl="0" indent="0" algn="ctr" defTabSz="914400" rtl="0" eaLnBrk="1" fontAlgn="auto" latinLnBrk="0" hangingPunct="1">
+              <a:lnSpc>
+                <a:spcPct val="100000"/>
+              </a:lnSpc>
+              <a:spcBef>
+                <a:spcPts val="0"/>
+              </a:spcBef>
+              <a:spcAft>
+                <a:spcPts val="0"/>
+              </a:spcAft>
+              <a:buClrTx/>
+              <a:buSzTx/>
+              <a:buFontTx/>
+              <a:buNone/>
+              <a:tabLst/>
+              <a:defRPr/>
+            </a:pPr>
+            <a:endParaRPr kumimoji="0" lang="en-US" sz="1800" b="0" i="0" u="none" strike="noStrike" kern="1200" cap="none" spc="0" normalizeH="0" baseline="0" noProof="0">
+              <a:ln>
+                <a:noFill/>
+              </a:ln>
+              <a:solidFill>
+                <a:prstClr val="white"/>
+              </a:solidFill>
+              <a:effectLst/>
+              <a:uLnTx/>
+              <a:uFillTx/>
+              <a:latin typeface="Calibri" panose="020F0502020204030204"/>
+              <a:ea typeface="+mn-ea"/>
+              <a:cs typeface="+mn-cs"/>
+            </a:endParaRPr>
+          </a:p>
+        </p:txBody>
+      </p:sp>
+      <p:sp useBgFill="1">
+        <p:nvSpPr>
+          <p:cNvPr id="16" name="Rectangle 15">
+            <a:extLst>
+              <a:ext uri="{FF2B5EF4-FFF2-40B4-BE49-F238E27FC236}">
+                <a16:creationId xmlns:a16="http://schemas.microsoft.com/office/drawing/2014/main" id="{96646FC9-C66D-4EC7-8310-0DD4ACC49C6C}"/>
+              </a:ext>
+              <a:ext uri="{C183D7F6-B498-43B3-948B-1728B52AA6E4}">
+                <adec:decorative xmlns:adec="http://schemas.microsoft.com/office/drawing/2017/decorative" val="1"/>
+              </a:ext>
+            </a:extLst>
+          </p:cNvPr>
+          <p:cNvSpPr>
+            <a:spLocks noGrp="1" noRot="1" noChangeAspect="1" noMove="1" noResize="1" noEditPoints="1" noAdjustHandles="1" noChangeArrowheads="1" noChangeShapeType="1" noTextEdit="1"/>
+          </p:cNvSpPr>
+          <p:nvPr>
+            <p:extLst>
+              <p:ext uri="{386F3935-93C4-4BCD-93E2-E3B085C9AB24}">
+                <p16:designElem xmlns:p16="http://schemas.microsoft.com/office/powerpoint/2015/main" val="1"/>
+              </p:ext>
+            </p:extLst>
+          </p:nvPr>
+        </p:nvSpPr>
+        <p:spPr>
+          <a:xfrm>
+            <a:off x="0" y="0"/>
+            <a:ext cx="12192000" cy="6858000"/>
+          </a:xfrm>
+          <a:prstGeom prst="rect">
+            <a:avLst/>
+          </a:prstGeom>
+          <a:ln>
+            <a:noFill/>
+          </a:ln>
+        </p:spPr>
+        <p:style>
+          <a:lnRef idx="2">
+            <a:schemeClr val="accent1">
+              <a:shade val="50000"/>
+            </a:schemeClr>
+          </a:lnRef>
+          <a:fillRef idx="1">
+            <a:schemeClr val="accent1"/>
+          </a:fillRef>
+          <a:effectRef idx="0">
+            <a:schemeClr val="accent1"/>
+          </a:effectRef>
+          <a:fontRef idx="minor">
+            <a:schemeClr val="lt1"/>
+          </a:fontRef>
+        </p:style>
+        <p:txBody>
+          <a:bodyPr rtlCol="0" anchor="ctr"/>
+          <a:lstStyle/>
+          <a:p>
+            <a:pPr algn="ctr"/>
+            <a:endParaRPr lang="en-US"/>
+          </a:p>
+        </p:txBody>
+      </p:sp>
+      <p:sp useBgFill="1">
+        <p:nvSpPr>
+          <p:cNvPr id="18" name="Rectangle 17">
+            <a:extLst>
+              <a:ext uri="{FF2B5EF4-FFF2-40B4-BE49-F238E27FC236}">
+                <a16:creationId xmlns:a16="http://schemas.microsoft.com/office/drawing/2014/main" id="{A3473CF9-37EB-43E7-89EF-D2D1C53D1DAC}"/>
+              </a:ext>
+              <a:ext uri="{C183D7F6-B498-43B3-948B-1728B52AA6E4}">
+                <adec:decorative xmlns:adec="http://schemas.microsoft.com/office/drawing/2017/decorative" val="1"/>
+              </a:ext>
+            </a:extLst>
+          </p:cNvPr>
+          <p:cNvSpPr>
+            <a:spLocks noGrp="1" noRot="1" noChangeAspect="1" noMove="1" noResize="1" noEditPoints="1" noAdjustHandles="1" noChangeArrowheads="1" noChangeShapeType="1" noTextEdit="1"/>
+          </p:cNvSpPr>
+          <p:nvPr>
+            <p:extLst>
+              <p:ext uri="{386F3935-93C4-4BCD-93E2-E3B085C9AB24}">
+                <p16:designElem xmlns:p16="http://schemas.microsoft.com/office/powerpoint/2015/main" val="1"/>
+              </p:ext>
+            </p:extLst>
+          </p:nvPr>
+        </p:nvSpPr>
+        <p:spPr>
+          <a:xfrm>
+            <a:off x="1903615" y="221673"/>
+            <a:ext cx="8384770" cy="1332634"/>
+          </a:xfrm>
+          <a:prstGeom prst="rect">
+            <a:avLst/>
+          </a:prstGeom>
+          <a:ln w="12700">
+            <a:solidFill>
+              <a:schemeClr val="tx2">
+                <a:lumMod val="10000"/>
+                <a:lumOff val="90000"/>
+              </a:schemeClr>
+            </a:solidFill>
+          </a:ln>
+          <a:effectLst>
+            <a:outerShdw blurRad="50800" dist="38100" dir="2700000" algn="tl" rotWithShape="0">
+              <a:schemeClr val="bg2">
+                <a:lumMod val="85000"/>
+                <a:alpha val="30000"/>
+              </a:schemeClr>
+            </a:outerShdw>
+          </a:effectLst>
+        </p:spPr>
+        <p:style>
+          <a:lnRef idx="2">
+            <a:schemeClr val="accent1">
+              <a:shade val="50000"/>
+            </a:schemeClr>
+          </a:lnRef>
+          <a:fillRef idx="1">
+            <a:schemeClr val="accent1"/>
+          </a:fillRef>
+          <a:effectRef idx="0">
+            <a:schemeClr val="accent1"/>
+          </a:effectRef>
+          <a:fontRef idx="minor">
+            <a:schemeClr val="lt1"/>
+          </a:fontRef>
+        </p:style>
+        <p:txBody>
+          <a:bodyPr rtlCol="0" anchor="ctr"/>
+          <a:lstStyle/>
+          <a:p>
+            <a:pPr marL="0" marR="0" lvl="0" indent="0" algn="ctr" defTabSz="914400" rtl="0" eaLnBrk="1" fontAlgn="auto" latinLnBrk="0" hangingPunct="1">
+              <a:lnSpc>
+                <a:spcPct val="100000"/>
+              </a:lnSpc>
+              <a:spcBef>
+                <a:spcPts val="0"/>
+              </a:spcBef>
+              <a:spcAft>
+                <a:spcPts val="0"/>
+              </a:spcAft>
+              <a:buClrTx/>
+              <a:buSzTx/>
+              <a:buFontTx/>
+              <a:buNone/>
+              <a:tabLst/>
+              <a:defRPr/>
+            </a:pPr>
+            <a:endParaRPr kumimoji="0" lang="en-US" sz="1800" b="0" i="0" u="none" strike="noStrike" kern="1200" cap="none" spc="0" normalizeH="0" baseline="0" noProof="0">
+              <a:ln>
+                <a:noFill/>
+              </a:ln>
+              <a:solidFill>
+                <a:prstClr val="white"/>
+              </a:solidFill>
+              <a:effectLst/>
+              <a:uLnTx/>
+              <a:uFillTx/>
+              <a:latin typeface="Calibri" panose="020F0502020204030204"/>
+              <a:ea typeface="+mn-ea"/>
+              <a:cs typeface="+mn-cs"/>
+            </a:endParaRPr>
+          </a:p>
+        </p:txBody>
+      </p:sp>
+      <p:sp>
+        <p:nvSpPr>
+          <p:cNvPr id="2" name="Title 1">
+            <a:extLst>
+              <a:ext uri="{FF2B5EF4-FFF2-40B4-BE49-F238E27FC236}">
+                <a16:creationId xmlns:a16="http://schemas.microsoft.com/office/drawing/2014/main" id="{C74580AF-FCB4-6E48-85B2-5D41761D6A6A}"/>
+              </a:ext>
+            </a:extLst>
+          </p:cNvPr>
+          <p:cNvSpPr>
+            <a:spLocks noGrp="1"/>
+          </p:cNvSpPr>
+          <p:nvPr>
+            <p:ph type="title"/>
+          </p:nvPr>
+        </p:nvSpPr>
+        <p:spPr>
+          <a:xfrm>
+            <a:off x="2103121" y="310343"/>
+            <a:ext cx="7985759" cy="868823"/>
+          </a:xfrm>
+        </p:spPr>
+        <p:txBody>
+          <a:bodyPr vert="horz" lIns="91440" tIns="45720" rIns="91440" bIns="45720" rtlCol="0" anchor="ctr">
+            <a:normAutofit/>
+          </a:bodyPr>
+          <a:lstStyle/>
+          <a:p>
+            <a:pPr algn="ctr"/>
+            <a:r>
+              <a:rPr lang="en-US"/>
+              <a:t>The importance of randomness</a:t>
+            </a:r>
+          </a:p>
+        </p:txBody>
+      </p:sp>
+      <p:sp>
+        <p:nvSpPr>
+          <p:cNvPr id="20" name="Rectangle: Rounded Corners 19">
+            <a:extLst>
+              <a:ext uri="{FF2B5EF4-FFF2-40B4-BE49-F238E27FC236}">
+                <a16:creationId xmlns:a16="http://schemas.microsoft.com/office/drawing/2014/main" id="{586B4EF9-43BA-4655-A6FF-1D8E21574C95}"/>
+              </a:ext>
+              <a:ext uri="{C183D7F6-B498-43B3-948B-1728B52AA6E4}">
+                <adec:decorative xmlns:adec="http://schemas.microsoft.com/office/drawing/2017/decorative" val="1"/>
+              </a:ext>
+            </a:extLst>
+          </p:cNvPr>
+          <p:cNvSpPr>
+            <a:spLocks noGrp="1" noRot="1" noChangeAspect="1" noMove="1" noResize="1" noEditPoints="1" noAdjustHandles="1" noChangeArrowheads="1" noChangeShapeType="1" noTextEdit="1"/>
+          </p:cNvSpPr>
+          <p:nvPr>
+            <p:extLst>
+              <p:ext uri="{386F3935-93C4-4BCD-93E2-E3B085C9AB24}">
+                <p16:designElem xmlns:p16="http://schemas.microsoft.com/office/powerpoint/2015/main" val="1"/>
+              </p:ext>
+            </p:extLst>
+          </p:nvPr>
+        </p:nvSpPr>
+        <p:spPr>
+          <a:xfrm>
+            <a:off x="2483110" y="1211407"/>
+            <a:ext cx="7225780" cy="685800"/>
+          </a:xfrm>
+          <a:prstGeom prst="roundRect">
+            <a:avLst>
+              <a:gd name="adj" fmla="val 0"/>
+            </a:avLst>
+          </a:prstGeom>
+          <a:solidFill>
+            <a:schemeClr val="accent1"/>
+          </a:solidFill>
+          <a:ln>
+            <a:noFill/>
+          </a:ln>
+        </p:spPr>
+        <p:style>
+          <a:lnRef idx="2">
+            <a:schemeClr val="accent1">
+              <a:shade val="50000"/>
+            </a:schemeClr>
+          </a:lnRef>
+          <a:fillRef idx="1">
+            <a:schemeClr val="accent1"/>
+          </a:fillRef>
+          <a:effectRef idx="0">
+            <a:schemeClr val="accent1"/>
+          </a:effectRef>
+          <a:fontRef idx="minor">
+            <a:schemeClr val="lt1"/>
+          </a:fontRef>
+        </p:style>
+        <p:txBody>
+          <a:bodyPr rtlCol="0" anchor="ctr"/>
+          <a:lstStyle/>
+          <a:p>
+            <a:pPr marL="0" marR="0" lvl="0" indent="0" algn="ctr" defTabSz="914400" rtl="0" eaLnBrk="1" fontAlgn="auto" latinLnBrk="0" hangingPunct="1">
+              <a:lnSpc>
+                <a:spcPct val="100000"/>
+              </a:lnSpc>
+              <a:spcBef>
+                <a:spcPts val="0"/>
+              </a:spcBef>
+              <a:spcAft>
+                <a:spcPts val="0"/>
+              </a:spcAft>
+              <a:buClrTx/>
+              <a:buSzTx/>
+              <a:buFontTx/>
+              <a:buNone/>
+              <a:tabLst/>
+              <a:defRPr/>
+            </a:pPr>
+            <a:endParaRPr kumimoji="0" lang="en-US" sz="1800" b="0" i="0" u="none" strike="noStrike" kern="1200" cap="none" spc="0" normalizeH="0" baseline="0" noProof="0">
+              <a:ln>
+                <a:noFill/>
+              </a:ln>
+              <a:solidFill>
+                <a:prstClr val="white"/>
+              </a:solidFill>
+              <a:effectLst/>
+              <a:uLnTx/>
+              <a:uFillTx/>
+              <a:latin typeface="Avenir Next LT Pro"/>
+              <a:ea typeface="+mn-ea"/>
+              <a:cs typeface="+mn-cs"/>
+            </a:endParaRPr>
+          </a:p>
+        </p:txBody>
+      </p:sp>
+      <p:pic>
+        <p:nvPicPr>
+          <p:cNvPr id="7" name="Picture 6" descr="Chart, scatter chart&#10;&#10;Description automatically generated">
+            <a:extLst>
+              <a:ext uri="{FF2B5EF4-FFF2-40B4-BE49-F238E27FC236}">
+                <a16:creationId xmlns:a16="http://schemas.microsoft.com/office/drawing/2014/main" id="{46DC180B-2F77-694E-8085-35AA19FE2D27}"/>
+              </a:ext>
+            </a:extLst>
+          </p:cNvPr>
+          <p:cNvPicPr>
+            <a:picLocks noChangeAspect="1"/>
+          </p:cNvPicPr>
+          <p:nvPr/>
+        </p:nvPicPr>
+        <p:blipFill>
+          <a:blip r:embed="rId2"/>
+          <a:stretch>
+            <a:fillRect/>
+          </a:stretch>
+        </p:blipFill>
+        <p:spPr>
+          <a:xfrm>
+            <a:off x="385572" y="2243086"/>
+            <a:ext cx="5596128" cy="3889308"/>
+          </a:xfrm>
+          <a:prstGeom prst="rect">
+            <a:avLst/>
+          </a:prstGeom>
+        </p:spPr>
+      </p:pic>
+      <p:pic>
+        <p:nvPicPr>
+          <p:cNvPr id="5" name="Picture 4" descr="Chart, scatter chart&#10;&#10;Description automatically generated">
+            <a:extLst>
+              <a:ext uri="{FF2B5EF4-FFF2-40B4-BE49-F238E27FC236}">
+                <a16:creationId xmlns:a16="http://schemas.microsoft.com/office/drawing/2014/main" id="{9D49699B-2302-B64A-AB9B-3F6E89C59520}"/>
+              </a:ext>
+            </a:extLst>
+          </p:cNvPr>
+          <p:cNvPicPr>
+            <a:picLocks noChangeAspect="1"/>
+          </p:cNvPicPr>
+          <p:nvPr/>
+        </p:nvPicPr>
+        <p:blipFill>
+          <a:blip r:embed="rId3"/>
+          <a:stretch>
+            <a:fillRect/>
+          </a:stretch>
+        </p:blipFill>
+        <p:spPr>
+          <a:xfrm>
+            <a:off x="6210302" y="2264071"/>
+            <a:ext cx="5596128" cy="3847337"/>
+          </a:xfrm>
+          <a:prstGeom prst="rect">
+            <a:avLst/>
+          </a:prstGeom>
+        </p:spPr>
+      </p:pic>
+    </p:spTree>
+    <p:extLst>
+      <p:ext uri="{BB962C8B-B14F-4D97-AF65-F5344CB8AC3E}">
+        <p14:creationId xmlns:p14="http://schemas.microsoft.com/office/powerpoint/2010/main" val="749001517"/>
+      </p:ext>
+    </p:extLst>
+  </p:cSld>
+  <p:clrMapOvr>
+    <a:masterClrMapping/>
+  </p:clrMapOvr>
+</p:sld>
+</file>
+
+<file path=ppt/slides/slide11.xml><?xml version="1.0" encoding="utf-8"?>
+<p:sld xmlns:a="http://schemas.openxmlformats.org/drawingml/2006/main" xmlns:r="http://schemas.openxmlformats.org/officeDocument/2006/relationships" xmlns:p="http://schemas.openxmlformats.org/presentationml/2006/main">
+  <p:cSld>
+    <p:bg>
+      <p:bgPr>
+        <a:solidFill>
+          <a:schemeClr val="bg1"/>
+        </a:solidFill>
+        <a:effectLst/>
+      </p:bgPr>
+    </p:bg>
+    <p:spTree>
+      <p:nvGrpSpPr>
+        <p:cNvPr id="1" name=""/>
+        <p:cNvGrpSpPr/>
+        <p:nvPr/>
+      </p:nvGrpSpPr>
+      <p:grpSpPr>
+        <a:xfrm>
+          <a:off x="0" y="0"/>
+          <a:ext cx="0" cy="0"/>
+          <a:chOff x="0" y="0"/>
+          <a:chExt cx="0" cy="0"/>
+        </a:xfrm>
+      </p:grpSpPr>
+      <p:sp>
+        <p:nvSpPr>
+          <p:cNvPr id="22" name="Rectangle 11">
+            <a:extLst>
+              <a:ext uri="{FF2B5EF4-FFF2-40B4-BE49-F238E27FC236}">
+                <a16:creationId xmlns:a16="http://schemas.microsoft.com/office/drawing/2014/main" id="{8D06CE56-3881-4ADA-8CEF-D18B02C242A3}"/>
+              </a:ext>
+              <a:ext uri="{C183D7F6-B498-43B3-948B-1728B52AA6E4}">
+                <adec:decorative xmlns:adec="http://schemas.microsoft.com/office/drawing/2017/decorative" val="1"/>
+              </a:ext>
+            </a:extLst>
+          </p:cNvPr>
+          <p:cNvSpPr>
+            <a:spLocks noGrp="1" noRot="1" noChangeAspect="1" noMove="1" noResize="1" noEditPoints="1" noAdjustHandles="1" noChangeArrowheads="1" noChangeShapeType="1" noTextEdit="1"/>
+          </p:cNvSpPr>
+          <p:nvPr>
+            <p:extLst>
+              <p:ext uri="{386F3935-93C4-4BCD-93E2-E3B085C9AB24}">
+                <p16:designElem xmlns:p16="http://schemas.microsoft.com/office/powerpoint/2015/main" val="1"/>
+              </p:ext>
+            </p:extLst>
+          </p:nvPr>
+        </p:nvSpPr>
+        <p:spPr>
+          <a:xfrm rot="5400000">
+            <a:off x="857544" y="346791"/>
+            <a:ext cx="146304" cy="704088"/>
+          </a:xfrm>
+          <a:prstGeom prst="rect">
+            <a:avLst/>
+          </a:prstGeom>
+          <a:solidFill>
+            <a:schemeClr val="accent1"/>
+          </a:solidFill>
+          <a:ln>
+            <a:noFill/>
+          </a:ln>
+        </p:spPr>
+        <p:style>
+          <a:lnRef idx="2">
+            <a:schemeClr val="accent1">
+              <a:shade val="50000"/>
+            </a:schemeClr>
+          </a:lnRef>
+          <a:fillRef idx="1">
+            <a:schemeClr val="accent1"/>
+          </a:fillRef>
+          <a:effectRef idx="0">
+            <a:schemeClr val="accent1"/>
+          </a:effectRef>
+          <a:fontRef idx="minor">
+            <a:schemeClr val="lt1"/>
+          </a:fontRef>
+        </p:style>
+        <p:txBody>
+          <a:bodyPr rtlCol="0" anchor="ctr"/>
+          <a:lstStyle/>
+          <a:p>
+            <a:pPr marL="0" marR="0" lvl="0" indent="0" algn="ctr" defTabSz="914400" rtl="0" eaLnBrk="1" fontAlgn="auto" latinLnBrk="0" hangingPunct="1">
+              <a:lnSpc>
+                <a:spcPct val="100000"/>
+              </a:lnSpc>
+              <a:spcBef>
+                <a:spcPts val="0"/>
+              </a:spcBef>
+              <a:spcAft>
+                <a:spcPts val="0"/>
+              </a:spcAft>
+              <a:buClrTx/>
+              <a:buSzTx/>
+              <a:buFontTx/>
+              <a:buNone/>
+              <a:tabLst/>
+              <a:defRPr/>
+            </a:pPr>
+            <a:endParaRPr kumimoji="0" lang="en-US" sz="1800" b="0" i="0" u="none" strike="noStrike" kern="1200" cap="none" spc="0" normalizeH="0" baseline="0" noProof="0">
+              <a:ln>
+                <a:noFill/>
+              </a:ln>
+              <a:solidFill>
+                <a:prstClr val="white"/>
+              </a:solidFill>
+              <a:effectLst/>
+              <a:uLnTx/>
+              <a:uFillTx/>
+              <a:latin typeface="Calibri" panose="020F0502020204030204"/>
+              <a:ea typeface="+mn-ea"/>
+              <a:cs typeface="+mn-cs"/>
+            </a:endParaRPr>
+          </a:p>
+        </p:txBody>
+      </p:sp>
+      <p:sp>
+        <p:nvSpPr>
+          <p:cNvPr id="23" name="Rectangle 13">
+            <a:extLst>
+              <a:ext uri="{FF2B5EF4-FFF2-40B4-BE49-F238E27FC236}">
+                <a16:creationId xmlns:a16="http://schemas.microsoft.com/office/drawing/2014/main" id="{79F3C543-62EC-4433-9C93-A2CD8764E9B4}"/>
+              </a:ext>
+              <a:ext uri="{C183D7F6-B498-43B3-948B-1728B52AA6E4}">
+                <adec:decorative xmlns:adec="http://schemas.microsoft.com/office/drawing/2017/decorative" val="1"/>
+              </a:ext>
+            </a:extLst>
+          </p:cNvPr>
+          <p:cNvSpPr>
+            <a:spLocks noGrp="1" noRot="1" noChangeAspect="1" noMove="1" noResize="1" noEditPoints="1" noAdjustHandles="1" noChangeArrowheads="1" noChangeShapeType="1" noTextEdit="1"/>
+          </p:cNvSpPr>
+          <p:nvPr>
+            <p:extLst>
+              <p:ext uri="{386F3935-93C4-4BCD-93E2-E3B085C9AB24}">
+                <p16:designElem xmlns:p16="http://schemas.microsoft.com/office/powerpoint/2015/main" val="1"/>
+              </p:ext>
+            </p:extLst>
+          </p:nvPr>
+        </p:nvSpPr>
+        <p:spPr>
+          <a:xfrm flipV="1">
+            <a:off x="578652" y="4501201"/>
+            <a:ext cx="11034696" cy="18288"/>
+          </a:xfrm>
+          <a:prstGeom prst="rect">
+            <a:avLst/>
+          </a:prstGeom>
+          <a:solidFill>
+            <a:schemeClr val="tx2">
+              <a:lumMod val="25000"/>
+              <a:lumOff val="75000"/>
+            </a:schemeClr>
+          </a:solidFill>
+          <a:ln w="3175">
+            <a:noFill/>
+          </a:ln>
+          <a:effectLst/>
+        </p:spPr>
+        <p:style>
+          <a:lnRef idx="2">
+            <a:schemeClr val="accent1">
+              <a:shade val="50000"/>
+            </a:schemeClr>
+          </a:lnRef>
+          <a:fillRef idx="1">
+            <a:schemeClr val="accent1"/>
+          </a:fillRef>
+          <a:effectRef idx="0">
+            <a:schemeClr val="accent1"/>
+          </a:effectRef>
+          <a:fontRef idx="minor">
+            <a:schemeClr val="lt1"/>
+          </a:fontRef>
+        </p:style>
+        <p:txBody>
+          <a:bodyPr rtlCol="0" anchor="ctr"/>
+          <a:lstStyle/>
+          <a:p>
+            <a:pPr marL="0" marR="0" lvl="0" indent="0" algn="ctr" defTabSz="914400" rtl="0" eaLnBrk="1" fontAlgn="auto" latinLnBrk="0" hangingPunct="1">
+              <a:lnSpc>
+                <a:spcPct val="100000"/>
+              </a:lnSpc>
+              <a:spcBef>
+                <a:spcPts val="0"/>
+              </a:spcBef>
+              <a:spcAft>
+                <a:spcPts val="0"/>
+              </a:spcAft>
+              <a:buClrTx/>
+              <a:buSzTx/>
+              <a:buFontTx/>
+              <a:buNone/>
+              <a:tabLst/>
+              <a:defRPr/>
+            </a:pPr>
+            <a:endParaRPr kumimoji="0" lang="en-US" sz="1800" b="0" i="0" u="none" strike="noStrike" kern="1200" cap="none" spc="0" normalizeH="0" baseline="0" noProof="0">
+              <a:ln>
+                <a:noFill/>
+              </a:ln>
+              <a:solidFill>
+                <a:prstClr val="white"/>
+              </a:solidFill>
+              <a:effectLst/>
+              <a:uLnTx/>
+              <a:uFillTx/>
+              <a:latin typeface="Calibri" panose="020F0502020204030204"/>
+              <a:ea typeface="+mn-ea"/>
+              <a:cs typeface="+mn-cs"/>
+            </a:endParaRPr>
+          </a:p>
+        </p:txBody>
+      </p:sp>
+      <p:sp useBgFill="1">
+        <p:nvSpPr>
+          <p:cNvPr id="24" name="Rectangle 15">
+            <a:extLst>
+              <a:ext uri="{FF2B5EF4-FFF2-40B4-BE49-F238E27FC236}">
+                <a16:creationId xmlns:a16="http://schemas.microsoft.com/office/drawing/2014/main" id="{96646FC9-C66D-4EC7-8310-0DD4ACC49C6C}"/>
+              </a:ext>
+              <a:ext uri="{C183D7F6-B498-43B3-948B-1728B52AA6E4}">
+                <adec:decorative xmlns:adec="http://schemas.microsoft.com/office/drawing/2017/decorative" val="1"/>
+              </a:ext>
+            </a:extLst>
+          </p:cNvPr>
+          <p:cNvSpPr>
+            <a:spLocks noGrp="1" noRot="1" noChangeAspect="1" noMove="1" noResize="1" noEditPoints="1" noAdjustHandles="1" noChangeArrowheads="1" noChangeShapeType="1" noTextEdit="1"/>
+          </p:cNvSpPr>
+          <p:nvPr>
+            <p:extLst>
+              <p:ext uri="{386F3935-93C4-4BCD-93E2-E3B085C9AB24}">
+                <p16:designElem xmlns:p16="http://schemas.microsoft.com/office/powerpoint/2015/main" val="1"/>
+              </p:ext>
+            </p:extLst>
+          </p:nvPr>
+        </p:nvSpPr>
+        <p:spPr>
+          <a:xfrm>
+            <a:off x="0" y="0"/>
+            <a:ext cx="12192000" cy="6858000"/>
+          </a:xfrm>
+          <a:prstGeom prst="rect">
+            <a:avLst/>
+          </a:prstGeom>
+          <a:ln>
+            <a:noFill/>
+          </a:ln>
+        </p:spPr>
+        <p:style>
+          <a:lnRef idx="2">
+            <a:schemeClr val="accent1">
+              <a:shade val="50000"/>
+            </a:schemeClr>
+          </a:lnRef>
+          <a:fillRef idx="1">
+            <a:schemeClr val="accent1"/>
+          </a:fillRef>
+          <a:effectRef idx="0">
+            <a:schemeClr val="accent1"/>
+          </a:effectRef>
+          <a:fontRef idx="minor">
+            <a:schemeClr val="lt1"/>
+          </a:fontRef>
+        </p:style>
+        <p:txBody>
+          <a:bodyPr rtlCol="0" anchor="ctr"/>
+          <a:lstStyle/>
+          <a:p>
+            <a:pPr algn="ctr"/>
+            <a:endParaRPr lang="en-US"/>
+          </a:p>
+        </p:txBody>
+      </p:sp>
+      <p:sp useBgFill="1">
+        <p:nvSpPr>
+          <p:cNvPr id="25" name="Rectangle 17">
+            <a:extLst>
+              <a:ext uri="{FF2B5EF4-FFF2-40B4-BE49-F238E27FC236}">
+                <a16:creationId xmlns:a16="http://schemas.microsoft.com/office/drawing/2014/main" id="{A3473CF9-37EB-43E7-89EF-D2D1C53D1DAC}"/>
+              </a:ext>
+              <a:ext uri="{C183D7F6-B498-43B3-948B-1728B52AA6E4}">
+                <adec:decorative xmlns:adec="http://schemas.microsoft.com/office/drawing/2017/decorative" val="1"/>
+              </a:ext>
+            </a:extLst>
+          </p:cNvPr>
+          <p:cNvSpPr>
+            <a:spLocks noGrp="1" noRot="1" noChangeAspect="1" noMove="1" noResize="1" noEditPoints="1" noAdjustHandles="1" noChangeArrowheads="1" noChangeShapeType="1" noTextEdit="1"/>
+          </p:cNvSpPr>
+          <p:nvPr>
+            <p:extLst>
+              <p:ext uri="{386F3935-93C4-4BCD-93E2-E3B085C9AB24}">
+                <p16:designElem xmlns:p16="http://schemas.microsoft.com/office/powerpoint/2015/main" val="1"/>
+              </p:ext>
+            </p:extLst>
+          </p:nvPr>
+        </p:nvSpPr>
+        <p:spPr>
+          <a:xfrm>
+            <a:off x="1903615" y="221673"/>
+            <a:ext cx="8384770" cy="1332634"/>
+          </a:xfrm>
+          <a:prstGeom prst="rect">
+            <a:avLst/>
+          </a:prstGeom>
+          <a:ln w="12700">
+            <a:solidFill>
+              <a:schemeClr val="tx2">
+                <a:lumMod val="10000"/>
+                <a:lumOff val="90000"/>
+              </a:schemeClr>
+            </a:solidFill>
+          </a:ln>
+          <a:effectLst>
+            <a:outerShdw blurRad="50800" dist="38100" dir="2700000" algn="tl" rotWithShape="0">
+              <a:schemeClr val="bg2">
+                <a:lumMod val="85000"/>
+                <a:alpha val="30000"/>
+              </a:schemeClr>
+            </a:outerShdw>
+          </a:effectLst>
+        </p:spPr>
+        <p:style>
+          <a:lnRef idx="2">
+            <a:schemeClr val="accent1">
+              <a:shade val="50000"/>
+            </a:schemeClr>
+          </a:lnRef>
+          <a:fillRef idx="1">
+            <a:schemeClr val="accent1"/>
+          </a:fillRef>
+          <a:effectRef idx="0">
+            <a:schemeClr val="accent1"/>
+          </a:effectRef>
+          <a:fontRef idx="minor">
+            <a:schemeClr val="lt1"/>
+          </a:fontRef>
+        </p:style>
+        <p:txBody>
+          <a:bodyPr rtlCol="0" anchor="ctr"/>
+          <a:lstStyle/>
+          <a:p>
+            <a:pPr marL="0" marR="0" lvl="0" indent="0" algn="ctr" defTabSz="914400" rtl="0" eaLnBrk="1" fontAlgn="auto" latinLnBrk="0" hangingPunct="1">
+              <a:lnSpc>
+                <a:spcPct val="100000"/>
+              </a:lnSpc>
+              <a:spcBef>
+                <a:spcPts val="0"/>
+              </a:spcBef>
+              <a:spcAft>
+                <a:spcPts val="0"/>
+              </a:spcAft>
+              <a:buClrTx/>
+              <a:buSzTx/>
+              <a:buFontTx/>
+              <a:buNone/>
+              <a:tabLst/>
+              <a:defRPr/>
+            </a:pPr>
+            <a:endParaRPr kumimoji="0" lang="en-US" sz="1800" b="0" i="0" u="none" strike="noStrike" kern="1200" cap="none" spc="0" normalizeH="0" baseline="0" noProof="0">
+              <a:ln>
+                <a:noFill/>
+              </a:ln>
+              <a:solidFill>
+                <a:prstClr val="white"/>
+              </a:solidFill>
+              <a:effectLst/>
+              <a:uLnTx/>
+              <a:uFillTx/>
+              <a:latin typeface="Calibri" panose="020F0502020204030204"/>
+              <a:ea typeface="+mn-ea"/>
+              <a:cs typeface="+mn-cs"/>
+            </a:endParaRPr>
+          </a:p>
+        </p:txBody>
+      </p:sp>
+      <p:sp>
+        <p:nvSpPr>
+          <p:cNvPr id="2" name="Title 1">
+            <a:extLst>
+              <a:ext uri="{FF2B5EF4-FFF2-40B4-BE49-F238E27FC236}">
+                <a16:creationId xmlns:a16="http://schemas.microsoft.com/office/drawing/2014/main" id="{11198D10-24D5-9E40-9A0E-2A703ED2FA07}"/>
+              </a:ext>
+            </a:extLst>
+          </p:cNvPr>
+          <p:cNvSpPr>
+            <a:spLocks noGrp="1"/>
+          </p:cNvSpPr>
+          <p:nvPr>
+            <p:ph type="title"/>
+          </p:nvPr>
+        </p:nvSpPr>
+        <p:spPr>
+          <a:xfrm>
+            <a:off x="2103121" y="310343"/>
+            <a:ext cx="7985759" cy="868823"/>
+          </a:xfrm>
+        </p:spPr>
+        <p:txBody>
+          <a:bodyPr vert="horz" lIns="91440" tIns="45720" rIns="91440" bIns="45720" rtlCol="0" anchor="ctr">
+            <a:normAutofit/>
+          </a:bodyPr>
+          <a:lstStyle/>
+          <a:p>
+            <a:pPr algn="ctr"/>
+            <a:r>
+              <a:rPr lang="en-US"/>
+              <a:t>Neural network structure</a:t>
+            </a:r>
+          </a:p>
+        </p:txBody>
+      </p:sp>
+      <p:sp>
+        <p:nvSpPr>
+          <p:cNvPr id="26" name="Rectangle: Rounded Corners 19">
+            <a:extLst>
+              <a:ext uri="{FF2B5EF4-FFF2-40B4-BE49-F238E27FC236}">
+                <a16:creationId xmlns:a16="http://schemas.microsoft.com/office/drawing/2014/main" id="{586B4EF9-43BA-4655-A6FF-1D8E21574C95}"/>
+              </a:ext>
+              <a:ext uri="{C183D7F6-B498-43B3-948B-1728B52AA6E4}">
+                <adec:decorative xmlns:adec="http://schemas.microsoft.com/office/drawing/2017/decorative" val="1"/>
+              </a:ext>
+            </a:extLst>
+          </p:cNvPr>
+          <p:cNvSpPr>
+            <a:spLocks noGrp="1" noRot="1" noChangeAspect="1" noMove="1" noResize="1" noEditPoints="1" noAdjustHandles="1" noChangeArrowheads="1" noChangeShapeType="1" noTextEdit="1"/>
+          </p:cNvSpPr>
+          <p:nvPr>
+            <p:extLst>
+              <p:ext uri="{386F3935-93C4-4BCD-93E2-E3B085C9AB24}">
+                <p16:designElem xmlns:p16="http://schemas.microsoft.com/office/powerpoint/2015/main" val="1"/>
+              </p:ext>
+            </p:extLst>
+          </p:nvPr>
+        </p:nvSpPr>
+        <p:spPr>
+          <a:xfrm>
+            <a:off x="2483110" y="1211407"/>
+            <a:ext cx="7225780" cy="685800"/>
+          </a:xfrm>
+          <a:prstGeom prst="roundRect">
+            <a:avLst>
+              <a:gd name="adj" fmla="val 0"/>
+            </a:avLst>
+          </a:prstGeom>
+          <a:solidFill>
+            <a:schemeClr val="accent1"/>
+          </a:solidFill>
+          <a:ln>
+            <a:noFill/>
+          </a:ln>
+        </p:spPr>
+        <p:style>
+          <a:lnRef idx="2">
+            <a:schemeClr val="accent1">
+              <a:shade val="50000"/>
+            </a:schemeClr>
+          </a:lnRef>
+          <a:fillRef idx="1">
+            <a:schemeClr val="accent1"/>
+          </a:fillRef>
+          <a:effectRef idx="0">
+            <a:schemeClr val="accent1"/>
+          </a:effectRef>
+          <a:fontRef idx="minor">
+            <a:schemeClr val="lt1"/>
+          </a:fontRef>
+        </p:style>
+        <p:txBody>
+          <a:bodyPr rtlCol="0" anchor="ctr"/>
+          <a:lstStyle/>
+          <a:p>
+            <a:pPr marL="0" marR="0" lvl="0" indent="0" algn="ctr" defTabSz="914400" rtl="0" eaLnBrk="1" fontAlgn="auto" latinLnBrk="0" hangingPunct="1">
+              <a:lnSpc>
+                <a:spcPct val="100000"/>
+              </a:lnSpc>
+              <a:spcBef>
+                <a:spcPts val="0"/>
+              </a:spcBef>
+              <a:spcAft>
+                <a:spcPts val="0"/>
+              </a:spcAft>
+              <a:buClrTx/>
+              <a:buSzTx/>
+              <a:buFontTx/>
+              <a:buNone/>
+              <a:tabLst/>
+              <a:defRPr/>
+            </a:pPr>
+            <a:endParaRPr kumimoji="0" lang="en-US" sz="1800" b="0" i="0" u="none" strike="noStrike" kern="1200" cap="none" spc="0" normalizeH="0" baseline="0" noProof="0">
+              <a:ln>
+                <a:noFill/>
+              </a:ln>
+              <a:solidFill>
+                <a:prstClr val="white"/>
+              </a:solidFill>
+              <a:effectLst/>
+              <a:uLnTx/>
+              <a:uFillTx/>
+              <a:latin typeface="Avenir Next LT Pro"/>
+              <a:ea typeface="+mn-ea"/>
+              <a:cs typeface="+mn-cs"/>
+            </a:endParaRPr>
+          </a:p>
+        </p:txBody>
+      </p:sp>
+      <p:pic>
+        <p:nvPicPr>
+          <p:cNvPr id="5" name="Picture 4" descr="Chart, bar chart&#10;&#10;Description automatically generated">
+            <a:extLst>
+              <a:ext uri="{FF2B5EF4-FFF2-40B4-BE49-F238E27FC236}">
+                <a16:creationId xmlns:a16="http://schemas.microsoft.com/office/drawing/2014/main" id="{DB2D2CB5-33BD-4541-8952-0B664259FE43}"/>
+              </a:ext>
+            </a:extLst>
+          </p:cNvPr>
+          <p:cNvPicPr>
+            <a:picLocks noChangeAspect="1"/>
+          </p:cNvPicPr>
+          <p:nvPr/>
+        </p:nvPicPr>
+        <p:blipFill>
+          <a:blip r:embed="rId2"/>
+          <a:stretch>
+            <a:fillRect/>
+          </a:stretch>
+        </p:blipFill>
+        <p:spPr>
+          <a:xfrm>
+            <a:off x="385572" y="2327028"/>
+            <a:ext cx="5596128" cy="3721424"/>
+          </a:xfrm>
+          <a:prstGeom prst="rect">
+            <a:avLst/>
+          </a:prstGeom>
+        </p:spPr>
+      </p:pic>
+      <p:pic>
+        <p:nvPicPr>
+          <p:cNvPr id="7" name="Picture 6" descr="Chart, bar chart&#10;&#10;Description automatically generated">
+            <a:extLst>
+              <a:ext uri="{FF2B5EF4-FFF2-40B4-BE49-F238E27FC236}">
+                <a16:creationId xmlns:a16="http://schemas.microsoft.com/office/drawing/2014/main" id="{21567F95-AE4C-EE44-A9AC-9BCE9928D9D1}"/>
+              </a:ext>
+            </a:extLst>
+          </p:cNvPr>
+          <p:cNvPicPr>
+            <a:picLocks noChangeAspect="1"/>
+          </p:cNvPicPr>
+          <p:nvPr/>
+        </p:nvPicPr>
+        <p:blipFill>
+          <a:blip r:embed="rId3"/>
+          <a:stretch>
+            <a:fillRect/>
+          </a:stretch>
+        </p:blipFill>
+        <p:spPr>
+          <a:xfrm>
+            <a:off x="6210302" y="2362004"/>
+            <a:ext cx="5596128" cy="3651472"/>
+          </a:xfrm>
+          <a:prstGeom prst="rect">
+            <a:avLst/>
+          </a:prstGeom>
+        </p:spPr>
+      </p:pic>
+    </p:spTree>
+    <p:extLst>
+      <p:ext uri="{BB962C8B-B14F-4D97-AF65-F5344CB8AC3E}">
+        <p14:creationId xmlns:p14="http://schemas.microsoft.com/office/powerpoint/2010/main" val="349796015"/>
+      </p:ext>
+    </p:extLst>
+  </p:cSld>
+  <p:clrMapOvr>
+    <a:masterClrMapping/>
+  </p:clrMapOvr>
+</p:sld>
+</file>
+
 <file path=ppt/slides/slide2.xml><?xml version="1.0" encoding="utf-8"?>
 <p:sld xmlns:a="http://schemas.openxmlformats.org/drawingml/2006/main" xmlns:r="http://schemas.openxmlformats.org/officeDocument/2006/relationships" xmlns:p="http://schemas.openxmlformats.org/presentationml/2006/main">
   <p:cSld>
@@ -5574,12 +6734,12 @@
           <a:chExt cx="0" cy="0"/>
         </a:xfrm>
       </p:grpSpPr>
-      <p:sp useBgFill="1">
-        <p:nvSpPr>
-          <p:cNvPr id="9" name="Rectangle 8">
-            <a:extLst>
-              <a:ext uri="{FF2B5EF4-FFF2-40B4-BE49-F238E27FC236}">
-                <a16:creationId xmlns:a16="http://schemas.microsoft.com/office/drawing/2014/main" id="{8380AD67-C5CA-4918-B4BB-C359BB03EEDD}"/>
+      <p:sp>
+        <p:nvSpPr>
+          <p:cNvPr id="22" name="Rectangle 21">
+            <a:extLst>
+              <a:ext uri="{FF2B5EF4-FFF2-40B4-BE49-F238E27FC236}">
+                <a16:creationId xmlns:a16="http://schemas.microsoft.com/office/drawing/2014/main" id="{8D06CE56-3881-4ADA-8CEF-D18B02C242A3}"/>
               </a:ext>
               <a:ext uri="{C183D7F6-B498-43B3-948B-1728B52AA6E4}">
                 <adec:decorative xmlns:adec="http://schemas.microsoft.com/office/drawing/2017/decorative" val="1"/>
@@ -5598,135 +6758,9 @@
           </p:nvPr>
         </p:nvSpPr>
         <p:spPr>
-          <a:xfrm>
-            <a:off x="0" y="0"/>
-            <a:ext cx="12192000" cy="6858000"/>
-          </a:xfrm>
-          <a:prstGeom prst="rect">
-            <a:avLst/>
-          </a:prstGeom>
-          <a:ln>
-            <a:noFill/>
-          </a:ln>
-        </p:spPr>
-        <p:style>
-          <a:lnRef idx="2">
-            <a:schemeClr val="accent1">
-              <a:shade val="50000"/>
-            </a:schemeClr>
-          </a:lnRef>
-          <a:fillRef idx="1">
-            <a:schemeClr val="accent1"/>
-          </a:fillRef>
-          <a:effectRef idx="0">
-            <a:schemeClr val="accent1"/>
-          </a:effectRef>
-          <a:fontRef idx="minor">
-            <a:schemeClr val="lt1"/>
-          </a:fontRef>
-        </p:style>
-        <p:txBody>
-          <a:bodyPr rtlCol="0" anchor="ctr"/>
-          <a:lstStyle/>
-          <a:p>
-            <a:pPr algn="ctr"/>
-            <a:endParaRPr lang="en-US"/>
-          </a:p>
-        </p:txBody>
-      </p:sp>
-      <p:sp>
-        <p:nvSpPr>
-          <p:cNvPr id="2" name="Title 1">
-            <a:extLst>
-              <a:ext uri="{FF2B5EF4-FFF2-40B4-BE49-F238E27FC236}">
-                <a16:creationId xmlns:a16="http://schemas.microsoft.com/office/drawing/2014/main" id="{32D2573B-C011-354C-A78B-14B204818EB4}"/>
-              </a:ext>
-            </a:extLst>
-          </p:cNvPr>
-          <p:cNvSpPr>
-            <a:spLocks noGrp="1"/>
-          </p:cNvSpPr>
-          <p:nvPr>
-            <p:ph type="title"/>
-          </p:nvPr>
-        </p:nvSpPr>
-        <p:spPr>
-          <a:xfrm>
-            <a:off x="5080216" y="1076324"/>
-            <a:ext cx="6272784" cy="1535051"/>
-          </a:xfrm>
-        </p:spPr>
-        <p:txBody>
-          <a:bodyPr anchor="b">
-            <a:normAutofit/>
-          </a:bodyPr>
-          <a:lstStyle/>
-          <a:p>
-            <a:r>
-              <a:rPr lang="en-FR" sz="5200" dirty="0">
-                <a:latin typeface="Century Schoolbook" panose="02040604050505020304" pitchFamily="18" charset="0"/>
-              </a:rPr>
-              <a:t>Outline of the presentation</a:t>
-            </a:r>
-          </a:p>
-        </p:txBody>
-      </p:sp>
-      <p:pic>
-        <p:nvPicPr>
-          <p:cNvPr id="4" name="Picture 3">
-            <a:extLst>
-              <a:ext uri="{FF2B5EF4-FFF2-40B4-BE49-F238E27FC236}">
-                <a16:creationId xmlns:a16="http://schemas.microsoft.com/office/drawing/2014/main" id="{9FCAF885-8A52-814E-B7A6-0F0DDA2CEBD5}"/>
-              </a:ext>
-            </a:extLst>
-          </p:cNvPr>
-          <p:cNvPicPr>
-            <a:picLocks noChangeAspect="1"/>
-          </p:cNvPicPr>
-          <p:nvPr/>
-        </p:nvPicPr>
-        <p:blipFill rotWithShape="1">
-          <a:blip r:embed="rId2"/>
-          <a:srcRect l="29018" r="31731" b="2"/>
-          <a:stretch/>
-        </p:blipFill>
-        <p:spPr>
-          <a:xfrm>
-            <a:off x="20" y="10"/>
-            <a:ext cx="4505305" cy="6857990"/>
-          </a:xfrm>
-          <a:prstGeom prst="rect">
-            <a:avLst/>
-          </a:prstGeom>
-        </p:spPr>
-      </p:pic>
-      <p:sp>
-        <p:nvSpPr>
-          <p:cNvPr id="11" name="!!accent">
-            <a:extLst>
-              <a:ext uri="{FF2B5EF4-FFF2-40B4-BE49-F238E27FC236}">
-                <a16:creationId xmlns:a16="http://schemas.microsoft.com/office/drawing/2014/main" id="{EABAD4DA-87BA-4F70-9EF0-45C6BCF17823}"/>
-              </a:ext>
-              <a:ext uri="{C183D7F6-B498-43B3-948B-1728B52AA6E4}">
-                <adec:decorative xmlns:adec="http://schemas.microsoft.com/office/drawing/2017/decorative" val="1"/>
-              </a:ext>
-            </a:extLst>
-          </p:cNvPr>
-          <p:cNvSpPr>
-            <a:spLocks noGrp="1" noRot="1" noChangeAspect="1" noMove="1" noResize="1" noEditPoints="1" noAdjustHandles="1" noChangeArrowheads="1" noChangeShapeType="1" noTextEdit="1"/>
-          </p:cNvSpPr>
-          <p:nvPr>
-            <p:extLst>
-              <p:ext uri="{386F3935-93C4-4BCD-93E2-E3B085C9AB24}">
-                <p16:designElem xmlns:p16="http://schemas.microsoft.com/office/powerpoint/2015/main" val="1"/>
-              </p:ext>
-            </p:extLst>
-          </p:nvPr>
-        </p:nvSpPr>
-        <p:spPr>
           <a:xfrm rot="5400000">
-            <a:off x="5317960" y="363389"/>
-            <a:ext cx="73152" cy="548640"/>
+            <a:off x="857544" y="346791"/>
+            <a:ext cx="146304" cy="704088"/>
           </a:xfrm>
           <a:prstGeom prst="rect">
             <a:avLst/>
@@ -5794,10 +6828,10 @@
       </p:sp>
       <p:sp>
         <p:nvSpPr>
-          <p:cNvPr id="13" name="Rectangle 12">
-            <a:extLst>
-              <a:ext uri="{FF2B5EF4-FFF2-40B4-BE49-F238E27FC236}">
-                <a16:creationId xmlns:a16="http://schemas.microsoft.com/office/drawing/2014/main" id="{915128D9-2797-47FA-B6FE-EC24E6B8437A}"/>
+          <p:cNvPr id="24" name="Rectangle 23">
+            <a:extLst>
+              <a:ext uri="{FF2B5EF4-FFF2-40B4-BE49-F238E27FC236}">
+                <a16:creationId xmlns:a16="http://schemas.microsoft.com/office/drawing/2014/main" id="{79F3C543-62EC-4433-9C93-A2CD8764E9B4}"/>
               </a:ext>
               <a:ext uri="{C183D7F6-B498-43B3-948B-1728B52AA6E4}">
                 <adec:decorative xmlns:adec="http://schemas.microsoft.com/office/drawing/2017/decorative" val="1"/>
@@ -5816,9 +6850,9 @@
           </p:nvPr>
         </p:nvSpPr>
         <p:spPr>
-          <a:xfrm>
-            <a:off x="5099266" y="2935541"/>
-            <a:ext cx="6217920" cy="18288"/>
+          <a:xfrm flipV="1">
+            <a:off x="578652" y="4501201"/>
+            <a:ext cx="11034696" cy="18288"/>
           </a:xfrm>
           <a:prstGeom prst="rect">
             <a:avLst/>
@@ -5888,12 +6922,186 @@
           </a:p>
         </p:txBody>
       </p:sp>
-      <p:sp>
-        <p:nvSpPr>
-          <p:cNvPr id="3" name="Content Placeholder 2">
-            <a:extLst>
-              <a:ext uri="{FF2B5EF4-FFF2-40B4-BE49-F238E27FC236}">
-                <a16:creationId xmlns:a16="http://schemas.microsoft.com/office/drawing/2014/main" id="{174E1AC5-E5A1-3243-AEA9-0AA8882546AC}"/>
+      <p:sp useBgFill="1">
+        <p:nvSpPr>
+          <p:cNvPr id="26" name="Rectangle 25">
+            <a:extLst>
+              <a:ext uri="{FF2B5EF4-FFF2-40B4-BE49-F238E27FC236}">
+                <a16:creationId xmlns:a16="http://schemas.microsoft.com/office/drawing/2014/main" id="{5A59F003-E00A-43F9-91DC-CC54E3B87466}"/>
+              </a:ext>
+              <a:ext uri="{C183D7F6-B498-43B3-948B-1728B52AA6E4}">
+                <adec:decorative xmlns:adec="http://schemas.microsoft.com/office/drawing/2017/decorative" val="1"/>
+              </a:ext>
+            </a:extLst>
+          </p:cNvPr>
+          <p:cNvSpPr>
+            <a:spLocks noGrp="1" noRot="1" noChangeAspect="1" noMove="1" noResize="1" noEditPoints="1" noAdjustHandles="1" noChangeArrowheads="1" noChangeShapeType="1" noTextEdit="1"/>
+          </p:cNvSpPr>
+          <p:nvPr>
+            <p:extLst>
+              <p:ext uri="{386F3935-93C4-4BCD-93E2-E3B085C9AB24}">
+                <p16:designElem xmlns:p16="http://schemas.microsoft.com/office/powerpoint/2015/main" val="1"/>
+              </p:ext>
+            </p:extLst>
+          </p:nvPr>
+        </p:nvSpPr>
+        <p:spPr>
+          <a:xfrm>
+            <a:off x="0" y="0"/>
+            <a:ext cx="12192000" cy="6858000"/>
+          </a:xfrm>
+          <a:prstGeom prst="rect">
+            <a:avLst/>
+          </a:prstGeom>
+          <a:ln>
+            <a:noFill/>
+          </a:ln>
+        </p:spPr>
+        <p:style>
+          <a:lnRef idx="2">
+            <a:schemeClr val="accent1">
+              <a:shade val="50000"/>
+            </a:schemeClr>
+          </a:lnRef>
+          <a:fillRef idx="1">
+            <a:schemeClr val="accent1"/>
+          </a:fillRef>
+          <a:effectRef idx="0">
+            <a:schemeClr val="accent1"/>
+          </a:effectRef>
+          <a:fontRef idx="minor">
+            <a:schemeClr val="lt1"/>
+          </a:fontRef>
+        </p:style>
+        <p:txBody>
+          <a:bodyPr rtlCol="0" anchor="ctr"/>
+          <a:lstStyle/>
+          <a:p>
+            <a:pPr algn="ctr"/>
+            <a:endParaRPr lang="en-US"/>
+          </a:p>
+        </p:txBody>
+      </p:sp>
+      <p:pic>
+        <p:nvPicPr>
+          <p:cNvPr id="4" name="Picture 3">
+            <a:extLst>
+              <a:ext uri="{FF2B5EF4-FFF2-40B4-BE49-F238E27FC236}">
+                <a16:creationId xmlns:a16="http://schemas.microsoft.com/office/drawing/2014/main" id="{313A08D8-7D41-7E49-94F9-686FEBD78AFF}"/>
+              </a:ext>
+            </a:extLst>
+          </p:cNvPr>
+          <p:cNvPicPr>
+            <a:picLocks noChangeAspect="1"/>
+          </p:cNvPicPr>
+          <p:nvPr/>
+        </p:nvPicPr>
+        <p:blipFill rotWithShape="1">
+          <a:blip r:embed="rId2"/>
+          <a:srcRect t="5858"/>
+          <a:stretch/>
+        </p:blipFill>
+        <p:spPr>
+          <a:xfrm>
+            <a:off x="20" y="10"/>
+            <a:ext cx="12191981" cy="6857990"/>
+          </a:xfrm>
+          <a:prstGeom prst="rect">
+            <a:avLst/>
+          </a:prstGeom>
+        </p:spPr>
+      </p:pic>
+      <p:sp>
+        <p:nvSpPr>
+          <p:cNvPr id="28" name="Rectangle 27">
+            <a:extLst>
+              <a:ext uri="{FF2B5EF4-FFF2-40B4-BE49-F238E27FC236}">
+                <a16:creationId xmlns:a16="http://schemas.microsoft.com/office/drawing/2014/main" id="{D74A4382-E3AD-430A-9A1F-DFA3E0E77A7D}"/>
+              </a:ext>
+              <a:ext uri="{C183D7F6-B498-43B3-948B-1728B52AA6E4}">
+                <adec:decorative xmlns:adec="http://schemas.microsoft.com/office/drawing/2017/decorative" val="1"/>
+              </a:ext>
+            </a:extLst>
+          </p:cNvPr>
+          <p:cNvSpPr>
+            <a:spLocks noGrp="1" noRot="1" noChangeAspect="1" noMove="1" noResize="1" noEditPoints="1" noAdjustHandles="1" noChangeArrowheads="1" noChangeShapeType="1" noTextEdit="1"/>
+          </p:cNvSpPr>
+          <p:nvPr>
+            <p:extLst>
+              <p:ext uri="{386F3935-93C4-4BCD-93E2-E3B085C9AB24}">
+                <p16:designElem xmlns:p16="http://schemas.microsoft.com/office/powerpoint/2015/main" val="1"/>
+              </p:ext>
+            </p:extLst>
+          </p:nvPr>
+        </p:nvSpPr>
+        <p:spPr>
+          <a:xfrm rot="16200000">
+            <a:off x="3799868" y="-1534136"/>
+            <a:ext cx="4592270" cy="12192001"/>
+          </a:xfrm>
+          <a:prstGeom prst="rect">
+            <a:avLst/>
+          </a:prstGeom>
+          <a:gradFill>
+            <a:gsLst>
+              <a:gs pos="35000">
+                <a:schemeClr val="bg1">
+                  <a:alpha val="46000"/>
+                </a:schemeClr>
+              </a:gs>
+              <a:gs pos="21000">
+                <a:schemeClr val="bg1">
+                  <a:alpha val="30000"/>
+                </a:schemeClr>
+              </a:gs>
+              <a:gs pos="0">
+                <a:schemeClr val="bg1">
+                  <a:alpha val="0"/>
+                </a:schemeClr>
+              </a:gs>
+              <a:gs pos="100000">
+                <a:schemeClr val="bg1">
+                  <a:alpha val="90000"/>
+                </a:schemeClr>
+              </a:gs>
+            </a:gsLst>
+            <a:lin ang="10800000" scaled="0"/>
+          </a:gradFill>
+          <a:ln>
+            <a:noFill/>
+          </a:ln>
+        </p:spPr>
+        <p:style>
+          <a:lnRef idx="2">
+            <a:schemeClr val="accent1">
+              <a:shade val="50000"/>
+            </a:schemeClr>
+          </a:lnRef>
+          <a:fillRef idx="1">
+            <a:schemeClr val="accent1"/>
+          </a:fillRef>
+          <a:effectRef idx="0">
+            <a:schemeClr val="accent1"/>
+          </a:effectRef>
+          <a:fontRef idx="minor">
+            <a:schemeClr val="lt1"/>
+          </a:fontRef>
+        </p:style>
+        <p:txBody>
+          <a:bodyPr rtlCol="0" anchor="ctr"/>
+          <a:lstStyle/>
+          <a:p>
+            <a:pPr algn="ctr"/>
+            <a:endParaRPr lang="en-US" dirty="0"/>
+          </a:p>
+        </p:txBody>
+      </p:sp>
+      <p:sp>
+        <p:nvSpPr>
+          <p:cNvPr id="2" name="Title 1">
+            <a:extLst>
+              <a:ext uri="{FF2B5EF4-FFF2-40B4-BE49-F238E27FC236}">
+                <a16:creationId xmlns:a16="http://schemas.microsoft.com/office/drawing/2014/main" id="{283D5065-A566-2446-9077-A23BBB686ACA}"/>
               </a:ext>
             </a:extLst>
           </p:cNvPr>
@@ -5901,175 +7109,216 @@
             <a:spLocks noGrp="1"/>
           </p:cNvSpPr>
           <p:nvPr>
-            <p:ph idx="1"/>
-          </p:nvPr>
-        </p:nvSpPr>
-        <p:spPr>
-          <a:xfrm>
-            <a:off x="5080216" y="3351276"/>
-            <a:ext cx="6272784" cy="2825686"/>
-          </a:xfrm>
-        </p:spPr>
-        <p:txBody>
-          <a:bodyPr>
-            <a:normAutofit fontScale="92500" lnSpcReduction="10000"/>
+            <p:ph type="title"/>
+          </p:nvPr>
+        </p:nvSpPr>
+        <p:spPr>
+          <a:xfrm>
+            <a:off x="404553" y="3091928"/>
+            <a:ext cx="9078562" cy="2387600"/>
+          </a:xfrm>
+        </p:spPr>
+        <p:txBody>
+          <a:bodyPr vert="horz" lIns="91440" tIns="45720" rIns="91440" bIns="45720" rtlCol="0" anchor="b">
+            <a:normAutofit/>
           </a:bodyPr>
           <a:lstStyle/>
           <a:p>
-            <a:pPr marL="400050" indent="-400050">
-              <a:lnSpc>
-                <a:spcPct val="100000"/>
-              </a:lnSpc>
-              <a:buFont typeface="+mj-lt"/>
-              <a:buAutoNum type="romanUcPeriod"/>
-            </a:pPr>
-            <a:r>
-              <a:rPr lang="en-FR" sz="1700" dirty="0">
-                <a:latin typeface="Century Schoolbook" panose="02040604050505020304" pitchFamily="18" charset="0"/>
-              </a:rPr>
-              <a:t>The game, Flappy Bird</a:t>
-            </a:r>
-          </a:p>
-          <a:p>
-            <a:pPr marL="400050" indent="-400050">
-              <a:lnSpc>
-                <a:spcPct val="100000"/>
-              </a:lnSpc>
-              <a:buFont typeface="+mj-lt"/>
-              <a:buAutoNum type="romanUcPeriod"/>
-            </a:pPr>
-            <a:r>
-              <a:rPr lang="en-FR" sz="1700" dirty="0">
-                <a:latin typeface="Century Schoolbook" panose="02040604050505020304" pitchFamily="18" charset="0"/>
-              </a:rPr>
-              <a:t>Algorithm 1: </a:t>
-            </a:r>
-            <a:r>
-              <a:rPr lang="en-FR" sz="1700" dirty="0">
-                <a:solidFill>
-                  <a:srgbClr val="C00000"/>
-                </a:solidFill>
-                <a:latin typeface="Century Schoolbook" panose="02040604050505020304" pitchFamily="18" charset="0"/>
-              </a:rPr>
-              <a:t>Neuroevolution algorithm</a:t>
-            </a:r>
-          </a:p>
-          <a:p>
-            <a:pPr lvl="1">
-              <a:lnSpc>
-                <a:spcPct val="100000"/>
-              </a:lnSpc>
-            </a:pPr>
-            <a:r>
-              <a:rPr lang="en-FR" sz="1700" dirty="0">
-                <a:latin typeface="Century Schoolbook" panose="02040604050505020304" pitchFamily="18" charset="0"/>
-              </a:rPr>
-              <a:t>Description of the algorithm</a:t>
-            </a:r>
-          </a:p>
-          <a:p>
-            <a:pPr lvl="1">
-              <a:lnSpc>
-                <a:spcPct val="100000"/>
-              </a:lnSpc>
-            </a:pPr>
-            <a:r>
-              <a:rPr lang="en-FR" sz="1700" dirty="0">
-                <a:latin typeface="Century Schoolbook" panose="02040604050505020304" pitchFamily="18" charset="0"/>
-              </a:rPr>
-              <a:t>Results</a:t>
-            </a:r>
-          </a:p>
-          <a:p>
-            <a:pPr marL="400050" indent="-400050">
-              <a:lnSpc>
-                <a:spcPct val="100000"/>
-              </a:lnSpc>
-              <a:buFont typeface="+mj-lt"/>
-              <a:buAutoNum type="romanUcPeriod"/>
-            </a:pPr>
-            <a:r>
-              <a:rPr lang="en-FR" sz="1700" dirty="0">
-                <a:latin typeface="Century Schoolbook" panose="02040604050505020304" pitchFamily="18" charset="0"/>
-              </a:rPr>
-              <a:t>Algorithm 2: </a:t>
-            </a:r>
-            <a:r>
-              <a:rPr lang="en-FR" sz="1700" dirty="0">
-                <a:solidFill>
-                  <a:srgbClr val="0070C0"/>
-                </a:solidFill>
-                <a:latin typeface="Century Schoolbook" panose="02040604050505020304" pitchFamily="18" charset="0"/>
-              </a:rPr>
-              <a:t>Q-learning algorithm</a:t>
-            </a:r>
-          </a:p>
-          <a:p>
-            <a:pPr lvl="1">
-              <a:lnSpc>
-                <a:spcPct val="100000"/>
-              </a:lnSpc>
-            </a:pPr>
-            <a:r>
-              <a:rPr lang="en-FR" sz="1700" dirty="0">
-                <a:latin typeface="Century Schoolbook" panose="02040604050505020304" pitchFamily="18" charset="0"/>
-              </a:rPr>
-              <a:t>Description of the algorithm</a:t>
-            </a:r>
-          </a:p>
-          <a:p>
-            <a:pPr lvl="1">
-              <a:lnSpc>
-                <a:spcPct val="100000"/>
-              </a:lnSpc>
-            </a:pPr>
-            <a:r>
-              <a:rPr lang="en-FR" sz="1700" dirty="0">
-                <a:latin typeface="Century Schoolbook" panose="02040604050505020304" pitchFamily="18" charset="0"/>
-              </a:rPr>
-              <a:t>Results</a:t>
-            </a:r>
-          </a:p>
-          <a:p>
-            <a:pPr marL="400050" indent="-400050">
-              <a:lnSpc>
-                <a:spcPct val="100000"/>
-              </a:lnSpc>
-              <a:buFont typeface="+mj-lt"/>
-              <a:buAutoNum type="romanUcPeriod"/>
-            </a:pPr>
-            <a:r>
-              <a:rPr lang="en-FR" sz="1700" dirty="0">
-                <a:latin typeface="Century Schoolbook" panose="02040604050505020304" pitchFamily="18" charset="0"/>
-              </a:rPr>
-              <a:t>Comparison of the two algorithms</a:t>
-            </a:r>
-          </a:p>
-          <a:p>
-            <a:pPr lvl="1">
-              <a:lnSpc>
-                <a:spcPct val="100000"/>
-              </a:lnSpc>
-            </a:pPr>
-            <a:r>
-              <a:rPr lang="en-FR" sz="1700" dirty="0">
-                <a:latin typeface="Century Schoolbook" panose="02040604050505020304" pitchFamily="18" charset="0"/>
-              </a:rPr>
-              <a:t>Interpretation of the differences in the results</a:t>
-            </a:r>
+            <a:r>
+              <a:rPr lang="en-US" sz="3600" dirty="0"/>
+              <a:t>GitHub repository: </a:t>
+            </a:r>
+            <a:r>
+              <a:rPr lang="en-US" sz="3600" dirty="0" err="1"/>
+              <a:t>github.com</a:t>
+            </a:r>
+            <a:r>
+              <a:rPr lang="en-US" sz="3600" dirty="0"/>
+              <a:t>/</a:t>
+            </a:r>
+            <a:r>
+              <a:rPr lang="en-US" sz="3600" dirty="0" err="1"/>
+              <a:t>lucabonengel</a:t>
+            </a:r>
+            <a:r>
+              <a:rPr lang="en-US" sz="3600" dirty="0"/>
+              <a:t>/</a:t>
+            </a:r>
+            <a:r>
+              <a:rPr lang="en-US" sz="3600" dirty="0" err="1"/>
+              <a:t>FlappyBird</a:t>
+            </a:r>
+            <a:endParaRPr lang="en-US" sz="3600" dirty="0"/>
+          </a:p>
+        </p:txBody>
+      </p:sp>
+      <p:sp>
+        <p:nvSpPr>
+          <p:cNvPr id="30" name="Rectangle: Rounded Corners 29">
+            <a:extLst>
+              <a:ext uri="{FF2B5EF4-FFF2-40B4-BE49-F238E27FC236}">
+                <a16:creationId xmlns:a16="http://schemas.microsoft.com/office/drawing/2014/main" id="{79F40191-0F44-4FD1-82CC-ACB507C14BE6}"/>
+              </a:ext>
+              <a:ext uri="{C183D7F6-B498-43B3-948B-1728B52AA6E4}">
+                <adec:decorative xmlns:adec="http://schemas.microsoft.com/office/drawing/2017/decorative" val="1"/>
+              </a:ext>
+            </a:extLst>
+          </p:cNvPr>
+          <p:cNvSpPr>
+            <a:spLocks noGrp="1" noRot="1" noChangeAspect="1" noMove="1" noResize="1" noEditPoints="1" noAdjustHandles="1" noChangeArrowheads="1" noChangeShapeType="1" noTextEdit="1"/>
+          </p:cNvSpPr>
+          <p:nvPr>
+            <p:extLst>
+              <p:ext uri="{386F3935-93C4-4BCD-93E2-E3B085C9AB24}">
+                <p16:designElem xmlns:p16="http://schemas.microsoft.com/office/powerpoint/2015/main" val="1"/>
+              </p:ext>
+            </p:extLst>
+          </p:nvPr>
+        </p:nvSpPr>
+        <p:spPr>
+          <a:xfrm>
+            <a:off x="0" y="5575039"/>
+            <a:ext cx="9785897" cy="685800"/>
+          </a:xfrm>
+          <a:prstGeom prst="roundRect">
+            <a:avLst>
+              <a:gd name="adj" fmla="val 0"/>
+            </a:avLst>
+          </a:prstGeom>
+          <a:solidFill>
+            <a:schemeClr val="accent1"/>
+          </a:solidFill>
+          <a:ln>
+            <a:noFill/>
+          </a:ln>
+        </p:spPr>
+        <p:style>
+          <a:lnRef idx="2">
+            <a:schemeClr val="accent1">
+              <a:shade val="50000"/>
+            </a:schemeClr>
+          </a:lnRef>
+          <a:fillRef idx="1">
+            <a:schemeClr val="accent1"/>
+          </a:fillRef>
+          <a:effectRef idx="0">
+            <a:schemeClr val="accent1"/>
+          </a:effectRef>
+          <a:fontRef idx="minor">
+            <a:schemeClr val="lt1"/>
+          </a:fontRef>
+        </p:style>
+        <p:txBody>
+          <a:bodyPr rtlCol="0" anchor="ctr"/>
+          <a:lstStyle/>
+          <a:p>
+            <a:pPr algn="ctr"/>
+            <a:endParaRPr lang="en-US"/>
           </a:p>
         </p:txBody>
       </p:sp>
     </p:spTree>
     <p:extLst>
       <p:ext uri="{BB962C8B-B14F-4D97-AF65-F5344CB8AC3E}">
-        <p14:creationId xmlns:p14="http://schemas.microsoft.com/office/powerpoint/2010/main" val="1079739170"/>
+        <p14:creationId xmlns:p14="http://schemas.microsoft.com/office/powerpoint/2010/main" val="32354878"/>
       </p:ext>
     </p:extLst>
   </p:cSld>
   <p:clrMapOvr>
-    <a:masterClrMapping/>
+    <a:overrideClrMapping bg1="dk1" tx1="lt1" bg2="dk2" tx2="lt2" accent1="accent1" accent2="accent2" accent3="accent3" accent4="accent4" accent5="accent5" accent6="accent6" hlink="hlink" folHlink="folHlink"/>
   </p:clrMapOvr>
+  <p:timing>
+    <p:tnLst>
+      <p:par>
+        <p:cTn id="1" dur="indefinite" restart="never" nodeType="tmRoot">
+          <p:childTnLst>
+            <p:seq concurrent="1" nextAc="seek">
+              <p:cTn id="2" dur="indefinite" nodeType="mainSeq">
+                <p:childTnLst>
+                  <p:par>
+                    <p:cTn id="3" fill="hold">
+                      <p:stCondLst>
+                        <p:cond delay="indefinite"/>
+                        <p:cond evt="onBegin" delay="0">
+                          <p:tn val="2"/>
+                        </p:cond>
+                      </p:stCondLst>
+                      <p:childTnLst>
+                        <p:par>
+                          <p:cTn id="4" fill="hold">
+                            <p:stCondLst>
+                              <p:cond delay="0"/>
+                            </p:stCondLst>
+                            <p:childTnLst>
+                              <p:par>
+                                <p:cTn id="5" presetID="10" presetClass="entr" presetSubtype="0" fill="hold" grpId="0" nodeType="withEffect">
+                                  <p:stCondLst>
+                                    <p:cond delay="1000"/>
+                                  </p:stCondLst>
+                                  <p:iterate type="lt">
+                                    <p:tmPct val="10000"/>
+                                  </p:iterate>
+                                  <p:childTnLst>
+                                    <p:set>
+                                      <p:cBhvr>
+                                        <p:cTn id="6" dur="1" fill="hold">
+                                          <p:stCondLst>
+                                            <p:cond delay="0"/>
+                                          </p:stCondLst>
+                                        </p:cTn>
+                                        <p:tgtEl>
+                                          <p:spTgt spid="2"/>
+                                        </p:tgtEl>
+                                        <p:attrNameLst>
+                                          <p:attrName>style.visibility</p:attrName>
+                                        </p:attrNameLst>
+                                      </p:cBhvr>
+                                      <p:to>
+                                        <p:strVal val="visible"/>
+                                      </p:to>
+                                    </p:set>
+                                    <p:animEffect transition="in" filter="fade">
+                                      <p:cBhvr>
+                                        <p:cTn id="7" dur="400"/>
+                                        <p:tgtEl>
+                                          <p:spTgt spid="2"/>
+                                        </p:tgtEl>
+                                      </p:cBhvr>
+                                    </p:animEffect>
+                                  </p:childTnLst>
+                                </p:cTn>
+                              </p:par>
+                            </p:childTnLst>
+                          </p:cTn>
+                        </p:par>
+                      </p:childTnLst>
+                    </p:cTn>
+                  </p:par>
+                </p:childTnLst>
+              </p:cTn>
+              <p:prevCondLst>
+                <p:cond evt="onPrev" delay="0">
+                  <p:tgtEl>
+                    <p:sldTgt/>
+                  </p:tgtEl>
+                </p:cond>
+              </p:prevCondLst>
+              <p:nextCondLst>
+                <p:cond evt="onNext" delay="0">
+                  <p:tgtEl>
+                    <p:sldTgt/>
+                  </p:tgtEl>
+                </p:cond>
+              </p:nextCondLst>
+            </p:seq>
+          </p:childTnLst>
+        </p:cTn>
+      </p:par>
+    </p:tnLst>
+    <p:bldLst>
+      <p:bldP spid="2" grpId="0"/>
+    </p:bldLst>
+  </p:timing>
 </p:sld>
 </file>
 
@@ -6100,10 +7349,10 @@
       </p:grpSpPr>
       <p:sp useBgFill="1">
         <p:nvSpPr>
-          <p:cNvPr id="12" name="Rectangle 11">
-            <a:extLst>
-              <a:ext uri="{FF2B5EF4-FFF2-40B4-BE49-F238E27FC236}">
-                <a16:creationId xmlns:a16="http://schemas.microsoft.com/office/drawing/2014/main" id="{5DF40726-9B19-4165-9C26-757D16E19E23}"/>
+          <p:cNvPr id="9" name="Rectangle 8">
+            <a:extLst>
+              <a:ext uri="{FF2B5EF4-FFF2-40B4-BE49-F238E27FC236}">
+                <a16:creationId xmlns:a16="http://schemas.microsoft.com/office/drawing/2014/main" id="{8380AD67-C5CA-4918-B4BB-C359BB03EEDD}"/>
               </a:ext>
               <a:ext uri="{C183D7F6-B498-43B3-948B-1728B52AA6E4}">
                 <adec:decorative xmlns:adec="http://schemas.microsoft.com/office/drawing/2017/decorative" val="1"/>
@@ -6163,7 +7412,7 @@
           <p:cNvPr id="2" name="Title 1">
             <a:extLst>
               <a:ext uri="{FF2B5EF4-FFF2-40B4-BE49-F238E27FC236}">
-                <a16:creationId xmlns:a16="http://schemas.microsoft.com/office/drawing/2014/main" id="{68C87BBE-CCEE-B64C-B8B5-981272AD3CF4}"/>
+                <a16:creationId xmlns:a16="http://schemas.microsoft.com/office/drawing/2014/main" id="{32D2573B-C011-354C-A78B-14B204818EB4}"/>
               </a:ext>
             </a:extLst>
           </p:cNvPr>
@@ -6176,8 +7425,8 @@
         </p:nvSpPr>
         <p:spPr>
           <a:xfrm>
-            <a:off x="838199" y="564211"/>
-            <a:ext cx="4571999" cy="1165002"/>
+            <a:off x="5080216" y="1076324"/>
+            <a:ext cx="6272784" cy="1535051"/>
           </a:xfrm>
         </p:spPr>
         <p:txBody>
@@ -6187,74 +7436,20 @@
           <a:lstStyle/>
           <a:p>
             <a:r>
-              <a:rPr lang="en-FR" sz="3600">
+              <a:rPr lang="en-FR" sz="5200" dirty="0">
                 <a:latin typeface="Century Schoolbook" panose="02040604050505020304" pitchFamily="18" charset="0"/>
               </a:rPr>
-              <a:t>The game, Flappy Bird</a:t>
-            </a:r>
-          </a:p>
-        </p:txBody>
-      </p:sp>
-      <p:sp>
-        <p:nvSpPr>
-          <p:cNvPr id="3" name="Content Placeholder 2">
-            <a:extLst>
-              <a:ext uri="{FF2B5EF4-FFF2-40B4-BE49-F238E27FC236}">
-                <a16:creationId xmlns:a16="http://schemas.microsoft.com/office/drawing/2014/main" id="{23617C96-0C06-E145-AB03-613F61C480F8}"/>
-              </a:ext>
-            </a:extLst>
-          </p:cNvPr>
-          <p:cNvSpPr>
-            <a:spLocks noGrp="1"/>
-          </p:cNvSpPr>
-          <p:nvPr>
-            <p:ph idx="1"/>
-          </p:nvPr>
-        </p:nvSpPr>
-        <p:spPr>
-          <a:xfrm>
-            <a:off x="838199" y="2055327"/>
-            <a:ext cx="4571999" cy="3776975"/>
-          </a:xfrm>
-        </p:spPr>
-        <p:txBody>
-          <a:bodyPr>
-            <a:normAutofit/>
-          </a:bodyPr>
-          <a:lstStyle/>
-          <a:p>
-            <a:r>
-              <a:rPr lang="en-FR" sz="1800">
-                <a:latin typeface="Century Schoolbook" panose="02040604050505020304" pitchFamily="18" charset="0"/>
-              </a:rPr>
-              <a:t>An (in)famous game consisting in </a:t>
-            </a:r>
-            <a:r>
-              <a:rPr lang="en-GB" sz="1800">
-                <a:latin typeface="Century Schoolbook" panose="02040604050505020304" pitchFamily="18" charset="0"/>
-              </a:rPr>
-              <a:t>controlling a bird, attempting to fly between columns of green pipes without hitting them</a:t>
-            </a:r>
-          </a:p>
-          <a:p>
-            <a:r>
-              <a:rPr lang="en-GB" sz="1800">
-                <a:latin typeface="Century Schoolbook" panose="02040604050505020304" pitchFamily="18" charset="0"/>
-              </a:rPr>
-              <a:t>Game project in CSE104</a:t>
-            </a:r>
-            <a:endParaRPr lang="en-FR" sz="1800">
-              <a:latin typeface="Century Schoolbook" panose="02040604050505020304" pitchFamily="18" charset="0"/>
-            </a:endParaRPr>
+              <a:t>Outline of the presentation</a:t>
+            </a:r>
           </a:p>
         </p:txBody>
       </p:sp>
       <p:pic>
         <p:nvPicPr>
-          <p:cNvPr id="7" name="Picture 6" descr="A picture containing text, stationary, writing implement, bedroom&#10;&#10;Description automatically generated">
-            <a:extLst>
-              <a:ext uri="{FF2B5EF4-FFF2-40B4-BE49-F238E27FC236}">
-                <a16:creationId xmlns:a16="http://schemas.microsoft.com/office/drawing/2014/main" id="{6BE5A801-25C2-6F49-86A4-688970106B14}"/>
+          <p:cNvPr id="4" name="Picture 3">
+            <a:extLst>
+              <a:ext uri="{FF2B5EF4-FFF2-40B4-BE49-F238E27FC236}">
+                <a16:creationId xmlns:a16="http://schemas.microsoft.com/office/drawing/2014/main" id="{9FCAF885-8A52-814E-B7A6-0F0DDA2CEBD5}"/>
               </a:ext>
             </a:extLst>
           </p:cNvPr>
@@ -6265,30 +7460,25 @@
         </p:nvPicPr>
         <p:blipFill rotWithShape="1">
           <a:blip r:embed="rId2"/>
-          <a:srcRect r="951" b="-4"/>
+          <a:srcRect l="29018" r="31731" b="2"/>
           <a:stretch/>
         </p:blipFill>
         <p:spPr>
           <a:xfrm>
-            <a:off x="6190488" y="566928"/>
-            <a:ext cx="5157216" cy="5286197"/>
+            <a:off x="20" y="10"/>
+            <a:ext cx="4505305" cy="6857990"/>
           </a:xfrm>
           <a:prstGeom prst="rect">
             <a:avLst/>
           </a:prstGeom>
-          <a:ln w="28575">
-            <a:solidFill>
-              <a:schemeClr val="tx1"/>
-            </a:solidFill>
-          </a:ln>
         </p:spPr>
       </p:pic>
       <p:sp>
         <p:nvSpPr>
-          <p:cNvPr id="14" name="Rectangle 13">
-            <a:extLst>
-              <a:ext uri="{FF2B5EF4-FFF2-40B4-BE49-F238E27FC236}">
-                <a16:creationId xmlns:a16="http://schemas.microsoft.com/office/drawing/2014/main" id="{2089CB41-F399-4AEB-980C-5BFB1049CBED}"/>
+          <p:cNvPr id="11" name="!!accent">
+            <a:extLst>
+              <a:ext uri="{FF2B5EF4-FFF2-40B4-BE49-F238E27FC236}">
+                <a16:creationId xmlns:a16="http://schemas.microsoft.com/office/drawing/2014/main" id="{EABAD4DA-87BA-4F70-9EF0-45C6BCF17823}"/>
               </a:ext>
               <a:ext uri="{C183D7F6-B498-43B3-948B-1728B52AA6E4}">
                 <adec:decorative xmlns:adec="http://schemas.microsoft.com/office/drawing/2017/decorative" val="1"/>
@@ -6307,23 +7497,19 @@
           </p:nvPr>
         </p:nvSpPr>
         <p:spPr>
-          <a:xfrm>
-            <a:off x="841248" y="6112341"/>
-            <a:ext cx="10506456" cy="18288"/>
+          <a:xfrm rot="5400000">
+            <a:off x="5317960" y="363389"/>
+            <a:ext cx="73152" cy="548640"/>
           </a:xfrm>
           <a:prstGeom prst="rect">
             <a:avLst/>
           </a:prstGeom>
           <a:solidFill>
-            <a:schemeClr val="tx2">
-              <a:lumMod val="25000"/>
-              <a:lumOff val="75000"/>
-            </a:schemeClr>
+            <a:schemeClr val="accent1"/>
           </a:solidFill>
-          <a:ln w="3175">
+          <a:ln>
             <a:noFill/>
           </a:ln>
-          <a:effectLst/>
         </p:spPr>
         <p:style>
           <a:lnRef idx="2">
@@ -6381,10 +7567,10 @@
       </p:sp>
       <p:sp>
         <p:nvSpPr>
-          <p:cNvPr id="16" name="Rectangle 15">
-            <a:extLst>
-              <a:ext uri="{FF2B5EF4-FFF2-40B4-BE49-F238E27FC236}">
-                <a16:creationId xmlns:a16="http://schemas.microsoft.com/office/drawing/2014/main" id="{1BFC967B-3DD6-463D-9DB9-6E4419AE0DAA}"/>
+          <p:cNvPr id="13" name="Rectangle 12">
+            <a:extLst>
+              <a:ext uri="{FF2B5EF4-FFF2-40B4-BE49-F238E27FC236}">
+                <a16:creationId xmlns:a16="http://schemas.microsoft.com/office/drawing/2014/main" id="{915128D9-2797-47FA-B6FE-EC24E6B8437A}"/>
               </a:ext>
               <a:ext uri="{C183D7F6-B498-43B3-948B-1728B52AA6E4}">
                 <adec:decorative xmlns:adec="http://schemas.microsoft.com/office/drawing/2017/decorative" val="1"/>
@@ -6403,19 +7589,23 @@
           </p:nvPr>
         </p:nvSpPr>
         <p:spPr>
-          <a:xfrm rot="5400000">
-            <a:off x="3096768" y="3817404"/>
-            <a:ext cx="54864" cy="4572000"/>
+          <a:xfrm>
+            <a:off x="5099266" y="2935541"/>
+            <a:ext cx="6217920" cy="18288"/>
           </a:xfrm>
           <a:prstGeom prst="rect">
             <a:avLst/>
           </a:prstGeom>
           <a:solidFill>
-            <a:schemeClr val="accent1"/>
+            <a:schemeClr val="tx2">
+              <a:lumMod val="25000"/>
+              <a:lumOff val="75000"/>
+            </a:schemeClr>
           </a:solidFill>
-          <a:ln>
+          <a:ln w="3175">
             <a:noFill/>
           </a:ln>
+          <a:effectLst/>
         </p:spPr>
         <p:style>
           <a:lnRef idx="2">
@@ -6471,10 +7661,182 @@
           </a:p>
         </p:txBody>
       </p:sp>
+      <p:sp>
+        <p:nvSpPr>
+          <p:cNvPr id="3" name="Content Placeholder 2">
+            <a:extLst>
+              <a:ext uri="{FF2B5EF4-FFF2-40B4-BE49-F238E27FC236}">
+                <a16:creationId xmlns:a16="http://schemas.microsoft.com/office/drawing/2014/main" id="{174E1AC5-E5A1-3243-AEA9-0AA8882546AC}"/>
+              </a:ext>
+            </a:extLst>
+          </p:cNvPr>
+          <p:cNvSpPr>
+            <a:spLocks noGrp="1"/>
+          </p:cNvSpPr>
+          <p:nvPr>
+            <p:ph idx="1"/>
+          </p:nvPr>
+        </p:nvSpPr>
+        <p:spPr>
+          <a:xfrm>
+            <a:off x="5080216" y="3351275"/>
+            <a:ext cx="6272784" cy="3078099"/>
+          </a:xfrm>
+        </p:spPr>
+        <p:txBody>
+          <a:bodyPr>
+            <a:normAutofit fontScale="92500" lnSpcReduction="10000"/>
+          </a:bodyPr>
+          <a:lstStyle/>
+          <a:p>
+            <a:pPr marL="400050" indent="-400050">
+              <a:lnSpc>
+                <a:spcPct val="100000"/>
+              </a:lnSpc>
+              <a:buFont typeface="+mj-lt"/>
+              <a:buAutoNum type="romanUcPeriod"/>
+            </a:pPr>
+            <a:r>
+              <a:rPr lang="en-FR" sz="1700" dirty="0">
+                <a:latin typeface="Century Schoolbook" panose="02040604050505020304" pitchFamily="18" charset="0"/>
+              </a:rPr>
+              <a:t>The game, Flappy Bird</a:t>
+            </a:r>
+          </a:p>
+          <a:p>
+            <a:pPr marL="400050" indent="-400050">
+              <a:lnSpc>
+                <a:spcPct val="100000"/>
+              </a:lnSpc>
+              <a:buFont typeface="+mj-lt"/>
+              <a:buAutoNum type="romanUcPeriod"/>
+            </a:pPr>
+            <a:r>
+              <a:rPr lang="en-FR" sz="1700" dirty="0">
+                <a:latin typeface="Century Schoolbook" panose="02040604050505020304" pitchFamily="18" charset="0"/>
+              </a:rPr>
+              <a:t>Algorithm 2: </a:t>
+            </a:r>
+            <a:r>
+              <a:rPr lang="en-FR" sz="1700" dirty="0">
+                <a:solidFill>
+                  <a:srgbClr val="0070C0"/>
+                </a:solidFill>
+                <a:latin typeface="Century Schoolbook" panose="02040604050505020304" pitchFamily="18" charset="0"/>
+              </a:rPr>
+              <a:t>Q-learning algorithm</a:t>
+            </a:r>
+          </a:p>
+          <a:p>
+            <a:pPr lvl="1">
+              <a:lnSpc>
+                <a:spcPct val="100000"/>
+              </a:lnSpc>
+            </a:pPr>
+            <a:r>
+              <a:rPr lang="en-FR" sz="1700" dirty="0">
+                <a:latin typeface="Century Schoolbook" panose="02040604050505020304" pitchFamily="18" charset="0"/>
+              </a:rPr>
+              <a:t>Description of the algorithm</a:t>
+            </a:r>
+          </a:p>
+          <a:p>
+            <a:pPr lvl="1">
+              <a:lnSpc>
+                <a:spcPct val="100000"/>
+              </a:lnSpc>
+            </a:pPr>
+            <a:r>
+              <a:rPr lang="en-FR" sz="1700" dirty="0">
+                <a:latin typeface="Century Schoolbook" panose="02040604050505020304" pitchFamily="18" charset="0"/>
+              </a:rPr>
+              <a:t>Results</a:t>
+            </a:r>
+          </a:p>
+          <a:p>
+            <a:pPr marL="400050" indent="-400050">
+              <a:lnSpc>
+                <a:spcPct val="100000"/>
+              </a:lnSpc>
+              <a:buFont typeface="+mj-lt"/>
+              <a:buAutoNum type="romanUcPeriod"/>
+            </a:pPr>
+            <a:r>
+              <a:rPr lang="en-FR" sz="1700" dirty="0">
+                <a:latin typeface="Century Schoolbook" panose="02040604050505020304" pitchFamily="18" charset="0"/>
+              </a:rPr>
+              <a:t>Algorithm 1: </a:t>
+            </a:r>
+            <a:r>
+              <a:rPr lang="en-FR" sz="1700" dirty="0">
+                <a:solidFill>
+                  <a:srgbClr val="C00000"/>
+                </a:solidFill>
+                <a:latin typeface="Century Schoolbook" panose="02040604050505020304" pitchFamily="18" charset="0"/>
+              </a:rPr>
+              <a:t>Neuroevolution algorithm</a:t>
+            </a:r>
+          </a:p>
+          <a:p>
+            <a:pPr lvl="1">
+              <a:lnSpc>
+                <a:spcPct val="100000"/>
+              </a:lnSpc>
+            </a:pPr>
+            <a:r>
+              <a:rPr lang="en-FR" sz="1700" dirty="0">
+                <a:latin typeface="Century Schoolbook" panose="02040604050505020304" pitchFamily="18" charset="0"/>
+              </a:rPr>
+              <a:t>Description of the algorithm</a:t>
+            </a:r>
+          </a:p>
+          <a:p>
+            <a:pPr lvl="1">
+              <a:lnSpc>
+                <a:spcPct val="100000"/>
+              </a:lnSpc>
+            </a:pPr>
+            <a:r>
+              <a:rPr lang="en-FR" sz="1700" dirty="0">
+                <a:latin typeface="Century Schoolbook" panose="02040604050505020304" pitchFamily="18" charset="0"/>
+              </a:rPr>
+              <a:t>Results</a:t>
+            </a:r>
+          </a:p>
+          <a:p>
+            <a:pPr marL="400050" indent="-400050">
+              <a:lnSpc>
+                <a:spcPct val="100000"/>
+              </a:lnSpc>
+              <a:buFont typeface="+mj-lt"/>
+              <a:buAutoNum type="romanUcPeriod"/>
+            </a:pPr>
+            <a:r>
+              <a:rPr lang="en-FR" sz="1700" dirty="0">
+                <a:latin typeface="Century Schoolbook" panose="02040604050505020304" pitchFamily="18" charset="0"/>
+              </a:rPr>
+              <a:t>Comparison of the two algorithms</a:t>
+            </a:r>
+          </a:p>
+          <a:p>
+            <a:pPr lvl="1">
+              <a:lnSpc>
+                <a:spcPct val="100000"/>
+              </a:lnSpc>
+            </a:pPr>
+            <a:r>
+              <a:rPr lang="en-FR" sz="1700" dirty="0">
+                <a:latin typeface="Century Schoolbook" panose="02040604050505020304" pitchFamily="18" charset="0"/>
+              </a:rPr>
+              <a:t>Interpretation of the differences in the results</a:t>
+            </a:r>
+          </a:p>
+        </p:txBody>
+      </p:sp>
     </p:spTree>
     <p:extLst>
       <p:ext uri="{BB962C8B-B14F-4D97-AF65-F5344CB8AC3E}">
-        <p14:creationId xmlns:p14="http://schemas.microsoft.com/office/powerpoint/2010/main" val="4126621913"/>
+        <p14:creationId xmlns:p14="http://schemas.microsoft.com/office/powerpoint/2010/main" val="1079739170"/>
       </p:ext>
     </p:extLst>
   </p:cSld>
@@ -6485,149 +7847,6 @@
 </file>
 
 <file path=ppt/slides/slide4.xml><?xml version="1.0" encoding="utf-8"?>
-<p:sld xmlns:a="http://schemas.openxmlformats.org/drawingml/2006/main" xmlns:r="http://schemas.openxmlformats.org/officeDocument/2006/relationships" xmlns:p="http://schemas.openxmlformats.org/presentationml/2006/main">
-  <p:cSld>
-    <p:spTree>
-      <p:nvGrpSpPr>
-        <p:cNvPr id="1" name=""/>
-        <p:cNvGrpSpPr/>
-        <p:nvPr/>
-      </p:nvGrpSpPr>
-      <p:grpSpPr>
-        <a:xfrm>
-          <a:off x="0" y="0"/>
-          <a:ext cx="0" cy="0"/>
-          <a:chOff x="0" y="0"/>
-          <a:chExt cx="0" cy="0"/>
-        </a:xfrm>
-      </p:grpSpPr>
-      <p:sp>
-        <p:nvSpPr>
-          <p:cNvPr id="2" name="Title 1">
-            <a:extLst>
-              <a:ext uri="{FF2B5EF4-FFF2-40B4-BE49-F238E27FC236}">
-                <a16:creationId xmlns:a16="http://schemas.microsoft.com/office/drawing/2014/main" id="{C6ADB6A8-D8D3-B74E-9EC4-227C3F7F1184}"/>
-              </a:ext>
-            </a:extLst>
-          </p:cNvPr>
-          <p:cNvSpPr>
-            <a:spLocks noGrp="1"/>
-          </p:cNvSpPr>
-          <p:nvPr>
-            <p:ph type="title"/>
-          </p:nvPr>
-        </p:nvSpPr>
-        <p:spPr/>
-        <p:txBody>
-          <a:bodyPr>
-            <a:normAutofit fontScale="90000"/>
-          </a:bodyPr>
-          <a:lstStyle/>
-          <a:p>
-            <a:r>
-              <a:rPr lang="en-FR" dirty="0">
-                <a:latin typeface="Century Schoolbook" panose="02040604050505020304" pitchFamily="18" charset="0"/>
-              </a:rPr>
-              <a:t>Algorithm 1: </a:t>
-            </a:r>
-            <a:r>
-              <a:rPr lang="en-FR" dirty="0">
-                <a:solidFill>
-                  <a:srgbClr val="C00000"/>
-                </a:solidFill>
-                <a:latin typeface="Century Schoolbook" panose="02040604050505020304" pitchFamily="18" charset="0"/>
-              </a:rPr>
-              <a:t>Neuroevolution algorithm</a:t>
-            </a:r>
-            <a:endParaRPr lang="en-FR" dirty="0"/>
-          </a:p>
-        </p:txBody>
-      </p:sp>
-      <p:sp>
-        <p:nvSpPr>
-          <p:cNvPr id="3" name="Content Placeholder 2">
-            <a:extLst>
-              <a:ext uri="{FF2B5EF4-FFF2-40B4-BE49-F238E27FC236}">
-                <a16:creationId xmlns:a16="http://schemas.microsoft.com/office/drawing/2014/main" id="{162F4C18-1C9F-7043-A224-754C8BD3BA47}"/>
-              </a:ext>
-            </a:extLst>
-          </p:cNvPr>
-          <p:cNvSpPr>
-            <a:spLocks noGrp="1"/>
-          </p:cNvSpPr>
-          <p:nvPr>
-            <p:ph idx="1"/>
-          </p:nvPr>
-        </p:nvSpPr>
-        <p:spPr/>
-        <p:txBody>
-          <a:bodyPr/>
-          <a:lstStyle/>
-          <a:p>
-            <a:pPr marL="0" indent="0">
-              <a:buNone/>
-            </a:pPr>
-            <a:r>
-              <a:rPr lang="en-GB" b="1" dirty="0">
-                <a:solidFill>
-                  <a:srgbClr val="C00000"/>
-                </a:solidFill>
-                <a:latin typeface="Century Schoolbook" panose="02040604050505020304" pitchFamily="18" charset="0"/>
-              </a:rPr>
-              <a:t>Neuroevolution</a:t>
-            </a:r>
-            <a:r>
-              <a:rPr lang="en-GB" dirty="0">
-                <a:latin typeface="Century Schoolbook" panose="02040604050505020304" pitchFamily="18" charset="0"/>
-              </a:rPr>
-              <a:t> is a machine learning technique that applies evolutionary algorithms to construct neural networks.</a:t>
-            </a:r>
-          </a:p>
-          <a:p>
-            <a:r>
-              <a:rPr lang="en-GB" dirty="0">
-                <a:latin typeface="Century Schoolbook" panose="02040604050505020304" pitchFamily="18" charset="0"/>
-              </a:rPr>
-              <a:t>Population of neural networks evolves in order to find a network that solves the given task</a:t>
-            </a:r>
-          </a:p>
-          <a:p>
-            <a:r>
-              <a:rPr lang="en-GB" dirty="0">
-                <a:latin typeface="Century Schoolbook" panose="02040604050505020304" pitchFamily="18" charset="0"/>
-              </a:rPr>
-              <a:t>1 neural network for 1 bird</a:t>
-            </a:r>
-          </a:p>
-          <a:p>
-            <a:r>
-              <a:rPr lang="en-GB" dirty="0">
-                <a:latin typeface="Century Schoolbook" panose="02040604050505020304" pitchFamily="18" charset="0"/>
-              </a:rPr>
-              <a:t>First generation: weights initialised with random values</a:t>
-            </a:r>
-          </a:p>
-          <a:p>
-            <a:endParaRPr lang="en-FR" dirty="0">
-              <a:latin typeface="Century Schoolbook" panose="02040604050505020304" pitchFamily="18" charset="0"/>
-            </a:endParaRPr>
-          </a:p>
-        </p:txBody>
-      </p:sp>
-    </p:spTree>
-    <p:extLst>
-      <p:ext uri="{BB962C8B-B14F-4D97-AF65-F5344CB8AC3E}">
-        <p14:creationId xmlns:p14="http://schemas.microsoft.com/office/powerpoint/2010/main" val="1649816909"/>
-      </p:ext>
-    </p:extLst>
-  </p:cSld>
-  <p:clrMapOvr>
-    <a:masterClrMapping/>
-  </p:clrMapOvr>
-</p:sld>
-</file>
-
-<file path=ppt/slides/slide5.xml><?xml version="1.0" encoding="utf-8"?>
 <p:sld xmlns:a="http://schemas.openxmlformats.org/drawingml/2006/main" xmlns:r="http://schemas.openxmlformats.org/officeDocument/2006/relationships" xmlns:p="http://schemas.openxmlformats.org/presentationml/2006/main">
   <p:cSld>
     <p:bg>
@@ -6654,10 +7873,10 @@
       </p:grpSpPr>
       <p:sp useBgFill="1">
         <p:nvSpPr>
-          <p:cNvPr id="14" name="Rectangle 13">
-            <a:extLst>
-              <a:ext uri="{FF2B5EF4-FFF2-40B4-BE49-F238E27FC236}">
-                <a16:creationId xmlns:a16="http://schemas.microsoft.com/office/drawing/2014/main" id="{2C9A9DA9-7DC8-488B-A882-123947B0F3D9}"/>
+          <p:cNvPr id="12" name="Rectangle 11">
+            <a:extLst>
+              <a:ext uri="{FF2B5EF4-FFF2-40B4-BE49-F238E27FC236}">
+                <a16:creationId xmlns:a16="http://schemas.microsoft.com/office/drawing/2014/main" id="{5DF40726-9B19-4165-9C26-757D16E19E23}"/>
               </a:ext>
               <a:ext uri="{C183D7F6-B498-43B3-948B-1728B52AA6E4}">
                 <adec:decorative xmlns:adec="http://schemas.microsoft.com/office/drawing/2017/decorative" val="1"/>
@@ -6712,12 +7931,137 @@
           </a:p>
         </p:txBody>
       </p:sp>
-      <p:sp useBgFill="1">
-        <p:nvSpPr>
-          <p:cNvPr id="16" name="Rectangle 15">
-            <a:extLst>
-              <a:ext uri="{FF2B5EF4-FFF2-40B4-BE49-F238E27FC236}">
-                <a16:creationId xmlns:a16="http://schemas.microsoft.com/office/drawing/2014/main" id="{57F6BDD4-E066-4008-8011-6CC31AEB4556}"/>
+      <p:sp>
+        <p:nvSpPr>
+          <p:cNvPr id="2" name="Title 1">
+            <a:extLst>
+              <a:ext uri="{FF2B5EF4-FFF2-40B4-BE49-F238E27FC236}">
+                <a16:creationId xmlns:a16="http://schemas.microsoft.com/office/drawing/2014/main" id="{68C87BBE-CCEE-B64C-B8B5-981272AD3CF4}"/>
+              </a:ext>
+            </a:extLst>
+          </p:cNvPr>
+          <p:cNvSpPr>
+            <a:spLocks noGrp="1"/>
+          </p:cNvSpPr>
+          <p:nvPr>
+            <p:ph type="title"/>
+          </p:nvPr>
+        </p:nvSpPr>
+        <p:spPr>
+          <a:xfrm>
+            <a:off x="838199" y="564211"/>
+            <a:ext cx="4571999" cy="1165002"/>
+          </a:xfrm>
+        </p:spPr>
+        <p:txBody>
+          <a:bodyPr anchor="b">
+            <a:normAutofit/>
+          </a:bodyPr>
+          <a:lstStyle/>
+          <a:p>
+            <a:r>
+              <a:rPr lang="en-FR" sz="3600">
+                <a:latin typeface="Century Schoolbook" panose="02040604050505020304" pitchFamily="18" charset="0"/>
+              </a:rPr>
+              <a:t>The game, Flappy Bird</a:t>
+            </a:r>
+          </a:p>
+        </p:txBody>
+      </p:sp>
+      <p:sp>
+        <p:nvSpPr>
+          <p:cNvPr id="3" name="Content Placeholder 2">
+            <a:extLst>
+              <a:ext uri="{FF2B5EF4-FFF2-40B4-BE49-F238E27FC236}">
+                <a16:creationId xmlns:a16="http://schemas.microsoft.com/office/drawing/2014/main" id="{23617C96-0C06-E145-AB03-613F61C480F8}"/>
+              </a:ext>
+            </a:extLst>
+          </p:cNvPr>
+          <p:cNvSpPr>
+            <a:spLocks noGrp="1"/>
+          </p:cNvSpPr>
+          <p:nvPr>
+            <p:ph idx="1"/>
+          </p:nvPr>
+        </p:nvSpPr>
+        <p:spPr>
+          <a:xfrm>
+            <a:off x="838199" y="2055327"/>
+            <a:ext cx="4571999" cy="3776975"/>
+          </a:xfrm>
+        </p:spPr>
+        <p:txBody>
+          <a:bodyPr>
+            <a:normAutofit/>
+          </a:bodyPr>
+          <a:lstStyle/>
+          <a:p>
+            <a:r>
+              <a:rPr lang="en-FR" sz="1800">
+                <a:latin typeface="Century Schoolbook" panose="02040604050505020304" pitchFamily="18" charset="0"/>
+              </a:rPr>
+              <a:t>An (in)famous game consisting in </a:t>
+            </a:r>
+            <a:r>
+              <a:rPr lang="en-GB" sz="1800">
+                <a:latin typeface="Century Schoolbook" panose="02040604050505020304" pitchFamily="18" charset="0"/>
+              </a:rPr>
+              <a:t>controlling a bird, attempting to fly between columns of green pipes without hitting them</a:t>
+            </a:r>
+          </a:p>
+          <a:p>
+            <a:r>
+              <a:rPr lang="en-GB" sz="1800">
+                <a:latin typeface="Century Schoolbook" panose="02040604050505020304" pitchFamily="18" charset="0"/>
+              </a:rPr>
+              <a:t>Game project in CSE104</a:t>
+            </a:r>
+            <a:endParaRPr lang="en-FR" sz="1800">
+              <a:latin typeface="Century Schoolbook" panose="02040604050505020304" pitchFamily="18" charset="0"/>
+            </a:endParaRPr>
+          </a:p>
+        </p:txBody>
+      </p:sp>
+      <p:pic>
+        <p:nvPicPr>
+          <p:cNvPr id="7" name="Picture 6" descr="A picture containing text, stationary, writing implement, bedroom&#10;&#10;Description automatically generated">
+            <a:extLst>
+              <a:ext uri="{FF2B5EF4-FFF2-40B4-BE49-F238E27FC236}">
+                <a16:creationId xmlns:a16="http://schemas.microsoft.com/office/drawing/2014/main" id="{6BE5A801-25C2-6F49-86A4-688970106B14}"/>
+              </a:ext>
+            </a:extLst>
+          </p:cNvPr>
+          <p:cNvPicPr>
+            <a:picLocks noChangeAspect="1"/>
+          </p:cNvPicPr>
+          <p:nvPr/>
+        </p:nvPicPr>
+        <p:blipFill rotWithShape="1">
+          <a:blip r:embed="rId2"/>
+          <a:srcRect r="951" b="-4"/>
+          <a:stretch/>
+        </p:blipFill>
+        <p:spPr>
+          <a:xfrm>
+            <a:off x="6190488" y="566928"/>
+            <a:ext cx="5157216" cy="5286197"/>
+          </a:xfrm>
+          <a:prstGeom prst="rect">
+            <a:avLst/>
+          </a:prstGeom>
+          <a:ln w="28575">
+            <a:solidFill>
+              <a:schemeClr val="tx1"/>
+            </a:solidFill>
+          </a:ln>
+        </p:spPr>
+      </p:pic>
+      <p:sp>
+        <p:nvSpPr>
+          <p:cNvPr id="14" name="Rectangle 13">
+            <a:extLst>
+              <a:ext uri="{FF2B5EF4-FFF2-40B4-BE49-F238E27FC236}">
+                <a16:creationId xmlns:a16="http://schemas.microsoft.com/office/drawing/2014/main" id="{2089CB41-F399-4AEB-980C-5BFB1049CBED}"/>
               </a:ext>
               <a:ext uri="{C183D7F6-B498-43B3-948B-1728B52AA6E4}">
                 <adec:decorative xmlns:adec="http://schemas.microsoft.com/office/drawing/2017/decorative" val="1"/>
@@ -6737,28 +8081,22 @@
         </p:nvSpPr>
         <p:spPr>
           <a:xfrm>
-            <a:off x="409575" y="633619"/>
-            <a:ext cx="4279383" cy="5495925"/>
+            <a:off x="841248" y="6112341"/>
+            <a:ext cx="10506456" cy="18288"/>
           </a:xfrm>
           <a:prstGeom prst="rect">
             <a:avLst/>
           </a:prstGeom>
-          <a:ln w="9525">
-            <a:solidFill>
-              <a:schemeClr val="tx2">
-                <a:lumMod val="10000"/>
-                <a:lumOff val="90000"/>
-              </a:schemeClr>
-            </a:solidFill>
+          <a:solidFill>
+            <a:schemeClr val="tx2">
+              <a:lumMod val="25000"/>
+              <a:lumOff val="75000"/>
+            </a:schemeClr>
+          </a:solidFill>
+          <a:ln w="3175">
+            <a:noFill/>
           </a:ln>
-          <a:effectLst>
-            <a:outerShdw blurRad="50800" dist="38100" dir="2700000" algn="tl" rotWithShape="0">
-              <a:schemeClr val="bg1">
-                <a:lumMod val="85000"/>
-                <a:alpha val="30000"/>
-              </a:schemeClr>
-            </a:outerShdw>
-          </a:effectLst>
+          <a:effectLst/>
         </p:spPr>
         <p:style>
           <a:lnRef idx="2">
@@ -6816,47 +8154,10 @@
       </p:sp>
       <p:sp>
         <p:nvSpPr>
-          <p:cNvPr id="2" name="Title 1">
-            <a:extLst>
-              <a:ext uri="{FF2B5EF4-FFF2-40B4-BE49-F238E27FC236}">
-                <a16:creationId xmlns:a16="http://schemas.microsoft.com/office/drawing/2014/main" id="{DD0EC713-901B-BF44-8018-5B8D7DCA2B76}"/>
-              </a:ext>
-            </a:extLst>
-          </p:cNvPr>
-          <p:cNvSpPr>
-            <a:spLocks noGrp="1"/>
-          </p:cNvSpPr>
-          <p:nvPr>
-            <p:ph type="title"/>
-          </p:nvPr>
-        </p:nvSpPr>
-        <p:spPr>
-          <a:xfrm>
-            <a:off x="841247" y="978619"/>
-            <a:ext cx="3410712" cy="1106424"/>
-          </a:xfrm>
-        </p:spPr>
-        <p:txBody>
-          <a:bodyPr>
-            <a:normAutofit fontScale="90000"/>
-          </a:bodyPr>
-          <a:lstStyle/>
-          <a:p>
-            <a:r>
-              <a:rPr lang="en-FR" sz="2800" dirty="0">
-                <a:latin typeface="Century Schoolbook" panose="02040604050505020304" pitchFamily="18" charset="0"/>
-              </a:rPr>
-              <a:t>Generation of the next populations</a:t>
-            </a:r>
-          </a:p>
-        </p:txBody>
-      </p:sp>
-      <p:sp>
-        <p:nvSpPr>
-          <p:cNvPr id="18" name="Rectangle 17">
-            <a:extLst>
-              <a:ext uri="{FF2B5EF4-FFF2-40B4-BE49-F238E27FC236}">
-                <a16:creationId xmlns:a16="http://schemas.microsoft.com/office/drawing/2014/main" id="{2711A8FB-68FC-45FC-B01E-38F809E2D439}"/>
+          <p:cNvPr id="16" name="Rectangle 15">
+            <a:extLst>
+              <a:ext uri="{FF2B5EF4-FFF2-40B4-BE49-F238E27FC236}">
+                <a16:creationId xmlns:a16="http://schemas.microsoft.com/office/drawing/2014/main" id="{1BFC967B-3DD6-463D-9DB9-6E4419AE0DAA}"/>
               </a:ext>
               <a:ext uri="{C183D7F6-B498-43B3-948B-1728B52AA6E4}">
                 <adec:decorative xmlns:adec="http://schemas.microsoft.com/office/drawing/2017/decorative" val="1"/>
@@ -6875,9 +8176,9 @@
           </p:nvPr>
         </p:nvSpPr>
         <p:spPr>
-          <a:xfrm>
-            <a:off x="345567" y="1171300"/>
-            <a:ext cx="128016" cy="704088"/>
+          <a:xfrm rot="5400000">
+            <a:off x="3096768" y="3817404"/>
+            <a:ext cx="54864" cy="4572000"/>
           </a:xfrm>
           <a:prstGeom prst="rect">
             <a:avLst/>
@@ -6943,268 +8244,107 @@
           </a:p>
         </p:txBody>
       </p:sp>
-      <p:sp>
-        <p:nvSpPr>
-          <p:cNvPr id="20" name="Rectangle 19">
-            <a:extLst>
-              <a:ext uri="{FF2B5EF4-FFF2-40B4-BE49-F238E27FC236}">
-                <a16:creationId xmlns:a16="http://schemas.microsoft.com/office/drawing/2014/main" id="{2A865FE3-5FC9-4049-87CF-30019C46C0F5}"/>
-              </a:ext>
-              <a:ext uri="{C183D7F6-B498-43B3-948B-1728B52AA6E4}">
-                <adec:decorative xmlns:adec="http://schemas.microsoft.com/office/drawing/2017/decorative" val="1"/>
-              </a:ext>
-            </a:extLst>
-          </p:cNvPr>
-          <p:cNvSpPr>
-            <a:spLocks noGrp="1" noRot="1" noChangeAspect="1" noMove="1" noResize="1" noEditPoints="1" noAdjustHandles="1" noChangeArrowheads="1" noChangeShapeType="1" noTextEdit="1"/>
-          </p:cNvSpPr>
-          <p:nvPr>
-            <p:extLst>
-              <p:ext uri="{386F3935-93C4-4BCD-93E2-E3B085C9AB24}">
-                <p16:designElem xmlns:p16="http://schemas.microsoft.com/office/powerpoint/2015/main" val="1"/>
-              </p:ext>
-            </p:extLst>
-          </p:nvPr>
-        </p:nvSpPr>
-        <p:spPr>
-          <a:xfrm>
-            <a:off x="877459" y="2093976"/>
-            <a:ext cx="3328416" cy="9144"/>
-          </a:xfrm>
-          <a:prstGeom prst="rect">
-            <a:avLst/>
-          </a:prstGeom>
-          <a:solidFill>
-            <a:schemeClr val="tx2">
-              <a:lumMod val="25000"/>
-              <a:lumOff val="75000"/>
-            </a:schemeClr>
-          </a:solidFill>
-          <a:ln w="3175">
-            <a:noFill/>
-          </a:ln>
-          <a:effectLst/>
-        </p:spPr>
-        <p:style>
-          <a:lnRef idx="2">
-            <a:schemeClr val="accent1">
-              <a:shade val="50000"/>
-            </a:schemeClr>
-          </a:lnRef>
-          <a:fillRef idx="1">
-            <a:schemeClr val="accent1"/>
-          </a:fillRef>
-          <a:effectRef idx="0">
-            <a:schemeClr val="accent1"/>
-          </a:effectRef>
-          <a:fontRef idx="minor">
-            <a:schemeClr val="lt1"/>
-          </a:fontRef>
-        </p:style>
-        <p:txBody>
-          <a:bodyPr rtlCol="0" anchor="ctr"/>
-          <a:lstStyle/>
-          <a:p>
-            <a:pPr marL="0" marR="0" lvl="0" indent="0" algn="ctr" defTabSz="914400" rtl="0" eaLnBrk="1" fontAlgn="auto" latinLnBrk="0" hangingPunct="1">
-              <a:lnSpc>
-                <a:spcPct val="100000"/>
-              </a:lnSpc>
-              <a:spcBef>
-                <a:spcPts val="0"/>
-              </a:spcBef>
-              <a:spcAft>
-                <a:spcPts val="0"/>
-              </a:spcAft>
-              <a:buClrTx/>
-              <a:buSzTx/>
-              <a:buFontTx/>
-              <a:buNone/>
-              <a:tabLst/>
-              <a:defRPr/>
-            </a:pPr>
-            <a:endParaRPr kumimoji="0" lang="en-US" sz="1800" b="0" i="0" u="none" strike="noStrike" kern="1200" cap="none" spc="0" normalizeH="0" baseline="0" noProof="0">
-              <a:ln>
-                <a:noFill/>
-              </a:ln>
-              <a:solidFill>
-                <a:prstClr val="white"/>
-              </a:solidFill>
-              <a:effectLst/>
-              <a:uLnTx/>
-              <a:uFillTx/>
-              <a:latin typeface="Calibri" panose="020F0502020204030204"/>
-              <a:ea typeface="+mn-ea"/>
-              <a:cs typeface="+mn-cs"/>
-            </a:endParaRPr>
-          </a:p>
-        </p:txBody>
-      </p:sp>
-      <p:sp>
-        <p:nvSpPr>
-          <p:cNvPr id="11" name="Content Placeholder 10">
-            <a:extLst>
-              <a:ext uri="{FF2B5EF4-FFF2-40B4-BE49-F238E27FC236}">
-                <a16:creationId xmlns:a16="http://schemas.microsoft.com/office/drawing/2014/main" id="{9A21705F-24E0-4139-A325-EE3E333D482C}"/>
-              </a:ext>
-            </a:extLst>
-          </p:cNvPr>
-          <p:cNvSpPr>
-            <a:spLocks noGrp="1"/>
-          </p:cNvSpPr>
-          <p:nvPr>
-            <p:ph idx="1"/>
-          </p:nvPr>
-        </p:nvSpPr>
-        <p:spPr>
-          <a:xfrm>
-            <a:off x="841248" y="2252870"/>
-            <a:ext cx="3412219" cy="3560251"/>
-          </a:xfrm>
-        </p:spPr>
-        <p:txBody>
-          <a:bodyPr>
-            <a:normAutofit fontScale="25000" lnSpcReduction="20000"/>
-          </a:bodyPr>
-          <a:lstStyle/>
-          <a:p>
-            <a:r>
-              <a:rPr lang="en-GB" sz="6400" b="1" dirty="0">
-                <a:latin typeface="Century Schoolbook" panose="02040604050505020304" pitchFamily="18" charset="0"/>
-              </a:rPr>
-              <a:t>Selections</a:t>
-            </a:r>
-            <a:r>
-              <a:rPr lang="en-GB" sz="6400" dirty="0">
-                <a:latin typeface="Century Schoolbook" panose="02040604050505020304" pitchFamily="18" charset="0"/>
-              </a:rPr>
-              <a:t> are the birds in the current generation that have the best scores. These birds automatically survive to the next generation.</a:t>
-            </a:r>
-          </a:p>
-          <a:p>
-            <a:r>
-              <a:rPr lang="en-GB" sz="6400" b="1" dirty="0">
-                <a:latin typeface="Century Schoolbook" panose="02040604050505020304" pitchFamily="18" charset="0"/>
-              </a:rPr>
-              <a:t>Crossovers</a:t>
-            </a:r>
-            <a:r>
-              <a:rPr lang="en-GB" sz="6400" i="1" dirty="0">
-                <a:latin typeface="Century Schoolbook" panose="02040604050505020304" pitchFamily="18" charset="0"/>
-              </a:rPr>
-              <a:t> </a:t>
-            </a:r>
-            <a:r>
-              <a:rPr lang="en-GB" sz="6400" dirty="0">
-                <a:latin typeface="Century Schoolbook" panose="02040604050505020304" pitchFamily="18" charset="0"/>
-              </a:rPr>
-              <a:t>are created by mixing the neural networks of a pair of parents (and adding mutations).</a:t>
-            </a:r>
-          </a:p>
-          <a:p>
-            <a:r>
-              <a:rPr lang="en-GB" sz="6400" b="1" dirty="0">
-                <a:latin typeface="Century Schoolbook" panose="02040604050505020304" pitchFamily="18" charset="0"/>
-              </a:rPr>
-              <a:t>Mutation children </a:t>
-            </a:r>
-            <a:r>
-              <a:rPr lang="en-GB" sz="6400" dirty="0">
-                <a:latin typeface="Century Schoolbook" panose="02040604050505020304" pitchFamily="18" charset="0"/>
-              </a:rPr>
-              <a:t>are created by introducing random changes (mutations) to the weights of a neural network of a single parent.</a:t>
-            </a:r>
-          </a:p>
-          <a:p>
-            <a:r>
-              <a:rPr lang="en-GB" sz="6400" dirty="0">
-                <a:latin typeface="Century Schoolbook" panose="02040604050505020304" pitchFamily="18" charset="0"/>
-              </a:rPr>
-              <a:t>New random neural networks</a:t>
-            </a:r>
-          </a:p>
-          <a:p>
-            <a:pPr marL="0" indent="0">
-              <a:buNone/>
-            </a:pPr>
-            <a:endParaRPr lang="en-US" sz="1700" dirty="0"/>
-          </a:p>
-        </p:txBody>
-      </p:sp>
-      <p:pic>
-        <p:nvPicPr>
-          <p:cNvPr id="7" name="Content Placeholder 6">
-            <a:extLst>
-              <a:ext uri="{FF2B5EF4-FFF2-40B4-BE49-F238E27FC236}">
-                <a16:creationId xmlns:a16="http://schemas.microsoft.com/office/drawing/2014/main" id="{3BB1972D-853A-E648-B111-7BBC853BC634}"/>
-              </a:ext>
-            </a:extLst>
-          </p:cNvPr>
-          <p:cNvPicPr>
-            <a:picLocks noChangeAspect="1"/>
-          </p:cNvPicPr>
-          <p:nvPr/>
-        </p:nvPicPr>
-        <p:blipFill>
-          <a:blip r:embed="rId2"/>
-          <a:stretch>
-            <a:fillRect/>
-          </a:stretch>
-        </p:blipFill>
-        <p:spPr>
-          <a:xfrm>
-            <a:off x="5120640" y="1614648"/>
-            <a:ext cx="6656832" cy="3528119"/>
-          </a:xfrm>
-          <a:prstGeom prst="rect">
-            <a:avLst/>
-          </a:prstGeom>
-        </p:spPr>
-      </p:pic>
-      <p:sp>
-        <p:nvSpPr>
-          <p:cNvPr id="9" name="TextBox 8">
-            <a:extLst>
-              <a:ext uri="{FF2B5EF4-FFF2-40B4-BE49-F238E27FC236}">
-                <a16:creationId xmlns:a16="http://schemas.microsoft.com/office/drawing/2014/main" id="{DDC8136A-A47A-E149-A798-2ADFDCC41D9E}"/>
-              </a:ext>
-            </a:extLst>
-          </p:cNvPr>
-          <p:cNvSpPr txBox="1"/>
-          <p:nvPr/>
-        </p:nvSpPr>
-        <p:spPr>
-          <a:xfrm>
-            <a:off x="4902230" y="4958101"/>
-            <a:ext cx="7093651" cy="369332"/>
-          </a:xfrm>
-          <a:prstGeom prst="rect">
-            <a:avLst/>
-          </a:prstGeom>
-          <a:noFill/>
-        </p:spPr>
-        <p:txBody>
-          <a:bodyPr wrap="square" rtlCol="0">
-            <a:spAutoFit/>
-          </a:bodyPr>
-          <a:lstStyle/>
-          <a:p>
-            <a:pPr algn="ctr"/>
-            <a:r>
-              <a:rPr lang="en-GB" u="sng" dirty="0">
-                <a:latin typeface="Century Schoolbook" panose="02040604050505020304" pitchFamily="18" charset="0"/>
-              </a:rPr>
-              <a:t>Methods for creating the neural networks of the next generations </a:t>
-            </a:r>
-            <a:endParaRPr lang="en-FR" u="sng" dirty="0">
-              <a:latin typeface="Century Schoolbook" panose="02040604050505020304" pitchFamily="18" charset="0"/>
-            </a:endParaRPr>
-          </a:p>
-        </p:txBody>
-      </p:sp>
     </p:spTree>
     <p:extLst>
       <p:ext uri="{BB962C8B-B14F-4D97-AF65-F5344CB8AC3E}">
-        <p14:creationId xmlns:p14="http://schemas.microsoft.com/office/powerpoint/2010/main" val="3163025044"/>
+        <p14:creationId xmlns:p14="http://schemas.microsoft.com/office/powerpoint/2010/main" val="4126621913"/>
+      </p:ext>
+    </p:extLst>
+  </p:cSld>
+  <p:clrMapOvr>
+    <a:masterClrMapping/>
+  </p:clrMapOvr>
+</p:sld>
+</file>
+
+<file path=ppt/slides/slide5.xml><?xml version="1.0" encoding="utf-8"?>
+<p:sld xmlns:a="http://schemas.openxmlformats.org/drawingml/2006/main" xmlns:r="http://schemas.openxmlformats.org/officeDocument/2006/relationships" xmlns:p="http://schemas.openxmlformats.org/presentationml/2006/main">
+  <p:cSld>
+    <p:spTree>
+      <p:nvGrpSpPr>
+        <p:cNvPr id="1" name=""/>
+        <p:cNvGrpSpPr/>
+        <p:nvPr/>
+      </p:nvGrpSpPr>
+      <p:grpSpPr>
+        <a:xfrm>
+          <a:off x="0" y="0"/>
+          <a:ext cx="0" cy="0"/>
+          <a:chOff x="0" y="0"/>
+          <a:chExt cx="0" cy="0"/>
+        </a:xfrm>
+      </p:grpSpPr>
+      <p:sp>
+        <p:nvSpPr>
+          <p:cNvPr id="2" name="Title 1">
+            <a:extLst>
+              <a:ext uri="{FF2B5EF4-FFF2-40B4-BE49-F238E27FC236}">
+                <a16:creationId xmlns:a16="http://schemas.microsoft.com/office/drawing/2014/main" id="{93DCBE7F-ABDF-5340-8EFE-472A072C84DC}"/>
+              </a:ext>
+            </a:extLst>
+          </p:cNvPr>
+          <p:cNvSpPr>
+            <a:spLocks noGrp="1"/>
+          </p:cNvSpPr>
+          <p:nvPr>
+            <p:ph type="title"/>
+          </p:nvPr>
+        </p:nvSpPr>
+        <p:spPr/>
+        <p:txBody>
+          <a:bodyPr>
+            <a:normAutofit/>
+          </a:bodyPr>
+          <a:lstStyle/>
+          <a:p>
+            <a:r>
+              <a:rPr lang="en-FR" dirty="0">
+                <a:latin typeface="Century Schoolbook" panose="02040604050505020304" pitchFamily="18" charset="0"/>
+              </a:rPr>
+              <a:t>Algorithm 1: </a:t>
+            </a:r>
+            <a:r>
+              <a:rPr lang="en-FR" dirty="0">
+                <a:solidFill>
+                  <a:srgbClr val="0070C0"/>
+                </a:solidFill>
+                <a:latin typeface="Century Schoolbook" panose="02040604050505020304" pitchFamily="18" charset="0"/>
+              </a:rPr>
+              <a:t>Q-learning algorithm</a:t>
+            </a:r>
+            <a:endParaRPr lang="en-FR" dirty="0"/>
+          </a:p>
+        </p:txBody>
+      </p:sp>
+      <p:sp>
+        <p:nvSpPr>
+          <p:cNvPr id="3" name="Content Placeholder 2">
+            <a:extLst>
+              <a:ext uri="{FF2B5EF4-FFF2-40B4-BE49-F238E27FC236}">
+                <a16:creationId xmlns:a16="http://schemas.microsoft.com/office/drawing/2014/main" id="{F4D5AD91-C24E-2B4C-801A-EF356C3F36D5}"/>
+              </a:ext>
+            </a:extLst>
+          </p:cNvPr>
+          <p:cNvSpPr>
+            <a:spLocks noGrp="1"/>
+          </p:cNvSpPr>
+          <p:nvPr>
+            <p:ph idx="1"/>
+          </p:nvPr>
+        </p:nvSpPr>
+        <p:spPr/>
+        <p:txBody>
+          <a:bodyPr/>
+          <a:lstStyle/>
+          <a:p>
+            <a:endParaRPr lang="en-FR" dirty="0"/>
+          </a:p>
+        </p:txBody>
+      </p:sp>
+    </p:spTree>
+    <p:extLst>
+      <p:ext uri="{BB962C8B-B14F-4D97-AF65-F5344CB8AC3E}">
+        <p14:creationId xmlns:p14="http://schemas.microsoft.com/office/powerpoint/2010/main" val="2903527593"/>
       </p:ext>
     </p:extLst>
   </p:cSld>
@@ -7236,7 +8376,7 @@
           <p:cNvPr id="2" name="Title 1">
             <a:extLst>
               <a:ext uri="{FF2B5EF4-FFF2-40B4-BE49-F238E27FC236}">
-                <a16:creationId xmlns:a16="http://schemas.microsoft.com/office/drawing/2014/main" id="{031A3A8F-512B-8A40-93C7-49747ECA82D7}"/>
+                <a16:creationId xmlns:a16="http://schemas.microsoft.com/office/drawing/2014/main" id="{C6ADB6A8-D8D3-B74E-9EC4-227C3F7F1184}"/>
               </a:ext>
             </a:extLst>
           </p:cNvPr>
@@ -7249,42 +8389,105 @@
         </p:nvSpPr>
         <p:spPr/>
         <p:txBody>
+          <a:bodyPr>
+            <a:normAutofit fontScale="90000"/>
+          </a:bodyPr>
+          <a:lstStyle/>
+          <a:p>
+            <a:r>
+              <a:rPr lang="en-FR" dirty="0">
+                <a:latin typeface="Century Schoolbook" panose="02040604050505020304" pitchFamily="18" charset="0"/>
+              </a:rPr>
+              <a:t>Algorithm 2: </a:t>
+            </a:r>
+            <a:r>
+              <a:rPr lang="en-FR" dirty="0">
+                <a:solidFill>
+                  <a:srgbClr val="C00000"/>
+                </a:solidFill>
+                <a:latin typeface="Century Schoolbook" panose="02040604050505020304" pitchFamily="18" charset="0"/>
+              </a:rPr>
+              <a:t>Neuroevolution algorithm</a:t>
+            </a:r>
+            <a:endParaRPr lang="en-FR" dirty="0"/>
+          </a:p>
+        </p:txBody>
+      </p:sp>
+      <p:sp>
+        <p:nvSpPr>
+          <p:cNvPr id="3" name="Content Placeholder 2">
+            <a:extLst>
+              <a:ext uri="{FF2B5EF4-FFF2-40B4-BE49-F238E27FC236}">
+                <a16:creationId xmlns:a16="http://schemas.microsoft.com/office/drawing/2014/main" id="{162F4C18-1C9F-7043-A224-754C8BD3BA47}"/>
+              </a:ext>
+            </a:extLst>
+          </p:cNvPr>
+          <p:cNvSpPr>
+            <a:spLocks noGrp="1"/>
+          </p:cNvSpPr>
+          <p:nvPr>
+            <p:ph idx="1"/>
+          </p:nvPr>
+        </p:nvSpPr>
+        <p:spPr/>
+        <p:txBody>
           <a:bodyPr/>
           <a:lstStyle/>
           <a:p>
-            <a:endParaRPr lang="en-FR"/>
-          </a:p>
-        </p:txBody>
-      </p:sp>
-      <p:sp>
-        <p:nvSpPr>
-          <p:cNvPr id="3" name="Content Placeholder 2">
-            <a:extLst>
-              <a:ext uri="{FF2B5EF4-FFF2-40B4-BE49-F238E27FC236}">
-                <a16:creationId xmlns:a16="http://schemas.microsoft.com/office/drawing/2014/main" id="{8DFE668A-D5D9-084B-A2D1-A229404B56D5}"/>
-              </a:ext>
-            </a:extLst>
-          </p:cNvPr>
-          <p:cNvSpPr>
-            <a:spLocks noGrp="1"/>
-          </p:cNvSpPr>
-          <p:nvPr>
-            <p:ph idx="1"/>
-          </p:nvPr>
-        </p:nvSpPr>
-        <p:spPr/>
-        <p:txBody>
-          <a:bodyPr/>
-          <a:lstStyle/>
-          <a:p>
-            <a:endParaRPr lang="en-FR"/>
+            <a:pPr marL="0" indent="0">
+              <a:buNone/>
+            </a:pPr>
+            <a:r>
+              <a:rPr lang="en-GB" b="1" dirty="0">
+                <a:solidFill>
+                  <a:srgbClr val="C00000"/>
+                </a:solidFill>
+                <a:latin typeface="Century Schoolbook" panose="02040604050505020304" pitchFamily="18" charset="0"/>
+              </a:rPr>
+              <a:t>Neuroevolution</a:t>
+            </a:r>
+            <a:r>
+              <a:rPr lang="en-GB" dirty="0">
+                <a:latin typeface="Century Schoolbook" panose="02040604050505020304" pitchFamily="18" charset="0"/>
+              </a:rPr>
+              <a:t> is a machine learning technique that applies evolutionary algorithms to construct neural networks.</a:t>
+            </a:r>
+          </a:p>
+          <a:p>
+            <a:r>
+              <a:rPr lang="en-GB" dirty="0">
+                <a:latin typeface="Century Schoolbook" panose="02040604050505020304" pitchFamily="18" charset="0"/>
+              </a:rPr>
+              <a:t>Population of neural networks evolves in order to find a network that solves the given task</a:t>
+            </a:r>
+          </a:p>
+          <a:p>
+            <a:r>
+              <a:rPr lang="en-GB" dirty="0">
+                <a:latin typeface="Century Schoolbook" panose="02040604050505020304" pitchFamily="18" charset="0"/>
+              </a:rPr>
+              <a:t>1 neural network for 1 bird</a:t>
+            </a:r>
+          </a:p>
+          <a:p>
+            <a:r>
+              <a:rPr lang="en-GB" dirty="0">
+                <a:latin typeface="Century Schoolbook" panose="02040604050505020304" pitchFamily="18" charset="0"/>
+              </a:rPr>
+              <a:t>First generation: weights initialised with random values</a:t>
+            </a:r>
+          </a:p>
+          <a:p>
+            <a:endParaRPr lang="en-FR" dirty="0">
+              <a:latin typeface="Century Schoolbook" panose="02040604050505020304" pitchFamily="18" charset="0"/>
+            </a:endParaRPr>
           </a:p>
         </p:txBody>
       </p:sp>
     </p:spTree>
     <p:extLst>
       <p:ext uri="{BB962C8B-B14F-4D97-AF65-F5344CB8AC3E}">
-        <p14:creationId xmlns:p14="http://schemas.microsoft.com/office/powerpoint/2010/main" val="4111387486"/>
+        <p14:creationId xmlns:p14="http://schemas.microsoft.com/office/powerpoint/2010/main" val="1649816909"/>
       </p:ext>
     </p:extLst>
   </p:cSld>
@@ -7295,6 +8498,707 @@
 </file>
 
 <file path=ppt/slides/slide7.xml><?xml version="1.0" encoding="utf-8"?>
+<p:sld xmlns:a="http://schemas.openxmlformats.org/drawingml/2006/main" xmlns:r="http://schemas.openxmlformats.org/officeDocument/2006/relationships" xmlns:p="http://schemas.openxmlformats.org/presentationml/2006/main">
+  <p:cSld>
+    <p:bg>
+      <p:bgPr>
+        <a:solidFill>
+          <a:schemeClr val="bg1"/>
+        </a:solidFill>
+        <a:effectLst/>
+      </p:bgPr>
+    </p:bg>
+    <p:spTree>
+      <p:nvGrpSpPr>
+        <p:cNvPr id="1" name=""/>
+        <p:cNvGrpSpPr/>
+        <p:nvPr/>
+      </p:nvGrpSpPr>
+      <p:grpSpPr>
+        <a:xfrm>
+          <a:off x="0" y="0"/>
+          <a:ext cx="0" cy="0"/>
+          <a:chOff x="0" y="0"/>
+          <a:chExt cx="0" cy="0"/>
+        </a:xfrm>
+      </p:grpSpPr>
+      <p:sp useBgFill="1">
+        <p:nvSpPr>
+          <p:cNvPr id="25" name="Rectangle 24">
+            <a:extLst>
+              <a:ext uri="{FF2B5EF4-FFF2-40B4-BE49-F238E27FC236}">
+                <a16:creationId xmlns:a16="http://schemas.microsoft.com/office/drawing/2014/main" id="{0B9EE3F3-89B7-43C3-8651-C4C96830993D}"/>
+              </a:ext>
+              <a:ext uri="{C183D7F6-B498-43B3-948B-1728B52AA6E4}">
+                <adec:decorative xmlns:adec="http://schemas.microsoft.com/office/drawing/2017/decorative" val="1"/>
+              </a:ext>
+            </a:extLst>
+          </p:cNvPr>
+          <p:cNvSpPr>
+            <a:spLocks noGrp="1" noRot="1" noChangeAspect="1" noMove="1" noResize="1" noEditPoints="1" noAdjustHandles="1" noChangeArrowheads="1" noChangeShapeType="1" noTextEdit="1"/>
+          </p:cNvSpPr>
+          <p:nvPr>
+            <p:extLst>
+              <p:ext uri="{386F3935-93C4-4BCD-93E2-E3B085C9AB24}">
+                <p16:designElem xmlns:p16="http://schemas.microsoft.com/office/powerpoint/2015/main" val="1"/>
+              </p:ext>
+            </p:extLst>
+          </p:nvPr>
+        </p:nvSpPr>
+        <p:spPr>
+          <a:xfrm>
+            <a:off x="0" y="0"/>
+            <a:ext cx="12192000" cy="6858000"/>
+          </a:xfrm>
+          <a:prstGeom prst="rect">
+            <a:avLst/>
+          </a:prstGeom>
+          <a:ln>
+            <a:noFill/>
+          </a:ln>
+        </p:spPr>
+        <p:style>
+          <a:lnRef idx="2">
+            <a:schemeClr val="accent1">
+              <a:shade val="50000"/>
+            </a:schemeClr>
+          </a:lnRef>
+          <a:fillRef idx="1">
+            <a:schemeClr val="accent1"/>
+          </a:fillRef>
+          <a:effectRef idx="0">
+            <a:schemeClr val="accent1"/>
+          </a:effectRef>
+          <a:fontRef idx="minor">
+            <a:schemeClr val="lt1"/>
+          </a:fontRef>
+        </p:style>
+        <p:txBody>
+          <a:bodyPr rtlCol="0" anchor="ctr"/>
+          <a:lstStyle/>
+          <a:p>
+            <a:pPr algn="ctr"/>
+            <a:endParaRPr lang="en-US"/>
+          </a:p>
+        </p:txBody>
+      </p:sp>
+      <p:sp>
+        <p:nvSpPr>
+          <p:cNvPr id="2" name="Title 1">
+            <a:extLst>
+              <a:ext uri="{FF2B5EF4-FFF2-40B4-BE49-F238E27FC236}">
+                <a16:creationId xmlns:a16="http://schemas.microsoft.com/office/drawing/2014/main" id="{DD0EC713-901B-BF44-8018-5B8D7DCA2B76}"/>
+              </a:ext>
+            </a:extLst>
+          </p:cNvPr>
+          <p:cNvSpPr>
+            <a:spLocks noGrp="1"/>
+          </p:cNvSpPr>
+          <p:nvPr>
+            <p:ph type="title"/>
+          </p:nvPr>
+        </p:nvSpPr>
+        <p:spPr>
+          <a:xfrm>
+            <a:off x="411480" y="991443"/>
+            <a:ext cx="4443154" cy="1087819"/>
+          </a:xfrm>
+        </p:spPr>
+        <p:txBody>
+          <a:bodyPr anchor="b">
+            <a:normAutofit/>
+          </a:bodyPr>
+          <a:lstStyle/>
+          <a:p>
+            <a:r>
+              <a:rPr lang="en-FR" sz="3400" dirty="0">
+                <a:latin typeface="Century Schoolbook" panose="02040604050505020304" pitchFamily="18" charset="0"/>
+              </a:rPr>
+              <a:t>Generation of the next populations</a:t>
+            </a:r>
+          </a:p>
+        </p:txBody>
+      </p:sp>
+      <p:sp>
+        <p:nvSpPr>
+          <p:cNvPr id="27" name="Rectangle 26">
+            <a:extLst>
+              <a:ext uri="{FF2B5EF4-FFF2-40B4-BE49-F238E27FC236}">
+                <a16:creationId xmlns:a16="http://schemas.microsoft.com/office/drawing/2014/main" id="{33AE4636-AEEC-45D6-84D4-7AC2DA48ECF8}"/>
+              </a:ext>
+              <a:ext uri="{C183D7F6-B498-43B3-948B-1728B52AA6E4}">
+                <adec:decorative xmlns:adec="http://schemas.microsoft.com/office/drawing/2017/decorative" val="1"/>
+              </a:ext>
+            </a:extLst>
+          </p:cNvPr>
+          <p:cNvSpPr>
+            <a:spLocks noGrp="1" noRot="1" noChangeAspect="1" noMove="1" noResize="1" noEditPoints="1" noAdjustHandles="1" noChangeArrowheads="1" noChangeShapeType="1" noTextEdit="1"/>
+          </p:cNvSpPr>
+          <p:nvPr>
+            <p:extLst>
+              <p:ext uri="{386F3935-93C4-4BCD-93E2-E3B085C9AB24}">
+                <p16:designElem xmlns:p16="http://schemas.microsoft.com/office/powerpoint/2015/main" val="1"/>
+              </p:ext>
+            </p:extLst>
+          </p:nvPr>
+        </p:nvSpPr>
+        <p:spPr>
+          <a:xfrm rot="5400000">
+            <a:off x="649223" y="387939"/>
+            <a:ext cx="73152" cy="548640"/>
+          </a:xfrm>
+          <a:prstGeom prst="rect">
+            <a:avLst/>
+          </a:prstGeom>
+          <a:solidFill>
+            <a:schemeClr val="accent1"/>
+          </a:solidFill>
+          <a:ln>
+            <a:noFill/>
+          </a:ln>
+        </p:spPr>
+        <p:style>
+          <a:lnRef idx="2">
+            <a:schemeClr val="accent1">
+              <a:shade val="50000"/>
+            </a:schemeClr>
+          </a:lnRef>
+          <a:fillRef idx="1">
+            <a:schemeClr val="accent1"/>
+          </a:fillRef>
+          <a:effectRef idx="0">
+            <a:schemeClr val="accent1"/>
+          </a:effectRef>
+          <a:fontRef idx="minor">
+            <a:schemeClr val="lt1"/>
+          </a:fontRef>
+        </p:style>
+        <p:txBody>
+          <a:bodyPr rtlCol="0" anchor="ctr"/>
+          <a:lstStyle/>
+          <a:p>
+            <a:pPr marL="0" marR="0" lvl="0" indent="0" algn="ctr" defTabSz="914400" rtl="0" eaLnBrk="1" fontAlgn="auto" latinLnBrk="0" hangingPunct="1">
+              <a:lnSpc>
+                <a:spcPct val="100000"/>
+              </a:lnSpc>
+              <a:spcBef>
+                <a:spcPts val="0"/>
+              </a:spcBef>
+              <a:spcAft>
+                <a:spcPts val="0"/>
+              </a:spcAft>
+              <a:buClrTx/>
+              <a:buSzTx/>
+              <a:buFontTx/>
+              <a:buNone/>
+              <a:tabLst/>
+              <a:defRPr/>
+            </a:pPr>
+            <a:endParaRPr kumimoji="0" lang="en-US" sz="1800" b="0" i="0" u="none" strike="noStrike" kern="1200" cap="none" spc="0" normalizeH="0" baseline="0" noProof="0">
+              <a:ln>
+                <a:noFill/>
+              </a:ln>
+              <a:solidFill>
+                <a:prstClr val="white"/>
+              </a:solidFill>
+              <a:effectLst/>
+              <a:uLnTx/>
+              <a:uFillTx/>
+              <a:latin typeface="Calibri" panose="020F0502020204030204"/>
+              <a:ea typeface="+mn-ea"/>
+              <a:cs typeface="+mn-cs"/>
+            </a:endParaRPr>
+          </a:p>
+        </p:txBody>
+      </p:sp>
+      <p:sp>
+        <p:nvSpPr>
+          <p:cNvPr id="29" name="Rectangle 28">
+            <a:extLst>
+              <a:ext uri="{FF2B5EF4-FFF2-40B4-BE49-F238E27FC236}">
+                <a16:creationId xmlns:a16="http://schemas.microsoft.com/office/drawing/2014/main" id="{8D9CE0F4-2EB2-4F1F-8AAC-DB3571D9FE10}"/>
+              </a:ext>
+              <a:ext uri="{C183D7F6-B498-43B3-948B-1728B52AA6E4}">
+                <adec:decorative xmlns:adec="http://schemas.microsoft.com/office/drawing/2017/decorative" val="1"/>
+              </a:ext>
+            </a:extLst>
+          </p:cNvPr>
+          <p:cNvSpPr>
+            <a:spLocks noGrp="1" noRot="1" noChangeAspect="1" noMove="1" noResize="1" noEditPoints="1" noAdjustHandles="1" noChangeArrowheads="1" noChangeShapeType="1" noTextEdit="1"/>
+          </p:cNvSpPr>
+          <p:nvPr>
+            <p:extLst>
+              <p:ext uri="{386F3935-93C4-4BCD-93E2-E3B085C9AB24}">
+                <p16:designElem xmlns:p16="http://schemas.microsoft.com/office/powerpoint/2015/main" val="1"/>
+              </p:ext>
+            </p:extLst>
+          </p:nvPr>
+        </p:nvSpPr>
+        <p:spPr>
+          <a:xfrm>
+            <a:off x="411480" y="2285541"/>
+            <a:ext cx="4389120" cy="18288"/>
+          </a:xfrm>
+          <a:prstGeom prst="rect">
+            <a:avLst/>
+          </a:prstGeom>
+          <a:solidFill>
+            <a:schemeClr val="tx2">
+              <a:lumMod val="25000"/>
+              <a:lumOff val="75000"/>
+            </a:schemeClr>
+          </a:solidFill>
+          <a:ln w="3175">
+            <a:noFill/>
+          </a:ln>
+          <a:effectLst/>
+        </p:spPr>
+        <p:style>
+          <a:lnRef idx="2">
+            <a:schemeClr val="accent1">
+              <a:shade val="50000"/>
+            </a:schemeClr>
+          </a:lnRef>
+          <a:fillRef idx="1">
+            <a:schemeClr val="accent1"/>
+          </a:fillRef>
+          <a:effectRef idx="0">
+            <a:schemeClr val="accent1"/>
+          </a:effectRef>
+          <a:fontRef idx="minor">
+            <a:schemeClr val="lt1"/>
+          </a:fontRef>
+        </p:style>
+        <p:txBody>
+          <a:bodyPr rtlCol="0" anchor="ctr"/>
+          <a:lstStyle/>
+          <a:p>
+            <a:pPr marL="0" marR="0" lvl="0" indent="0" algn="ctr" defTabSz="914400" rtl="0" eaLnBrk="1" fontAlgn="auto" latinLnBrk="0" hangingPunct="1">
+              <a:lnSpc>
+                <a:spcPct val="100000"/>
+              </a:lnSpc>
+              <a:spcBef>
+                <a:spcPts val="0"/>
+              </a:spcBef>
+              <a:spcAft>
+                <a:spcPts val="0"/>
+              </a:spcAft>
+              <a:buClrTx/>
+              <a:buSzTx/>
+              <a:buFontTx/>
+              <a:buNone/>
+              <a:tabLst/>
+              <a:defRPr/>
+            </a:pPr>
+            <a:endParaRPr kumimoji="0" lang="en-US" sz="1800" b="0" i="0" u="none" strike="noStrike" kern="1200" cap="none" spc="0" normalizeH="0" baseline="0" noProof="0">
+              <a:ln>
+                <a:noFill/>
+              </a:ln>
+              <a:solidFill>
+                <a:prstClr val="white"/>
+              </a:solidFill>
+              <a:effectLst/>
+              <a:uLnTx/>
+              <a:uFillTx/>
+              <a:latin typeface="Calibri" panose="020F0502020204030204"/>
+              <a:ea typeface="+mn-ea"/>
+              <a:cs typeface="+mn-cs"/>
+            </a:endParaRPr>
+          </a:p>
+        </p:txBody>
+      </p:sp>
+      <p:sp>
+        <p:nvSpPr>
+          <p:cNvPr id="11" name="Content Placeholder 10">
+            <a:extLst>
+              <a:ext uri="{FF2B5EF4-FFF2-40B4-BE49-F238E27FC236}">
+                <a16:creationId xmlns:a16="http://schemas.microsoft.com/office/drawing/2014/main" id="{9A21705F-24E0-4139-A325-EE3E333D482C}"/>
+              </a:ext>
+            </a:extLst>
+          </p:cNvPr>
+          <p:cNvSpPr>
+            <a:spLocks noGrp="1"/>
+          </p:cNvSpPr>
+          <p:nvPr>
+            <p:ph idx="1"/>
+          </p:nvPr>
+        </p:nvSpPr>
+        <p:spPr>
+          <a:xfrm>
+            <a:off x="411480" y="2684095"/>
+            <a:ext cx="4443154" cy="3492868"/>
+          </a:xfrm>
+        </p:spPr>
+        <p:txBody>
+          <a:bodyPr>
+            <a:normAutofit/>
+          </a:bodyPr>
+          <a:lstStyle/>
+          <a:p>
+            <a:r>
+              <a:rPr lang="en-GB" sz="1700" b="1" dirty="0">
+                <a:latin typeface="Century Schoolbook" panose="02040604050505020304" pitchFamily="18" charset="0"/>
+              </a:rPr>
+              <a:t>Elitism</a:t>
+            </a:r>
+            <a:r>
+              <a:rPr lang="en-GB" sz="1700" dirty="0">
+                <a:latin typeface="Century Schoolbook" panose="02040604050505020304" pitchFamily="18" charset="0"/>
+              </a:rPr>
+              <a:t> (selection) consists in keeping the best neural networks as they are. These birds automatically survive to the next generation.</a:t>
+            </a:r>
+          </a:p>
+          <a:p>
+            <a:r>
+              <a:rPr lang="en-GB" sz="1700" b="1" dirty="0">
+                <a:latin typeface="Century Schoolbook" panose="02040604050505020304" pitchFamily="18" charset="0"/>
+              </a:rPr>
+              <a:t>Crossovers</a:t>
+            </a:r>
+            <a:r>
+              <a:rPr lang="en-GB" sz="1700" i="1" dirty="0">
+                <a:latin typeface="Century Schoolbook" panose="02040604050505020304" pitchFamily="18" charset="0"/>
+              </a:rPr>
+              <a:t> </a:t>
+            </a:r>
+            <a:r>
+              <a:rPr lang="en-GB" sz="1700" dirty="0">
+                <a:latin typeface="Century Schoolbook" panose="02040604050505020304" pitchFamily="18" charset="0"/>
+              </a:rPr>
+              <a:t>are created by mixing the neural networks of a pair of well performing parents and adding some mutations (slightly changing some weights).</a:t>
+            </a:r>
+          </a:p>
+          <a:p>
+            <a:r>
+              <a:rPr lang="en-GB" sz="1700" b="1" dirty="0">
+                <a:latin typeface="Century Schoolbook" panose="02040604050505020304" pitchFamily="18" charset="0"/>
+              </a:rPr>
+              <a:t>New random neural networks </a:t>
+            </a:r>
+            <a:r>
+              <a:rPr lang="en-GB" sz="1700" dirty="0">
+                <a:latin typeface="Century Schoolbook" panose="02040604050505020304" pitchFamily="18" charset="0"/>
+              </a:rPr>
+              <a:t>are also generated.</a:t>
+            </a:r>
+          </a:p>
+        </p:txBody>
+      </p:sp>
+      <p:pic>
+        <p:nvPicPr>
+          <p:cNvPr id="7" name="Content Placeholder 6">
+            <a:extLst>
+              <a:ext uri="{FF2B5EF4-FFF2-40B4-BE49-F238E27FC236}">
+                <a16:creationId xmlns:a16="http://schemas.microsoft.com/office/drawing/2014/main" id="{3BB1972D-853A-E648-B111-7BBC853BC634}"/>
+              </a:ext>
+            </a:extLst>
+          </p:cNvPr>
+          <p:cNvPicPr>
+            <a:picLocks noChangeAspect="1"/>
+          </p:cNvPicPr>
+          <p:nvPr/>
+        </p:nvPicPr>
+        <p:blipFill>
+          <a:blip r:embed="rId2"/>
+          <a:stretch>
+            <a:fillRect/>
+          </a:stretch>
+        </p:blipFill>
+        <p:spPr>
+          <a:xfrm>
+            <a:off x="5282497" y="1246997"/>
+            <a:ext cx="6440424" cy="3413423"/>
+          </a:xfrm>
+          <a:prstGeom prst="rect">
+            <a:avLst/>
+          </a:prstGeom>
+        </p:spPr>
+      </p:pic>
+      <p:sp>
+        <p:nvSpPr>
+          <p:cNvPr id="9" name="TextBox 8">
+            <a:extLst>
+              <a:ext uri="{FF2B5EF4-FFF2-40B4-BE49-F238E27FC236}">
+                <a16:creationId xmlns:a16="http://schemas.microsoft.com/office/drawing/2014/main" id="{DDC8136A-A47A-E149-A798-2ADFDCC41D9E}"/>
+              </a:ext>
+            </a:extLst>
+          </p:cNvPr>
+          <p:cNvSpPr txBox="1"/>
+          <p:nvPr/>
+        </p:nvSpPr>
+        <p:spPr>
+          <a:xfrm>
+            <a:off x="5008528" y="4596021"/>
+            <a:ext cx="7093651" cy="369332"/>
+          </a:xfrm>
+          <a:prstGeom prst="rect">
+            <a:avLst/>
+          </a:prstGeom>
+          <a:noFill/>
+        </p:spPr>
+        <p:txBody>
+          <a:bodyPr wrap="square" rtlCol="0">
+            <a:spAutoFit/>
+          </a:bodyPr>
+          <a:lstStyle/>
+          <a:p>
+            <a:pPr algn="ctr">
+              <a:spcAft>
+                <a:spcPts val="600"/>
+              </a:spcAft>
+            </a:pPr>
+            <a:r>
+              <a:rPr lang="en-GB" u="sng" dirty="0">
+                <a:latin typeface="Century Schoolbook" panose="02040604050505020304" pitchFamily="18" charset="0"/>
+              </a:rPr>
+              <a:t>Methods for creating the neural networks of the next generations </a:t>
+            </a:r>
+            <a:endParaRPr lang="en-FR" u="sng" dirty="0">
+              <a:latin typeface="Century Schoolbook" panose="02040604050505020304" pitchFamily="18" charset="0"/>
+            </a:endParaRPr>
+          </a:p>
+        </p:txBody>
+      </p:sp>
+      <p:sp>
+        <p:nvSpPr>
+          <p:cNvPr id="10" name="TextBox 9">
+            <a:extLst>
+              <a:ext uri="{FF2B5EF4-FFF2-40B4-BE49-F238E27FC236}">
+                <a16:creationId xmlns:a16="http://schemas.microsoft.com/office/drawing/2014/main" id="{B1D94EC4-6E70-1542-9146-83EFEF8F0A1C}"/>
+              </a:ext>
+            </a:extLst>
+          </p:cNvPr>
+          <p:cNvSpPr txBox="1"/>
+          <p:nvPr/>
+        </p:nvSpPr>
+        <p:spPr>
+          <a:xfrm>
+            <a:off x="5095964" y="5417318"/>
+            <a:ext cx="6813489" cy="646331"/>
+          </a:xfrm>
+          <a:prstGeom prst="rect">
+            <a:avLst/>
+          </a:prstGeom>
+          <a:noFill/>
+        </p:spPr>
+        <p:txBody>
+          <a:bodyPr wrap="square" rtlCol="0">
+            <a:spAutoFit/>
+          </a:bodyPr>
+          <a:lstStyle/>
+          <a:p>
+            <a:pPr algn="ctr"/>
+            <a:r>
+              <a:rPr lang="en-FR" dirty="0">
+                <a:latin typeface="Century Schoolbook" panose="02040604050505020304" pitchFamily="18" charset="0"/>
+              </a:rPr>
+              <a:t>Many other ways of creating neural networks for the next generation</a:t>
+            </a:r>
+            <a:r>
+              <a:rPr lang="en-FR" dirty="0">
+                <a:latin typeface="Century Schoolbook" panose="02040604050505020304" pitchFamily="18" charset="0"/>
+                <a:sym typeface="Wingdings" pitchFamily="2" charset="2"/>
+              </a:rPr>
+              <a:t> (e.g. slighty mutating a good performing one)</a:t>
+            </a:r>
+            <a:endParaRPr lang="en-FR" dirty="0">
+              <a:latin typeface="Century Schoolbook" panose="02040604050505020304" pitchFamily="18" charset="0"/>
+            </a:endParaRPr>
+          </a:p>
+        </p:txBody>
+      </p:sp>
+      <p:sp>
+        <p:nvSpPr>
+          <p:cNvPr id="12" name="TextBox 11">
+            <a:extLst>
+              <a:ext uri="{FF2B5EF4-FFF2-40B4-BE49-F238E27FC236}">
+                <a16:creationId xmlns:a16="http://schemas.microsoft.com/office/drawing/2014/main" id="{C03F8503-1B76-E044-AAD4-91D0C1012DD3}"/>
+              </a:ext>
+            </a:extLst>
+          </p:cNvPr>
+          <p:cNvSpPr txBox="1"/>
+          <p:nvPr/>
+        </p:nvSpPr>
+        <p:spPr>
+          <a:xfrm>
+            <a:off x="5147309" y="668278"/>
+            <a:ext cx="1428750" cy="323165"/>
+          </a:xfrm>
+          <a:prstGeom prst="rect">
+            <a:avLst/>
+          </a:prstGeom>
+          <a:noFill/>
+        </p:spPr>
+        <p:txBody>
+          <a:bodyPr wrap="square" rtlCol="0">
+            <a:spAutoFit/>
+          </a:bodyPr>
+          <a:lstStyle/>
+          <a:p>
+            <a:pPr algn="ctr"/>
+            <a:r>
+              <a:rPr lang="en-GB" sz="1500" dirty="0">
+                <a:latin typeface="Century Schoolbook" panose="02040604050505020304" pitchFamily="18" charset="0"/>
+              </a:rPr>
+              <a:t>G</a:t>
+            </a:r>
+            <a:r>
+              <a:rPr lang="en-FR" sz="1500" dirty="0">
+                <a:latin typeface="Century Schoolbook" panose="02040604050505020304" pitchFamily="18" charset="0"/>
+              </a:rPr>
+              <a:t>eneration </a:t>
+            </a:r>
+            <a:r>
+              <a:rPr lang="en-FR" sz="1500" i="1" dirty="0">
+                <a:latin typeface="Century Schoolbook" panose="02040604050505020304" pitchFamily="18" charset="0"/>
+              </a:rPr>
+              <a:t>k</a:t>
+            </a:r>
+          </a:p>
+        </p:txBody>
+      </p:sp>
+      <p:sp>
+        <p:nvSpPr>
+          <p:cNvPr id="13" name="TextBox 12">
+            <a:extLst>
+              <a:ext uri="{FF2B5EF4-FFF2-40B4-BE49-F238E27FC236}">
+                <a16:creationId xmlns:a16="http://schemas.microsoft.com/office/drawing/2014/main" id="{95A4AF89-8750-0E4F-9EB1-F3596639F9A4}"/>
+              </a:ext>
+            </a:extLst>
+          </p:cNvPr>
+          <p:cNvSpPr txBox="1"/>
+          <p:nvPr/>
+        </p:nvSpPr>
+        <p:spPr>
+          <a:xfrm>
+            <a:off x="6898004" y="662259"/>
+            <a:ext cx="1657350" cy="323165"/>
+          </a:xfrm>
+          <a:prstGeom prst="rect">
+            <a:avLst/>
+          </a:prstGeom>
+          <a:noFill/>
+        </p:spPr>
+        <p:txBody>
+          <a:bodyPr wrap="square" rtlCol="0">
+            <a:spAutoFit/>
+          </a:bodyPr>
+          <a:lstStyle/>
+          <a:p>
+            <a:pPr algn="ctr"/>
+            <a:r>
+              <a:rPr lang="en-GB" sz="1500" dirty="0">
+                <a:latin typeface="Century Schoolbook" panose="02040604050505020304" pitchFamily="18" charset="0"/>
+              </a:rPr>
+              <a:t>G</a:t>
+            </a:r>
+            <a:r>
+              <a:rPr lang="en-FR" sz="1500" dirty="0">
+                <a:latin typeface="Century Schoolbook" panose="02040604050505020304" pitchFamily="18" charset="0"/>
+              </a:rPr>
+              <a:t>eneration </a:t>
+            </a:r>
+            <a:r>
+              <a:rPr lang="en-FR" sz="1500" i="1" dirty="0">
+                <a:latin typeface="Century Schoolbook" panose="02040604050505020304" pitchFamily="18" charset="0"/>
+              </a:rPr>
+              <a:t>k+1</a:t>
+            </a:r>
+          </a:p>
+        </p:txBody>
+      </p:sp>
+      <p:cxnSp>
+        <p:nvCxnSpPr>
+          <p:cNvPr id="17" name="Straight Arrow Connector 16">
+            <a:extLst>
+              <a:ext uri="{FF2B5EF4-FFF2-40B4-BE49-F238E27FC236}">
+                <a16:creationId xmlns:a16="http://schemas.microsoft.com/office/drawing/2014/main" id="{6781D98A-8D06-4A4B-BAE2-B87F6879E4E3}"/>
+              </a:ext>
+            </a:extLst>
+          </p:cNvPr>
+          <p:cNvCxnSpPr/>
+          <p:nvPr/>
+        </p:nvCxnSpPr>
+        <p:spPr>
+          <a:xfrm>
+            <a:off x="5861684" y="991443"/>
+            <a:ext cx="0" cy="394445"/>
+          </a:xfrm>
+          <a:prstGeom prst="straightConnector1">
+            <a:avLst/>
+          </a:prstGeom>
+          <a:ln>
+            <a:tailEnd type="triangle"/>
+          </a:ln>
+        </p:spPr>
+        <p:style>
+          <a:lnRef idx="1">
+            <a:schemeClr val="accent1"/>
+          </a:lnRef>
+          <a:fillRef idx="0">
+            <a:schemeClr val="accent1"/>
+          </a:fillRef>
+          <a:effectRef idx="0">
+            <a:schemeClr val="accent1"/>
+          </a:effectRef>
+          <a:fontRef idx="minor">
+            <a:schemeClr val="tx1"/>
+          </a:fontRef>
+        </p:style>
+      </p:cxnSp>
+      <p:cxnSp>
+        <p:nvCxnSpPr>
+          <p:cNvPr id="23" name="Straight Arrow Connector 22">
+            <a:extLst>
+              <a:ext uri="{FF2B5EF4-FFF2-40B4-BE49-F238E27FC236}">
+                <a16:creationId xmlns:a16="http://schemas.microsoft.com/office/drawing/2014/main" id="{8EFCBB01-54F5-F04A-AF6B-C0DE50304F01}"/>
+              </a:ext>
+            </a:extLst>
+          </p:cNvPr>
+          <p:cNvCxnSpPr/>
+          <p:nvPr/>
+        </p:nvCxnSpPr>
+        <p:spPr>
+          <a:xfrm>
+            <a:off x="7726679" y="995426"/>
+            <a:ext cx="0" cy="394445"/>
+          </a:xfrm>
+          <a:prstGeom prst="straightConnector1">
+            <a:avLst/>
+          </a:prstGeom>
+          <a:ln>
+            <a:tailEnd type="triangle"/>
+          </a:ln>
+        </p:spPr>
+        <p:style>
+          <a:lnRef idx="1">
+            <a:schemeClr val="accent1"/>
+          </a:lnRef>
+          <a:fillRef idx="0">
+            <a:schemeClr val="accent1"/>
+          </a:fillRef>
+          <a:effectRef idx="0">
+            <a:schemeClr val="accent1"/>
+          </a:effectRef>
+          <a:fontRef idx="minor">
+            <a:schemeClr val="tx1"/>
+          </a:fontRef>
+        </p:style>
+      </p:cxnSp>
+    </p:spTree>
+    <p:extLst>
+      <p:ext uri="{BB962C8B-B14F-4D97-AF65-F5344CB8AC3E}">
+        <p14:creationId xmlns:p14="http://schemas.microsoft.com/office/powerpoint/2010/main" val="3163025044"/>
+      </p:ext>
+    </p:extLst>
+  </p:cSld>
+  <p:clrMapOvr>
+    <a:masterClrMapping/>
+  </p:clrMapOvr>
+</p:sld>
+</file>
+
+<file path=ppt/slides/slide8.xml><?xml version="1.0" encoding="utf-8"?>
 <p:sld xmlns:a="http://schemas.openxmlformats.org/drawingml/2006/main" xmlns:r="http://schemas.openxmlformats.org/officeDocument/2006/relationships" xmlns:p="http://schemas.openxmlformats.org/presentationml/2006/main">
   <p:cSld>
     <p:spTree>
@@ -7316,7 +9220,7 @@
           <p:cNvPr id="2" name="Title 1">
             <a:extLst>
               <a:ext uri="{FF2B5EF4-FFF2-40B4-BE49-F238E27FC236}">
-                <a16:creationId xmlns:a16="http://schemas.microsoft.com/office/drawing/2014/main" id="{93DCBE7F-ABDF-5340-8EFE-472A072C84DC}"/>
+                <a16:creationId xmlns:a16="http://schemas.microsoft.com/office/drawing/2014/main" id="{E9FA1576-2D54-064E-B141-CBCFC04A54C8}"/>
               </a:ext>
             </a:extLst>
           </p:cNvPr>
@@ -7328,6 +9232,528 @@
           </p:nvPr>
         </p:nvSpPr>
         <p:spPr/>
+        <p:txBody>
+          <a:bodyPr/>
+          <a:lstStyle/>
+          <a:p>
+            <a:r>
+              <a:rPr lang="en-FR" dirty="0">
+                <a:latin typeface="Century Schoolbook" panose="02040604050505020304" pitchFamily="18" charset="0"/>
+              </a:rPr>
+              <a:t>What proportions should we use?</a:t>
+            </a:r>
+          </a:p>
+        </p:txBody>
+      </p:sp>
+      <p:sp>
+        <p:nvSpPr>
+          <p:cNvPr id="3" name="Content Placeholder 2">
+            <a:extLst>
+              <a:ext uri="{FF2B5EF4-FFF2-40B4-BE49-F238E27FC236}">
+                <a16:creationId xmlns:a16="http://schemas.microsoft.com/office/drawing/2014/main" id="{F18B16CF-D2AC-7648-A120-FFE40D1C9F1B}"/>
+              </a:ext>
+            </a:extLst>
+          </p:cNvPr>
+          <p:cNvSpPr>
+            <a:spLocks noGrp="1"/>
+          </p:cNvSpPr>
+          <p:nvPr>
+            <p:ph idx="1"/>
+          </p:nvPr>
+        </p:nvSpPr>
+        <p:spPr>
+          <a:xfrm>
+            <a:off x="1115568" y="2478024"/>
+            <a:ext cx="3613595" cy="1593914"/>
+          </a:xfrm>
+        </p:spPr>
+        <p:txBody>
+          <a:bodyPr/>
+          <a:lstStyle/>
+          <a:p>
+            <a:r>
+              <a:rPr lang="en-FR" dirty="0">
+                <a:latin typeface="Century Schoolbook" panose="02040604050505020304" pitchFamily="18" charset="0"/>
+              </a:rPr>
+              <a:t>E: elitism</a:t>
+            </a:r>
+          </a:p>
+          <a:p>
+            <a:r>
+              <a:rPr lang="en-FR" dirty="0">
+                <a:latin typeface="Century Schoolbook" panose="02040604050505020304" pitchFamily="18" charset="0"/>
+              </a:rPr>
+              <a:t>R: random networks</a:t>
+            </a:r>
+          </a:p>
+          <a:p>
+            <a:r>
+              <a:rPr lang="en-FR" dirty="0">
+                <a:latin typeface="Century Schoolbook" panose="02040604050505020304" pitchFamily="18" charset="0"/>
+              </a:rPr>
+              <a:t>B: breeding</a:t>
+            </a:r>
+          </a:p>
+        </p:txBody>
+      </p:sp>
+    </p:spTree>
+    <p:extLst>
+      <p:ext uri="{BB962C8B-B14F-4D97-AF65-F5344CB8AC3E}">
+        <p14:creationId xmlns:p14="http://schemas.microsoft.com/office/powerpoint/2010/main" val="1806465999"/>
+      </p:ext>
+    </p:extLst>
+  </p:cSld>
+  <p:clrMapOvr>
+    <a:masterClrMapping/>
+  </p:clrMapOvr>
+</p:sld>
+</file>
+
+<file path=ppt/slides/slide9.xml><?xml version="1.0" encoding="utf-8"?>
+<p:sld xmlns:a="http://schemas.openxmlformats.org/drawingml/2006/main" xmlns:r="http://schemas.openxmlformats.org/officeDocument/2006/relationships" xmlns:p="http://schemas.openxmlformats.org/presentationml/2006/main">
+  <p:cSld>
+    <p:bg>
+      <p:bgPr>
+        <a:solidFill>
+          <a:schemeClr val="bg1"/>
+        </a:solidFill>
+        <a:effectLst/>
+      </p:bgPr>
+    </p:bg>
+    <p:spTree>
+      <p:nvGrpSpPr>
+        <p:cNvPr id="1" name=""/>
+        <p:cNvGrpSpPr/>
+        <p:nvPr/>
+      </p:nvGrpSpPr>
+      <p:grpSpPr>
+        <a:xfrm>
+          <a:off x="0" y="0"/>
+          <a:ext cx="0" cy="0"/>
+          <a:chOff x="0" y="0"/>
+          <a:chExt cx="0" cy="0"/>
+        </a:xfrm>
+      </p:grpSpPr>
+      <p:sp useBgFill="1">
+        <p:nvSpPr>
+          <p:cNvPr id="8" name="Rectangle 7">
+            <a:extLst>
+              <a:ext uri="{FF2B5EF4-FFF2-40B4-BE49-F238E27FC236}">
+                <a16:creationId xmlns:a16="http://schemas.microsoft.com/office/drawing/2014/main" id="{1C799903-48D5-4A31-A1A2-541072D9771E}"/>
+              </a:ext>
+              <a:ext uri="{C183D7F6-B498-43B3-948B-1728B52AA6E4}">
+                <adec:decorative xmlns:adec="http://schemas.microsoft.com/office/drawing/2017/decorative" val="1"/>
+              </a:ext>
+            </a:extLst>
+          </p:cNvPr>
+          <p:cNvSpPr>
+            <a:spLocks noGrp="1" noRot="1" noChangeAspect="1" noMove="1" noResize="1" noEditPoints="1" noAdjustHandles="1" noChangeArrowheads="1" noChangeShapeType="1" noTextEdit="1"/>
+          </p:cNvSpPr>
+          <p:nvPr>
+            <p:extLst>
+              <p:ext uri="{386F3935-93C4-4BCD-93E2-E3B085C9AB24}">
+                <p16:designElem xmlns:p16="http://schemas.microsoft.com/office/powerpoint/2015/main" val="1"/>
+              </p:ext>
+            </p:extLst>
+          </p:nvPr>
+        </p:nvSpPr>
+        <p:spPr>
+          <a:xfrm>
+            <a:off x="0" y="0"/>
+            <a:ext cx="12192002" cy="6858000"/>
+          </a:xfrm>
+          <a:prstGeom prst="rect">
+            <a:avLst/>
+          </a:prstGeom>
+          <a:ln>
+            <a:noFill/>
+          </a:ln>
+        </p:spPr>
+        <p:style>
+          <a:lnRef idx="2">
+            <a:schemeClr val="accent1">
+              <a:shade val="50000"/>
+            </a:schemeClr>
+          </a:lnRef>
+          <a:fillRef idx="1">
+            <a:schemeClr val="accent1"/>
+          </a:fillRef>
+          <a:effectRef idx="0">
+            <a:schemeClr val="accent1"/>
+          </a:effectRef>
+          <a:fontRef idx="minor">
+            <a:schemeClr val="lt1"/>
+          </a:fontRef>
+        </p:style>
+        <p:txBody>
+          <a:bodyPr rtlCol="0" anchor="ctr"/>
+          <a:lstStyle/>
+          <a:p>
+            <a:pPr algn="ctr"/>
+            <a:endParaRPr lang="en-US"/>
+          </a:p>
+        </p:txBody>
+      </p:sp>
+      <p:sp useBgFill="1">
+        <p:nvSpPr>
+          <p:cNvPr id="10" name="Freeform: Shape 9">
+            <a:extLst>
+              <a:ext uri="{FF2B5EF4-FFF2-40B4-BE49-F238E27FC236}">
+                <a16:creationId xmlns:a16="http://schemas.microsoft.com/office/drawing/2014/main" id="{8EFFF109-FC58-4FD3-BE05-9775A1310F55}"/>
+              </a:ext>
+              <a:ext uri="{C183D7F6-B498-43B3-948B-1728B52AA6E4}">
+                <adec:decorative xmlns:adec="http://schemas.microsoft.com/office/drawing/2017/decorative" val="1"/>
+              </a:ext>
+            </a:extLst>
+          </p:cNvPr>
+          <p:cNvSpPr>
+            <a:spLocks noGrp="1" noRot="1" noChangeAspect="1" noMove="1" noResize="1" noEditPoints="1" noAdjustHandles="1" noChangeArrowheads="1" noChangeShapeType="1" noTextEdit="1"/>
+          </p:cNvSpPr>
+          <p:nvPr>
+            <p:extLst>
+              <p:ext uri="{386F3935-93C4-4BCD-93E2-E3B085C9AB24}">
+                <p16:designElem xmlns:p16="http://schemas.microsoft.com/office/powerpoint/2015/main" val="1"/>
+              </p:ext>
+            </p:extLst>
+          </p:nvPr>
+        </p:nvSpPr>
+        <p:spPr>
+          <a:xfrm>
+            <a:off x="-1" y="0"/>
+            <a:ext cx="4818889" cy="6858000"/>
+          </a:xfrm>
+          <a:custGeom>
+            <a:avLst/>
+            <a:gdLst>
+              <a:gd name="connsiteX0" fmla="*/ 0 w 4818889"/>
+              <a:gd name="connsiteY0" fmla="*/ 0 h 6858000"/>
+              <a:gd name="connsiteX1" fmla="*/ 3605911 w 4818889"/>
+              <a:gd name="connsiteY1" fmla="*/ 0 h 6858000"/>
+              <a:gd name="connsiteX2" fmla="*/ 3668894 w 4818889"/>
+              <a:gd name="connsiteY2" fmla="*/ 69271 h 6858000"/>
+              <a:gd name="connsiteX3" fmla="*/ 4818889 w 4818889"/>
+              <a:gd name="connsiteY3" fmla="*/ 3429000 h 6858000"/>
+              <a:gd name="connsiteX4" fmla="*/ 3668894 w 4818889"/>
+              <a:gd name="connsiteY4" fmla="*/ 6788730 h 6858000"/>
+              <a:gd name="connsiteX5" fmla="*/ 3605911 w 4818889"/>
+              <a:gd name="connsiteY5" fmla="*/ 6858000 h 6858000"/>
+              <a:gd name="connsiteX6" fmla="*/ 0 w 4818889"/>
+              <a:gd name="connsiteY6" fmla="*/ 6858000 h 6858000"/>
+            </a:gdLst>
+            <a:ahLst/>
+            <a:cxnLst>
+              <a:cxn ang="0">
+                <a:pos x="connsiteX0" y="connsiteY0"/>
+              </a:cxn>
+              <a:cxn ang="0">
+                <a:pos x="connsiteX1" y="connsiteY1"/>
+              </a:cxn>
+              <a:cxn ang="0">
+                <a:pos x="connsiteX2" y="connsiteY2"/>
+              </a:cxn>
+              <a:cxn ang="0">
+                <a:pos x="connsiteX3" y="connsiteY3"/>
+              </a:cxn>
+              <a:cxn ang="0">
+                <a:pos x="connsiteX4" y="connsiteY4"/>
+              </a:cxn>
+              <a:cxn ang="0">
+                <a:pos x="connsiteX5" y="connsiteY5"/>
+              </a:cxn>
+              <a:cxn ang="0">
+                <a:pos x="connsiteX6" y="connsiteY6"/>
+              </a:cxn>
+            </a:cxnLst>
+            <a:rect l="l" t="t" r="r" b="b"/>
+            <a:pathLst>
+              <a:path w="4818889" h="6858000">
+                <a:moveTo>
+                  <a:pt x="0" y="0"/>
+                </a:moveTo>
+                <a:lnTo>
+                  <a:pt x="3605911" y="0"/>
+                </a:lnTo>
+                <a:lnTo>
+                  <a:pt x="3668894" y="69271"/>
+                </a:lnTo>
+                <a:cubicBezTo>
+                  <a:pt x="4379420" y="929100"/>
+                  <a:pt x="4818889" y="2116944"/>
+                  <a:pt x="4818889" y="3429000"/>
+                </a:cubicBezTo>
+                <a:cubicBezTo>
+                  <a:pt x="4818889" y="4741056"/>
+                  <a:pt x="4379420" y="5928900"/>
+                  <a:pt x="3668894" y="6788730"/>
+                </a:cubicBezTo>
+                <a:lnTo>
+                  <a:pt x="3605911" y="6858000"/>
+                </a:lnTo>
+                <a:lnTo>
+                  <a:pt x="0" y="6858000"/>
+                </a:lnTo>
+                <a:close/>
+              </a:path>
+            </a:pathLst>
+          </a:custGeom>
+          <a:ln w="9525">
+            <a:solidFill>
+              <a:schemeClr val="tx2">
+                <a:lumMod val="10000"/>
+                <a:lumOff val="90000"/>
+              </a:schemeClr>
+            </a:solidFill>
+          </a:ln>
+          <a:effectLst>
+            <a:outerShdw blurRad="50800" dist="38100" algn="l" rotWithShape="0">
+              <a:schemeClr val="bg1">
+                <a:lumMod val="85000"/>
+                <a:alpha val="30000"/>
+              </a:schemeClr>
+            </a:outerShdw>
+          </a:effectLst>
+        </p:spPr>
+        <p:style>
+          <a:lnRef idx="2">
+            <a:schemeClr val="accent1">
+              <a:shade val="50000"/>
+            </a:schemeClr>
+          </a:lnRef>
+          <a:fillRef idx="1">
+            <a:schemeClr val="accent1"/>
+          </a:fillRef>
+          <a:effectRef idx="0">
+            <a:schemeClr val="accent1"/>
+          </a:effectRef>
+          <a:fontRef idx="minor">
+            <a:schemeClr val="lt1"/>
+          </a:fontRef>
+        </p:style>
+        <p:txBody>
+          <a:bodyPr wrap="square" rtlCol="0" anchor="ctr">
+            <a:noAutofit/>
+          </a:bodyPr>
+          <a:lstStyle/>
+          <a:p>
+            <a:pPr marL="0" marR="0" lvl="0" indent="0" algn="ctr" defTabSz="914400" rtl="0" eaLnBrk="1" fontAlgn="auto" latinLnBrk="0" hangingPunct="1">
+              <a:lnSpc>
+                <a:spcPct val="100000"/>
+              </a:lnSpc>
+              <a:spcBef>
+                <a:spcPts val="0"/>
+              </a:spcBef>
+              <a:spcAft>
+                <a:spcPts val="0"/>
+              </a:spcAft>
+              <a:buClrTx/>
+              <a:buSzTx/>
+              <a:buFontTx/>
+              <a:buNone/>
+              <a:tabLst/>
+              <a:defRPr/>
+            </a:pPr>
+            <a:endParaRPr kumimoji="0" lang="en-US" sz="1800" b="0" i="0" u="none" strike="noStrike" kern="1200" cap="none" spc="0" normalizeH="0" baseline="0" noProof="0">
+              <a:ln>
+                <a:noFill/>
+              </a:ln>
+              <a:solidFill>
+                <a:prstClr val="white"/>
+              </a:solidFill>
+              <a:effectLst/>
+              <a:uLnTx/>
+              <a:uFillTx/>
+              <a:latin typeface="Calibri" panose="020F0502020204030204"/>
+              <a:ea typeface="+mn-ea"/>
+              <a:cs typeface="+mn-cs"/>
+            </a:endParaRPr>
+          </a:p>
+        </p:txBody>
+      </p:sp>
+      <p:sp useBgFill="1">
+        <p:nvSpPr>
+          <p:cNvPr id="12" name="Freeform: Shape 11">
+            <a:extLst>
+              <a:ext uri="{FF2B5EF4-FFF2-40B4-BE49-F238E27FC236}">
+                <a16:creationId xmlns:a16="http://schemas.microsoft.com/office/drawing/2014/main" id="{E1B96AD6-92A9-4273-A62B-96A1C3E0BA95}"/>
+              </a:ext>
+              <a:ext uri="{C183D7F6-B498-43B3-948B-1728B52AA6E4}">
+                <adec:decorative xmlns:adec="http://schemas.microsoft.com/office/drawing/2017/decorative" val="1"/>
+              </a:ext>
+            </a:extLst>
+          </p:cNvPr>
+          <p:cNvSpPr>
+            <a:spLocks noGrp="1" noRot="1" noChangeAspect="1" noMove="1" noResize="1" noEditPoints="1" noAdjustHandles="1" noChangeArrowheads="1" noChangeShapeType="1" noTextEdit="1"/>
+          </p:cNvSpPr>
+          <p:nvPr>
+            <p:extLst>
+              <p:ext uri="{386F3935-93C4-4BCD-93E2-E3B085C9AB24}">
+                <p16:designElem xmlns:p16="http://schemas.microsoft.com/office/powerpoint/2015/main" val="1"/>
+              </p:ext>
+            </p:extLst>
+          </p:nvPr>
+        </p:nvSpPr>
+        <p:spPr>
+          <a:xfrm>
+            <a:off x="1" y="0"/>
+            <a:ext cx="4811477" cy="6858000"/>
+          </a:xfrm>
+          <a:custGeom>
+            <a:avLst/>
+            <a:gdLst>
+              <a:gd name="connsiteX0" fmla="*/ 0 w 4811477"/>
+              <a:gd name="connsiteY0" fmla="*/ 0 h 6858000"/>
+              <a:gd name="connsiteX1" fmla="*/ 3598499 w 4811477"/>
+              <a:gd name="connsiteY1" fmla="*/ 0 h 6858000"/>
+              <a:gd name="connsiteX2" fmla="*/ 3661482 w 4811477"/>
+              <a:gd name="connsiteY2" fmla="*/ 69271 h 6858000"/>
+              <a:gd name="connsiteX3" fmla="*/ 4811477 w 4811477"/>
+              <a:gd name="connsiteY3" fmla="*/ 3429000 h 6858000"/>
+              <a:gd name="connsiteX4" fmla="*/ 3661482 w 4811477"/>
+              <a:gd name="connsiteY4" fmla="*/ 6788730 h 6858000"/>
+              <a:gd name="connsiteX5" fmla="*/ 3598499 w 4811477"/>
+              <a:gd name="connsiteY5" fmla="*/ 6858000 h 6858000"/>
+              <a:gd name="connsiteX6" fmla="*/ 0 w 4811477"/>
+              <a:gd name="connsiteY6" fmla="*/ 6858000 h 6858000"/>
+            </a:gdLst>
+            <a:ahLst/>
+            <a:cxnLst>
+              <a:cxn ang="0">
+                <a:pos x="connsiteX0" y="connsiteY0"/>
+              </a:cxn>
+              <a:cxn ang="0">
+                <a:pos x="connsiteX1" y="connsiteY1"/>
+              </a:cxn>
+              <a:cxn ang="0">
+                <a:pos x="connsiteX2" y="connsiteY2"/>
+              </a:cxn>
+              <a:cxn ang="0">
+                <a:pos x="connsiteX3" y="connsiteY3"/>
+              </a:cxn>
+              <a:cxn ang="0">
+                <a:pos x="connsiteX4" y="connsiteY4"/>
+              </a:cxn>
+              <a:cxn ang="0">
+                <a:pos x="connsiteX5" y="connsiteY5"/>
+              </a:cxn>
+              <a:cxn ang="0">
+                <a:pos x="connsiteX6" y="connsiteY6"/>
+              </a:cxn>
+            </a:cxnLst>
+            <a:rect l="l" t="t" r="r" b="b"/>
+            <a:pathLst>
+              <a:path w="4811477" h="6858000">
+                <a:moveTo>
+                  <a:pt x="0" y="0"/>
+                </a:moveTo>
+                <a:lnTo>
+                  <a:pt x="3598499" y="0"/>
+                </a:lnTo>
+                <a:lnTo>
+                  <a:pt x="3661482" y="69271"/>
+                </a:lnTo>
+                <a:cubicBezTo>
+                  <a:pt x="4372008" y="929100"/>
+                  <a:pt x="4811477" y="2116944"/>
+                  <a:pt x="4811477" y="3429000"/>
+                </a:cubicBezTo>
+                <a:cubicBezTo>
+                  <a:pt x="4811477" y="4741056"/>
+                  <a:pt x="4372008" y="5928900"/>
+                  <a:pt x="3661482" y="6788730"/>
+                </a:cubicBezTo>
+                <a:lnTo>
+                  <a:pt x="3598499" y="6858000"/>
+                </a:lnTo>
+                <a:lnTo>
+                  <a:pt x="0" y="6858000"/>
+                </a:lnTo>
+                <a:close/>
+              </a:path>
+            </a:pathLst>
+          </a:custGeom>
+          <a:ln w="9525">
+            <a:noFill/>
+          </a:ln>
+          <a:effectLst/>
+        </p:spPr>
+        <p:style>
+          <a:lnRef idx="2">
+            <a:schemeClr val="accent1">
+              <a:shade val="50000"/>
+            </a:schemeClr>
+          </a:lnRef>
+          <a:fillRef idx="1">
+            <a:schemeClr val="accent1"/>
+          </a:fillRef>
+          <a:effectRef idx="0">
+            <a:schemeClr val="accent1"/>
+          </a:effectRef>
+          <a:fontRef idx="minor">
+            <a:schemeClr val="lt1"/>
+          </a:fontRef>
+        </p:style>
+        <p:txBody>
+          <a:bodyPr wrap="square" rtlCol="0" anchor="ctr">
+            <a:noAutofit/>
+          </a:bodyPr>
+          <a:lstStyle/>
+          <a:p>
+            <a:pPr marL="0" marR="0" lvl="0" indent="0" algn="ctr" defTabSz="914400" rtl="0" eaLnBrk="1" fontAlgn="auto" latinLnBrk="0" hangingPunct="1">
+              <a:lnSpc>
+                <a:spcPct val="100000"/>
+              </a:lnSpc>
+              <a:spcBef>
+                <a:spcPts val="0"/>
+              </a:spcBef>
+              <a:spcAft>
+                <a:spcPts val="0"/>
+              </a:spcAft>
+              <a:buClrTx/>
+              <a:buSzTx/>
+              <a:buFontTx/>
+              <a:buNone/>
+              <a:tabLst/>
+              <a:defRPr/>
+            </a:pPr>
+            <a:endParaRPr kumimoji="0" lang="en-US" sz="1800" b="0" i="0" u="none" strike="noStrike" kern="1200" cap="none" spc="0" normalizeH="0" baseline="0" noProof="0">
+              <a:ln>
+                <a:noFill/>
+              </a:ln>
+              <a:solidFill>
+                <a:prstClr val="white"/>
+              </a:solidFill>
+              <a:effectLst/>
+              <a:uLnTx/>
+              <a:uFillTx/>
+              <a:latin typeface="Calibri" panose="020F0502020204030204"/>
+              <a:ea typeface="+mn-ea"/>
+              <a:cs typeface="+mn-cs"/>
+            </a:endParaRPr>
+          </a:p>
+        </p:txBody>
+      </p:sp>
+      <p:sp>
+        <p:nvSpPr>
+          <p:cNvPr id="2" name="Title 1">
+            <a:extLst>
+              <a:ext uri="{FF2B5EF4-FFF2-40B4-BE49-F238E27FC236}">
+                <a16:creationId xmlns:a16="http://schemas.microsoft.com/office/drawing/2014/main" id="{031A3A8F-512B-8A40-93C7-49747ECA82D7}"/>
+              </a:ext>
+            </a:extLst>
+          </p:cNvPr>
+          <p:cNvSpPr>
+            <a:spLocks noGrp="1"/>
+          </p:cNvSpPr>
+          <p:nvPr>
+            <p:ph type="title"/>
+          </p:nvPr>
+        </p:nvSpPr>
+        <p:spPr>
+          <a:xfrm>
+            <a:off x="621792" y="1161288"/>
+            <a:ext cx="3602736" cy="4526280"/>
+          </a:xfrm>
+        </p:spPr>
         <p:txBody>
           <a:bodyPr>
             <a:normAutofit/>
@@ -7338,50 +9764,171 @@
               <a:rPr lang="en-FR" dirty="0">
                 <a:latin typeface="Century Schoolbook" panose="02040604050505020304" pitchFamily="18" charset="0"/>
               </a:rPr>
-              <a:t>Algorithm 2: </a:t>
-            </a:r>
-            <a:r>
-              <a:rPr lang="en-FR" dirty="0">
-                <a:solidFill>
-                  <a:srgbClr val="0070C0"/>
-                </a:solidFill>
+              <a:t>Fixing parameters</a:t>
+            </a:r>
+          </a:p>
+        </p:txBody>
+      </p:sp>
+      <p:sp>
+        <p:nvSpPr>
+          <p:cNvPr id="14" name="Rectangle 13">
+            <a:extLst>
+              <a:ext uri="{FF2B5EF4-FFF2-40B4-BE49-F238E27FC236}">
+                <a16:creationId xmlns:a16="http://schemas.microsoft.com/office/drawing/2014/main" id="{463EEC44-1BA3-44ED-81FC-A644B04B2A44}"/>
+              </a:ext>
+              <a:ext uri="{C183D7F6-B498-43B3-948B-1728B52AA6E4}">
+                <adec:decorative xmlns:adec="http://schemas.microsoft.com/office/drawing/2017/decorative" val="1"/>
+              </a:ext>
+            </a:extLst>
+          </p:cNvPr>
+          <p:cNvSpPr>
+            <a:spLocks noGrp="1" noRot="1" noChangeAspect="1" noMove="1" noResize="1" noEditPoints="1" noAdjustHandles="1" noChangeArrowheads="1" noChangeShapeType="1" noTextEdit="1"/>
+          </p:cNvSpPr>
+          <p:nvPr>
+            <p:extLst>
+              <p:ext uri="{386F3935-93C4-4BCD-93E2-E3B085C9AB24}">
+                <p16:designElem xmlns:p16="http://schemas.microsoft.com/office/powerpoint/2015/main" val="1"/>
+              </p:ext>
+            </p:extLst>
+          </p:nvPr>
+        </p:nvSpPr>
+        <p:spPr>
+          <a:xfrm>
+            <a:off x="0" y="3102049"/>
+            <a:ext cx="128016" cy="653903"/>
+          </a:xfrm>
+          <a:prstGeom prst="rect">
+            <a:avLst/>
+          </a:prstGeom>
+          <a:solidFill>
+            <a:schemeClr val="accent1"/>
+          </a:solidFill>
+          <a:ln>
+            <a:noFill/>
+          </a:ln>
+        </p:spPr>
+        <p:style>
+          <a:lnRef idx="2">
+            <a:schemeClr val="accent1">
+              <a:shade val="50000"/>
+            </a:schemeClr>
+          </a:lnRef>
+          <a:fillRef idx="1">
+            <a:schemeClr val="accent1"/>
+          </a:fillRef>
+          <a:effectRef idx="0">
+            <a:schemeClr val="accent1"/>
+          </a:effectRef>
+          <a:fontRef idx="minor">
+            <a:schemeClr val="lt1"/>
+          </a:fontRef>
+        </p:style>
+        <p:txBody>
+          <a:bodyPr rtlCol="0" anchor="ctr"/>
+          <a:lstStyle/>
+          <a:p>
+            <a:pPr marL="0" marR="0" lvl="0" indent="0" algn="ctr" defTabSz="914400" rtl="0" eaLnBrk="1" fontAlgn="auto" latinLnBrk="0" hangingPunct="1">
+              <a:lnSpc>
+                <a:spcPct val="100000"/>
+              </a:lnSpc>
+              <a:spcBef>
+                <a:spcPts val="0"/>
+              </a:spcBef>
+              <a:spcAft>
+                <a:spcPts val="0"/>
+              </a:spcAft>
+              <a:buClrTx/>
+              <a:buSzTx/>
+              <a:buFontTx/>
+              <a:buNone/>
+              <a:tabLst/>
+              <a:defRPr/>
+            </a:pPr>
+            <a:endParaRPr kumimoji="0" lang="en-US" sz="1800" b="0" i="0" u="none" strike="noStrike" kern="1200" cap="none" spc="0" normalizeH="0" baseline="0" noProof="0">
+              <a:ln>
+                <a:noFill/>
+              </a:ln>
+              <a:solidFill>
+                <a:prstClr val="white"/>
+              </a:solidFill>
+              <a:effectLst/>
+              <a:uLnTx/>
+              <a:uFillTx/>
+              <a:latin typeface="Calibri" panose="020F0502020204030204"/>
+              <a:ea typeface="+mn-ea"/>
+              <a:cs typeface="+mn-cs"/>
+            </a:endParaRPr>
+          </a:p>
+        </p:txBody>
+      </p:sp>
+      <p:sp>
+        <p:nvSpPr>
+          <p:cNvPr id="3" name="Content Placeholder 2">
+            <a:extLst>
+              <a:ext uri="{FF2B5EF4-FFF2-40B4-BE49-F238E27FC236}">
+                <a16:creationId xmlns:a16="http://schemas.microsoft.com/office/drawing/2014/main" id="{8DFE668A-D5D9-084B-A2D1-A229404B56D5}"/>
+              </a:ext>
+            </a:extLst>
+          </p:cNvPr>
+          <p:cNvSpPr>
+            <a:spLocks noGrp="1"/>
+          </p:cNvSpPr>
+          <p:nvPr>
+            <p:ph idx="1"/>
+          </p:nvPr>
+        </p:nvSpPr>
+        <p:spPr>
+          <a:xfrm>
+            <a:off x="5434149" y="932688"/>
+            <a:ext cx="5916603" cy="4992624"/>
+          </a:xfrm>
+        </p:spPr>
+        <p:txBody>
+          <a:bodyPr anchor="ctr">
+            <a:normAutofit/>
+          </a:bodyPr>
+          <a:lstStyle/>
+          <a:p>
+            <a:pPr marL="0" indent="0">
+              <a:buNone/>
+            </a:pPr>
+            <a:r>
+              <a:rPr lang="en-FR" sz="2000" dirty="0">
                 <a:latin typeface="Century Schoolbook" panose="02040604050505020304" pitchFamily="18" charset="0"/>
               </a:rPr>
-              <a:t>Q-learning algorithm</a:t>
-            </a:r>
-            <a:endParaRPr lang="en-FR" dirty="0"/>
-          </a:p>
-        </p:txBody>
-      </p:sp>
-      <p:sp>
-        <p:nvSpPr>
-          <p:cNvPr id="3" name="Content Placeholder 2">
-            <a:extLst>
-              <a:ext uri="{FF2B5EF4-FFF2-40B4-BE49-F238E27FC236}">
-                <a16:creationId xmlns:a16="http://schemas.microsoft.com/office/drawing/2014/main" id="{F4D5AD91-C24E-2B4C-801A-EF356C3F36D5}"/>
-              </a:ext>
-            </a:extLst>
-          </p:cNvPr>
-          <p:cNvSpPr>
-            <a:spLocks noGrp="1"/>
-          </p:cNvSpPr>
-          <p:nvPr>
-            <p:ph idx="1"/>
-          </p:nvPr>
-        </p:nvSpPr>
-        <p:spPr/>
-        <p:txBody>
-          <a:bodyPr/>
-          <a:lstStyle/>
-          <a:p>
-            <a:endParaRPr lang="en-FR" dirty="0"/>
+              <a:t>We fix the following parameters for the following slides</a:t>
+            </a:r>
+          </a:p>
+          <a:p>
+            <a:r>
+              <a:rPr lang="en-FR" sz="2000" dirty="0">
+                <a:latin typeface="Century Schoolbook" panose="02040604050505020304" pitchFamily="18" charset="0"/>
+              </a:rPr>
+              <a:t>20% elitism</a:t>
+            </a:r>
+          </a:p>
+          <a:p>
+            <a:r>
+              <a:rPr lang="en-FR" sz="2000" dirty="0">
+                <a:latin typeface="Century Schoolbook" panose="02040604050505020304" pitchFamily="18" charset="0"/>
+              </a:rPr>
+              <a:t>20% of new random birds</a:t>
+            </a:r>
+          </a:p>
+          <a:p>
+            <a:r>
+              <a:rPr lang="en-FR" sz="2000" dirty="0">
+                <a:latin typeface="Century Schoolbook" panose="02040604050505020304" pitchFamily="18" charset="0"/>
+              </a:rPr>
+              <a:t>60% of breeding and additional random mutations</a:t>
+            </a:r>
           </a:p>
         </p:txBody>
       </p:sp>
     </p:spTree>
     <p:extLst>
       <p:ext uri="{BB962C8B-B14F-4D97-AF65-F5344CB8AC3E}">
-        <p14:creationId xmlns:p14="http://schemas.microsoft.com/office/powerpoint/2010/main" val="2903527593"/>
+        <p14:creationId xmlns:p14="http://schemas.microsoft.com/office/powerpoint/2010/main" val="4111387486"/>
       </p:ext>
     </p:extLst>
   </p:cSld>

--- a/slides.pptx
+++ b/slides.pptx
@@ -17376,32 +17376,49 @@
       </p:sp>
       <p:pic>
         <p:nvPicPr>
-          <p:cNvPr id="5" name="Picture 4" descr="Chart, bar chart&#10;&#10;Description automatically generated">
+          <p:cNvPr id="7170" name="Picture 2">
             <a:extLst>
               <a:ext uri="{FF2B5EF4-FFF2-40B4-BE49-F238E27FC236}">
-                <a16:creationId xmlns:a16="http://schemas.microsoft.com/office/drawing/2014/main" id="{229958AA-78E4-224F-A493-F2906624F802}"/>
+                <a16:creationId xmlns:a16="http://schemas.microsoft.com/office/drawing/2014/main" id="{4E81A38D-57C0-B74D-AC95-0C27BE144AB2}"/>
               </a:ext>
             </a:extLst>
           </p:cNvPr>
           <p:cNvPicPr>
-            <a:picLocks noChangeAspect="1"/>
+            <a:picLocks noChangeAspect="1" noChangeArrowheads="1"/>
           </p:cNvPicPr>
           <p:nvPr/>
         </p:nvPicPr>
         <p:blipFill>
-          <a:blip r:embed="rId2"/>
+          <a:blip r:embed="rId2">
+            <a:extLst>
+              <a:ext uri="{28A0092B-C50C-407E-A947-70E740481C1C}">
+                <a14:useLocalDpi xmlns:a14="http://schemas.microsoft.com/office/drawing/2010/main" val="0"/>
+              </a:ext>
+            </a:extLst>
+          </a:blip>
+          <a:srcRect/>
           <a:stretch>
             <a:fillRect/>
           </a:stretch>
         </p:blipFill>
-        <p:spPr>
+        <p:spPr bwMode="auto">
           <a:xfrm>
-            <a:off x="5385816" y="1275984"/>
-            <a:ext cx="6440424" cy="4250678"/>
+            <a:off x="5594350" y="1422253"/>
+            <a:ext cx="5803900" cy="4013494"/>
           </a:xfrm>
           <a:prstGeom prst="rect">
             <a:avLst/>
           </a:prstGeom>
+          <a:noFill/>
+          <a:extLst>
+            <a:ext uri="{909E8E84-426E-40DD-AFC4-6F175D3DCCD1}">
+              <a14:hiddenFill xmlns:a14="http://schemas.microsoft.com/office/drawing/2010/main">
+                <a:solidFill>
+                  <a:srgbClr val="FFFFFF"/>
+                </a:solidFill>
+              </a14:hiddenFill>
+            </a:ext>
+          </a:extLst>
         </p:spPr>
       </p:pic>
     </p:spTree>
@@ -18555,62 +18572,96 @@
       </p:sp>
       <p:pic>
         <p:nvPicPr>
-          <p:cNvPr id="7" name="Picture 6" descr="Chart, scatter chart&#10;&#10;Description automatically generated">
+          <p:cNvPr id="6146" name="Picture 2">
             <a:extLst>
               <a:ext uri="{FF2B5EF4-FFF2-40B4-BE49-F238E27FC236}">
-                <a16:creationId xmlns:a16="http://schemas.microsoft.com/office/drawing/2014/main" id="{46DC180B-2F77-694E-8085-35AA19FE2D27}"/>
+                <a16:creationId xmlns:a16="http://schemas.microsoft.com/office/drawing/2014/main" id="{D6BF6C09-20D5-C84C-8234-104630A4BCB4}"/>
               </a:ext>
             </a:extLst>
           </p:cNvPr>
           <p:cNvPicPr>
-            <a:picLocks noChangeAspect="1"/>
+            <a:picLocks noChangeAspect="1" noChangeArrowheads="1"/>
           </p:cNvPicPr>
           <p:nvPr/>
         </p:nvPicPr>
         <p:blipFill>
-          <a:blip r:embed="rId2"/>
+          <a:blip r:embed="rId2">
+            <a:extLst>
+              <a:ext uri="{28A0092B-C50C-407E-A947-70E740481C1C}">
+                <a14:useLocalDpi xmlns:a14="http://schemas.microsoft.com/office/drawing/2010/main" val="0"/>
+              </a:ext>
+            </a:extLst>
+          </a:blip>
+          <a:srcRect/>
           <a:stretch>
             <a:fillRect/>
           </a:stretch>
         </p:blipFill>
-        <p:spPr>
+        <p:spPr bwMode="auto">
           <a:xfrm>
-            <a:off x="385572" y="2243086"/>
-            <a:ext cx="5596128" cy="3889308"/>
+            <a:off x="762000" y="2264071"/>
+            <a:ext cx="4953000" cy="3568700"/>
           </a:xfrm>
           <a:prstGeom prst="rect">
             <a:avLst/>
           </a:prstGeom>
+          <a:noFill/>
+          <a:extLst>
+            <a:ext uri="{909E8E84-426E-40DD-AFC4-6F175D3DCCD1}">
+              <a14:hiddenFill xmlns:a14="http://schemas.microsoft.com/office/drawing/2010/main">
+                <a:solidFill>
+                  <a:srgbClr val="FFFFFF"/>
+                </a:solidFill>
+              </a14:hiddenFill>
+            </a:ext>
+          </a:extLst>
         </p:spPr>
       </p:pic>
       <p:pic>
         <p:nvPicPr>
-          <p:cNvPr id="5" name="Picture 4" descr="Chart, scatter chart&#10;&#10;Description automatically generated">
+          <p:cNvPr id="6148" name="Picture 4">
             <a:extLst>
               <a:ext uri="{FF2B5EF4-FFF2-40B4-BE49-F238E27FC236}">
-                <a16:creationId xmlns:a16="http://schemas.microsoft.com/office/drawing/2014/main" id="{9D49699B-2302-B64A-AB9B-3F6E89C59520}"/>
+                <a16:creationId xmlns:a16="http://schemas.microsoft.com/office/drawing/2014/main" id="{353332F1-C803-C948-ACB0-F1E2C7D10601}"/>
               </a:ext>
             </a:extLst>
           </p:cNvPr>
           <p:cNvPicPr>
-            <a:picLocks noChangeAspect="1"/>
+            <a:picLocks noChangeAspect="1" noChangeArrowheads="1"/>
           </p:cNvPicPr>
           <p:nvPr/>
         </p:nvPicPr>
         <p:blipFill>
-          <a:blip r:embed="rId3"/>
+          <a:blip r:embed="rId3">
+            <a:extLst>
+              <a:ext uri="{28A0092B-C50C-407E-A947-70E740481C1C}">
+                <a14:useLocalDpi xmlns:a14="http://schemas.microsoft.com/office/drawing/2010/main" val="0"/>
+              </a:ext>
+            </a:extLst>
+          </a:blip>
+          <a:srcRect/>
           <a:stretch>
             <a:fillRect/>
           </a:stretch>
         </p:blipFill>
-        <p:spPr>
+        <p:spPr bwMode="auto">
           <a:xfrm>
-            <a:off x="6210302" y="2264071"/>
-            <a:ext cx="5596128" cy="3847337"/>
+            <a:off x="6477000" y="2264071"/>
+            <a:ext cx="4953000" cy="3568700"/>
           </a:xfrm>
           <a:prstGeom prst="rect">
             <a:avLst/>
           </a:prstGeom>
+          <a:noFill/>
+          <a:extLst>
+            <a:ext uri="{909E8E84-426E-40DD-AFC4-6F175D3DCCD1}">
+              <a14:hiddenFill xmlns:a14="http://schemas.microsoft.com/office/drawing/2010/main">
+                <a:solidFill>
+                  <a:srgbClr val="FFFFFF"/>
+                </a:solidFill>
+              </a14:hiddenFill>
+            </a:ext>
+          </a:extLst>
         </p:spPr>
       </p:pic>
     </p:spTree>
@@ -19133,66 +19184,6 @@
           </a:p>
         </p:txBody>
       </p:sp>
-      <p:pic>
-        <p:nvPicPr>
-          <p:cNvPr id="5" name="Picture 4" descr="Chart, bar chart&#10;&#10;Description automatically generated">
-            <a:extLst>
-              <a:ext uri="{FF2B5EF4-FFF2-40B4-BE49-F238E27FC236}">
-                <a16:creationId xmlns:a16="http://schemas.microsoft.com/office/drawing/2014/main" id="{DB2D2CB5-33BD-4541-8952-0B664259FE43}"/>
-              </a:ext>
-            </a:extLst>
-          </p:cNvPr>
-          <p:cNvPicPr>
-            <a:picLocks noChangeAspect="1"/>
-          </p:cNvPicPr>
-          <p:nvPr/>
-        </p:nvPicPr>
-        <p:blipFill>
-          <a:blip r:embed="rId2"/>
-          <a:stretch>
-            <a:fillRect/>
-          </a:stretch>
-        </p:blipFill>
-        <p:spPr>
-          <a:xfrm>
-            <a:off x="385572" y="2327028"/>
-            <a:ext cx="5596128" cy="3721424"/>
-          </a:xfrm>
-          <a:prstGeom prst="rect">
-            <a:avLst/>
-          </a:prstGeom>
-        </p:spPr>
-      </p:pic>
-      <p:pic>
-        <p:nvPicPr>
-          <p:cNvPr id="7" name="Picture 6" descr="Chart, bar chart&#10;&#10;Description automatically generated">
-            <a:extLst>
-              <a:ext uri="{FF2B5EF4-FFF2-40B4-BE49-F238E27FC236}">
-                <a16:creationId xmlns:a16="http://schemas.microsoft.com/office/drawing/2014/main" id="{21567F95-AE4C-EE44-A9AC-9BCE9928D9D1}"/>
-              </a:ext>
-            </a:extLst>
-          </p:cNvPr>
-          <p:cNvPicPr>
-            <a:picLocks noChangeAspect="1"/>
-          </p:cNvPicPr>
-          <p:nvPr/>
-        </p:nvPicPr>
-        <p:blipFill>
-          <a:blip r:embed="rId3"/>
-          <a:stretch>
-            <a:fillRect/>
-          </a:stretch>
-        </p:blipFill>
-        <p:spPr>
-          <a:xfrm>
-            <a:off x="6210302" y="2362004"/>
-            <a:ext cx="5596128" cy="3651472"/>
-          </a:xfrm>
-          <a:prstGeom prst="rect">
-            <a:avLst/>
-          </a:prstGeom>
-        </p:spPr>
-      </p:pic>
       <p:sp>
         <p:nvSpPr>
           <p:cNvPr id="8" name="TextBox 7">
@@ -19269,6 +19260,100 @@
           </a:p>
         </p:txBody>
       </p:sp>
+      <p:pic>
+        <p:nvPicPr>
+          <p:cNvPr id="5124" name="Picture 4">
+            <a:extLst>
+              <a:ext uri="{FF2B5EF4-FFF2-40B4-BE49-F238E27FC236}">
+                <a16:creationId xmlns:a16="http://schemas.microsoft.com/office/drawing/2014/main" id="{EA6A186A-0DE5-A047-BF3D-4D20189ABBA4}"/>
+              </a:ext>
+            </a:extLst>
+          </p:cNvPr>
+          <p:cNvPicPr>
+            <a:picLocks noChangeAspect="1" noChangeArrowheads="1"/>
+          </p:cNvPicPr>
+          <p:nvPr/>
+        </p:nvPicPr>
+        <p:blipFill>
+          <a:blip r:embed="rId2">
+            <a:extLst>
+              <a:ext uri="{28A0092B-C50C-407E-A947-70E740481C1C}">
+                <a14:useLocalDpi xmlns:a14="http://schemas.microsoft.com/office/drawing/2010/main" val="0"/>
+              </a:ext>
+            </a:extLst>
+          </a:blip>
+          <a:srcRect/>
+          <a:stretch>
+            <a:fillRect/>
+          </a:stretch>
+        </p:blipFill>
+        <p:spPr bwMode="auto">
+          <a:xfrm>
+            <a:off x="757936" y="2356799"/>
+            <a:ext cx="4851400" cy="3416300"/>
+          </a:xfrm>
+          <a:prstGeom prst="rect">
+            <a:avLst/>
+          </a:prstGeom>
+          <a:noFill/>
+          <a:extLst>
+            <a:ext uri="{909E8E84-426E-40DD-AFC4-6F175D3DCCD1}">
+              <a14:hiddenFill xmlns:a14="http://schemas.microsoft.com/office/drawing/2010/main">
+                <a:solidFill>
+                  <a:srgbClr val="FFFFFF"/>
+                </a:solidFill>
+              </a14:hiddenFill>
+            </a:ext>
+          </a:extLst>
+        </p:spPr>
+      </p:pic>
+      <p:pic>
+        <p:nvPicPr>
+          <p:cNvPr id="5126" name="Picture 6">
+            <a:extLst>
+              <a:ext uri="{FF2B5EF4-FFF2-40B4-BE49-F238E27FC236}">
+                <a16:creationId xmlns:a16="http://schemas.microsoft.com/office/drawing/2014/main" id="{BB14F896-728D-9F42-B928-77832C4CF17D}"/>
+              </a:ext>
+            </a:extLst>
+          </p:cNvPr>
+          <p:cNvPicPr>
+            <a:picLocks noChangeAspect="1" noChangeArrowheads="1"/>
+          </p:cNvPicPr>
+          <p:nvPr/>
+        </p:nvPicPr>
+        <p:blipFill>
+          <a:blip r:embed="rId3">
+            <a:extLst>
+              <a:ext uri="{28A0092B-C50C-407E-A947-70E740481C1C}">
+                <a14:useLocalDpi xmlns:a14="http://schemas.microsoft.com/office/drawing/2010/main" val="0"/>
+              </a:ext>
+            </a:extLst>
+          </a:blip>
+          <a:srcRect/>
+          <a:stretch>
+            <a:fillRect/>
+          </a:stretch>
+        </p:blipFill>
+        <p:spPr bwMode="auto">
+          <a:xfrm>
+            <a:off x="6582666" y="2356799"/>
+            <a:ext cx="5168900" cy="3416300"/>
+          </a:xfrm>
+          <a:prstGeom prst="rect">
+            <a:avLst/>
+          </a:prstGeom>
+          <a:noFill/>
+          <a:extLst>
+            <a:ext uri="{909E8E84-426E-40DD-AFC4-6F175D3DCCD1}">
+              <a14:hiddenFill xmlns:a14="http://schemas.microsoft.com/office/drawing/2010/main">
+                <a:solidFill>
+                  <a:srgbClr val="FFFFFF"/>
+                </a:solidFill>
+              </a14:hiddenFill>
+            </a:ext>
+          </a:extLst>
+        </p:spPr>
+      </p:pic>
     </p:spTree>
     <p:extLst>
       <p:ext uri="{BB962C8B-B14F-4D97-AF65-F5344CB8AC3E}">
@@ -20690,8 +20775,8 @@
         </p:nvSpPr>
         <p:spPr>
           <a:xfrm>
-            <a:off x="621792" y="1161288"/>
-            <a:ext cx="3602736" cy="4526280"/>
+            <a:off x="621791" y="1161288"/>
+            <a:ext cx="4007359" cy="4526280"/>
           </a:xfrm>
         </p:spPr>
         <p:txBody>
@@ -20704,7 +20789,7 @@
               <a:rPr lang="en-FR" sz="3700" dirty="0">
                 <a:latin typeface="Century Schoolbook" panose="02040604050505020304" pitchFamily="18" charset="0"/>
               </a:rPr>
-              <a:t>Some achievements</a:t>
+              <a:t>Some things we are proud of</a:t>
             </a:r>
           </a:p>
         </p:txBody>
